--- a/Prop.pptx
+++ b/Prop.pptx
@@ -4,21 +4,23 @@
   <p:sldMasterIdLst>
     <p:sldMasterId id="2147483648" r:id="rId1"/>
   </p:sldMasterIdLst>
+  <p:notesMasterIdLst>
+    <p:notesMasterId r:id="rId15"/>
+  </p:notesMasterIdLst>
   <p:sldIdLst>
     <p:sldId id="256" r:id="rId2"/>
     <p:sldId id="257" r:id="rId3"/>
     <p:sldId id="258" r:id="rId4"/>
-    <p:sldId id="259" r:id="rId5"/>
-    <p:sldId id="270" r:id="rId6"/>
-    <p:sldId id="271" r:id="rId7"/>
-    <p:sldId id="272" r:id="rId8"/>
-    <p:sldId id="267" r:id="rId9"/>
-    <p:sldId id="268" r:id="rId10"/>
-    <p:sldId id="269" r:id="rId11"/>
-    <p:sldId id="263" r:id="rId12"/>
-    <p:sldId id="264" r:id="rId13"/>
-    <p:sldId id="265" r:id="rId14"/>
-    <p:sldId id="266" r:id="rId15"/>
+    <p:sldId id="273" r:id="rId5"/>
+    <p:sldId id="259" r:id="rId6"/>
+    <p:sldId id="270" r:id="rId7"/>
+    <p:sldId id="271" r:id="rId8"/>
+    <p:sldId id="272" r:id="rId9"/>
+    <p:sldId id="267" r:id="rId10"/>
+    <p:sldId id="268" r:id="rId11"/>
+    <p:sldId id="269" r:id="rId12"/>
+    <p:sldId id="263" r:id="rId13"/>
+    <p:sldId id="266" r:id="rId14"/>
   </p:sldIdLst>
   <p:sldSz cx="12192000" cy="6858000"/>
   <p:notesSz cx="6858000" cy="9144000"/>
@@ -117,7 +119,697 @@
       </a:defRPr>
     </a:lvl9pPr>
   </p:defaultTextStyle>
+  <p:extLst>
+    <p:ext uri="{EFAFB233-063F-42B5-8137-9DF3F51BA10A}">
+      <p15:sldGuideLst xmlns:p15="http://schemas.microsoft.com/office/powerpoint/2012/main"/>
+    </p:ext>
+  </p:extLst>
 </p:presentation>
+</file>
+
+<file path=ppt/revisionInfo.xml><?xml version="1.0" encoding="utf-8"?>
+<p1510:revInfo xmlns:a="http://schemas.openxmlformats.org/drawingml/2006/main" xmlns:r="http://schemas.openxmlformats.org/officeDocument/2006/relationships" xmlns:p1510="http://schemas.microsoft.com/office/powerpoint/2015/10/main"/>
+</file>
+
+<file path=ppt/notesMasters/notesMaster1.xml><?xml version="1.0" encoding="utf-8"?>
+<p:notesMaster xmlns:a="http://schemas.openxmlformats.org/drawingml/2006/main" xmlns:r="http://schemas.openxmlformats.org/officeDocument/2006/relationships" xmlns:p="http://schemas.openxmlformats.org/presentationml/2006/main">
+  <p:cSld>
+    <p:bg>
+      <p:bgRef idx="1001">
+        <a:schemeClr val="bg1"/>
+      </p:bgRef>
+    </p:bg>
+    <p:spTree>
+      <p:nvGrpSpPr>
+        <p:cNvPr id="1" name=""/>
+        <p:cNvGrpSpPr/>
+        <p:nvPr/>
+      </p:nvGrpSpPr>
+      <p:grpSpPr>
+        <a:xfrm>
+          <a:off x="0" y="0"/>
+          <a:ext cx="0" cy="0"/>
+          <a:chOff x="0" y="0"/>
+          <a:chExt cx="0" cy="0"/>
+        </a:xfrm>
+      </p:grpSpPr>
+      <p:sp>
+        <p:nvSpPr>
+          <p:cNvPr id="2" name="Header Placeholder 1"/>
+          <p:cNvSpPr>
+            <a:spLocks noGrp="1"/>
+          </p:cNvSpPr>
+          <p:nvPr>
+            <p:ph type="hdr" sz="quarter"/>
+          </p:nvPr>
+        </p:nvSpPr>
+        <p:spPr>
+          <a:xfrm>
+            <a:off x="0" y="0"/>
+            <a:ext cx="2971800" cy="458788"/>
+          </a:xfrm>
+          <a:prstGeom prst="rect">
+            <a:avLst/>
+          </a:prstGeom>
+        </p:spPr>
+        <p:txBody>
+          <a:bodyPr vert="horz" lIns="91440" tIns="45720" rIns="91440" bIns="45720" rtlCol="0"/>
+          <a:lstStyle>
+            <a:lvl1pPr algn="l">
+              <a:defRPr sz="1200"/>
+            </a:lvl1pPr>
+          </a:lstStyle>
+          <a:p>
+            <a:endParaRPr lang="en-US"/>
+          </a:p>
+        </p:txBody>
+      </p:sp>
+      <p:sp>
+        <p:nvSpPr>
+          <p:cNvPr id="3" name="Date Placeholder 2"/>
+          <p:cNvSpPr>
+            <a:spLocks noGrp="1"/>
+          </p:cNvSpPr>
+          <p:nvPr>
+            <p:ph type="dt" idx="1"/>
+          </p:nvPr>
+        </p:nvSpPr>
+        <p:spPr>
+          <a:xfrm>
+            <a:off x="3884613" y="0"/>
+            <a:ext cx="2971800" cy="458788"/>
+          </a:xfrm>
+          <a:prstGeom prst="rect">
+            <a:avLst/>
+          </a:prstGeom>
+        </p:spPr>
+        <p:txBody>
+          <a:bodyPr vert="horz" lIns="91440" tIns="45720" rIns="91440" bIns="45720" rtlCol="0"/>
+          <a:lstStyle>
+            <a:lvl1pPr algn="r">
+              <a:defRPr sz="1200"/>
+            </a:lvl1pPr>
+          </a:lstStyle>
+          <a:p>
+            <a:fld id="{9AA6B148-16B5-4A23-893E-23AE86ADB783}" type="datetimeFigureOut">
+              <a:rPr lang="en-US" smtClean="0"/>
+              <a:t>12/27/2017</a:t>
+            </a:fld>
+            <a:endParaRPr lang="en-US"/>
+          </a:p>
+        </p:txBody>
+      </p:sp>
+      <p:sp>
+        <p:nvSpPr>
+          <p:cNvPr id="4" name="Slide Image Placeholder 3"/>
+          <p:cNvSpPr>
+            <a:spLocks noGrp="1" noRot="1" noChangeAspect="1"/>
+          </p:cNvSpPr>
+          <p:nvPr>
+            <p:ph type="sldImg" idx="2"/>
+          </p:nvPr>
+        </p:nvSpPr>
+        <p:spPr>
+          <a:xfrm>
+            <a:off x="685800" y="1143000"/>
+            <a:ext cx="5486400" cy="3086100"/>
+          </a:xfrm>
+          <a:prstGeom prst="rect">
+            <a:avLst/>
+          </a:prstGeom>
+          <a:noFill/>
+          <a:ln w="12700">
+            <a:solidFill>
+              <a:prstClr val="black"/>
+            </a:solidFill>
+          </a:ln>
+        </p:spPr>
+        <p:txBody>
+          <a:bodyPr vert="horz" lIns="91440" tIns="45720" rIns="91440" bIns="45720" rtlCol="0" anchor="ctr"/>
+          <a:lstStyle/>
+          <a:p>
+            <a:endParaRPr lang="en-US"/>
+          </a:p>
+        </p:txBody>
+      </p:sp>
+      <p:sp>
+        <p:nvSpPr>
+          <p:cNvPr id="5" name="Notes Placeholder 4"/>
+          <p:cNvSpPr>
+            <a:spLocks noGrp="1"/>
+          </p:cNvSpPr>
+          <p:nvPr>
+            <p:ph type="body" sz="quarter" idx="3"/>
+          </p:nvPr>
+        </p:nvSpPr>
+        <p:spPr>
+          <a:xfrm>
+            <a:off x="685800" y="4400550"/>
+            <a:ext cx="5486400" cy="3600450"/>
+          </a:xfrm>
+          <a:prstGeom prst="rect">
+            <a:avLst/>
+          </a:prstGeom>
+        </p:spPr>
+        <p:txBody>
+          <a:bodyPr vert="horz" lIns="91440" tIns="45720" rIns="91440" bIns="45720" rtlCol="0"/>
+          <a:lstStyle/>
+          <a:p>
+            <a:pPr lvl="0"/>
+            <a:r>
+              <a:rPr lang="en-US"/>
+              <a:t>Edit Master text styles</a:t>
+            </a:r>
+          </a:p>
+          <a:p>
+            <a:pPr lvl="1"/>
+            <a:r>
+              <a:rPr lang="en-US"/>
+              <a:t>Second level</a:t>
+            </a:r>
+          </a:p>
+          <a:p>
+            <a:pPr lvl="2"/>
+            <a:r>
+              <a:rPr lang="en-US"/>
+              <a:t>Third level</a:t>
+            </a:r>
+          </a:p>
+          <a:p>
+            <a:pPr lvl="3"/>
+            <a:r>
+              <a:rPr lang="en-US"/>
+              <a:t>Fourth level</a:t>
+            </a:r>
+          </a:p>
+          <a:p>
+            <a:pPr lvl="4"/>
+            <a:r>
+              <a:rPr lang="en-US"/>
+              <a:t>Fifth level</a:t>
+            </a:r>
+          </a:p>
+        </p:txBody>
+      </p:sp>
+      <p:sp>
+        <p:nvSpPr>
+          <p:cNvPr id="6" name="Footer Placeholder 5"/>
+          <p:cNvSpPr>
+            <a:spLocks noGrp="1"/>
+          </p:cNvSpPr>
+          <p:nvPr>
+            <p:ph type="ftr" sz="quarter" idx="4"/>
+          </p:nvPr>
+        </p:nvSpPr>
+        <p:spPr>
+          <a:xfrm>
+            <a:off x="0" y="8685213"/>
+            <a:ext cx="2971800" cy="458787"/>
+          </a:xfrm>
+          <a:prstGeom prst="rect">
+            <a:avLst/>
+          </a:prstGeom>
+        </p:spPr>
+        <p:txBody>
+          <a:bodyPr vert="horz" lIns="91440" tIns="45720" rIns="91440" bIns="45720" rtlCol="0" anchor="b"/>
+          <a:lstStyle>
+            <a:lvl1pPr algn="l">
+              <a:defRPr sz="1200"/>
+            </a:lvl1pPr>
+          </a:lstStyle>
+          <a:p>
+            <a:endParaRPr lang="en-US"/>
+          </a:p>
+        </p:txBody>
+      </p:sp>
+      <p:sp>
+        <p:nvSpPr>
+          <p:cNvPr id="7" name="Slide Number Placeholder 6"/>
+          <p:cNvSpPr>
+            <a:spLocks noGrp="1"/>
+          </p:cNvSpPr>
+          <p:nvPr>
+            <p:ph type="sldNum" sz="quarter" idx="5"/>
+          </p:nvPr>
+        </p:nvSpPr>
+        <p:spPr>
+          <a:xfrm>
+            <a:off x="3884613" y="8685213"/>
+            <a:ext cx="2971800" cy="458787"/>
+          </a:xfrm>
+          <a:prstGeom prst="rect">
+            <a:avLst/>
+          </a:prstGeom>
+        </p:spPr>
+        <p:txBody>
+          <a:bodyPr vert="horz" lIns="91440" tIns="45720" rIns="91440" bIns="45720" rtlCol="0" anchor="b"/>
+          <a:lstStyle>
+            <a:lvl1pPr algn="r">
+              <a:defRPr sz="1200"/>
+            </a:lvl1pPr>
+          </a:lstStyle>
+          <a:p>
+            <a:fld id="{D3FA2558-0A36-4D48-9210-26DC2443BBA1}" type="slidenum">
+              <a:rPr lang="en-US" smtClean="0"/>
+              <a:t>‹#›</a:t>
+            </a:fld>
+            <a:endParaRPr lang="en-US"/>
+          </a:p>
+        </p:txBody>
+      </p:sp>
+    </p:spTree>
+    <p:extLst>
+      <p:ext uri="{BB962C8B-B14F-4D97-AF65-F5344CB8AC3E}">
+        <p14:creationId xmlns:p14="http://schemas.microsoft.com/office/powerpoint/2010/main" val="1428973710"/>
+      </p:ext>
+    </p:extLst>
+  </p:cSld>
+  <p:clrMap bg1="lt1" tx1="dk1" bg2="lt2" tx2="dk2" accent1="accent1" accent2="accent2" accent3="accent3" accent4="accent4" accent5="accent5" accent6="accent6" hlink="hlink" folHlink="folHlink"/>
+  <p:notesStyle>
+    <a:lvl1pPr marL="0" algn="l" defTabSz="914400" rtl="0" eaLnBrk="1" latinLnBrk="0" hangingPunct="1">
+      <a:defRPr sz="1200" kern="1200">
+        <a:solidFill>
+          <a:schemeClr val="tx1"/>
+        </a:solidFill>
+        <a:latin typeface="+mn-lt"/>
+        <a:ea typeface="+mn-ea"/>
+        <a:cs typeface="+mn-cs"/>
+      </a:defRPr>
+    </a:lvl1pPr>
+    <a:lvl2pPr marL="457200" algn="l" defTabSz="914400" rtl="0" eaLnBrk="1" latinLnBrk="0" hangingPunct="1">
+      <a:defRPr sz="1200" kern="1200">
+        <a:solidFill>
+          <a:schemeClr val="tx1"/>
+        </a:solidFill>
+        <a:latin typeface="+mn-lt"/>
+        <a:ea typeface="+mn-ea"/>
+        <a:cs typeface="+mn-cs"/>
+      </a:defRPr>
+    </a:lvl2pPr>
+    <a:lvl3pPr marL="914400" algn="l" defTabSz="914400" rtl="0" eaLnBrk="1" latinLnBrk="0" hangingPunct="1">
+      <a:defRPr sz="1200" kern="1200">
+        <a:solidFill>
+          <a:schemeClr val="tx1"/>
+        </a:solidFill>
+        <a:latin typeface="+mn-lt"/>
+        <a:ea typeface="+mn-ea"/>
+        <a:cs typeface="+mn-cs"/>
+      </a:defRPr>
+    </a:lvl3pPr>
+    <a:lvl4pPr marL="1371600" algn="l" defTabSz="914400" rtl="0" eaLnBrk="1" latinLnBrk="0" hangingPunct="1">
+      <a:defRPr sz="1200" kern="1200">
+        <a:solidFill>
+          <a:schemeClr val="tx1"/>
+        </a:solidFill>
+        <a:latin typeface="+mn-lt"/>
+        <a:ea typeface="+mn-ea"/>
+        <a:cs typeface="+mn-cs"/>
+      </a:defRPr>
+    </a:lvl4pPr>
+    <a:lvl5pPr marL="1828800" algn="l" defTabSz="914400" rtl="0" eaLnBrk="1" latinLnBrk="0" hangingPunct="1">
+      <a:defRPr sz="1200" kern="1200">
+        <a:solidFill>
+          <a:schemeClr val="tx1"/>
+        </a:solidFill>
+        <a:latin typeface="+mn-lt"/>
+        <a:ea typeface="+mn-ea"/>
+        <a:cs typeface="+mn-cs"/>
+      </a:defRPr>
+    </a:lvl5pPr>
+    <a:lvl6pPr marL="2286000" algn="l" defTabSz="914400" rtl="0" eaLnBrk="1" latinLnBrk="0" hangingPunct="1">
+      <a:defRPr sz="1200" kern="1200">
+        <a:solidFill>
+          <a:schemeClr val="tx1"/>
+        </a:solidFill>
+        <a:latin typeface="+mn-lt"/>
+        <a:ea typeface="+mn-ea"/>
+        <a:cs typeface="+mn-cs"/>
+      </a:defRPr>
+    </a:lvl6pPr>
+    <a:lvl7pPr marL="2743200" algn="l" defTabSz="914400" rtl="0" eaLnBrk="1" latinLnBrk="0" hangingPunct="1">
+      <a:defRPr sz="1200" kern="1200">
+        <a:solidFill>
+          <a:schemeClr val="tx1"/>
+        </a:solidFill>
+        <a:latin typeface="+mn-lt"/>
+        <a:ea typeface="+mn-ea"/>
+        <a:cs typeface="+mn-cs"/>
+      </a:defRPr>
+    </a:lvl7pPr>
+    <a:lvl8pPr marL="3200400" algn="l" defTabSz="914400" rtl="0" eaLnBrk="1" latinLnBrk="0" hangingPunct="1">
+      <a:defRPr sz="1200" kern="1200">
+        <a:solidFill>
+          <a:schemeClr val="tx1"/>
+        </a:solidFill>
+        <a:latin typeface="+mn-lt"/>
+        <a:ea typeface="+mn-ea"/>
+        <a:cs typeface="+mn-cs"/>
+      </a:defRPr>
+    </a:lvl8pPr>
+    <a:lvl9pPr marL="3657600" algn="l" defTabSz="914400" rtl="0" eaLnBrk="1" latinLnBrk="0" hangingPunct="1">
+      <a:defRPr sz="1200" kern="1200">
+        <a:solidFill>
+          <a:schemeClr val="tx1"/>
+        </a:solidFill>
+        <a:latin typeface="+mn-lt"/>
+        <a:ea typeface="+mn-ea"/>
+        <a:cs typeface="+mn-cs"/>
+      </a:defRPr>
+    </a:lvl9pPr>
+  </p:notesStyle>
+</p:notesMaster>
+</file>
+
+<file path=ppt/notesSlides/notesSlide1.xml><?xml version="1.0" encoding="utf-8"?>
+<p:notes xmlns:a="http://schemas.openxmlformats.org/drawingml/2006/main" xmlns:r="http://schemas.openxmlformats.org/officeDocument/2006/relationships" xmlns:p="http://schemas.openxmlformats.org/presentationml/2006/main">
+  <p:cSld>
+    <p:spTree>
+      <p:nvGrpSpPr>
+        <p:cNvPr id="1" name=""/>
+        <p:cNvGrpSpPr/>
+        <p:nvPr/>
+      </p:nvGrpSpPr>
+      <p:grpSpPr>
+        <a:xfrm>
+          <a:off x="0" y="0"/>
+          <a:ext cx="0" cy="0"/>
+          <a:chOff x="0" y="0"/>
+          <a:chExt cx="0" cy="0"/>
+        </a:xfrm>
+      </p:grpSpPr>
+      <p:sp>
+        <p:nvSpPr>
+          <p:cNvPr id="2" name="Slide Image Placeholder 1"/>
+          <p:cNvSpPr>
+            <a:spLocks noGrp="1" noRot="1" noChangeAspect="1"/>
+          </p:cNvSpPr>
+          <p:nvPr>
+            <p:ph type="sldImg"/>
+          </p:nvPr>
+        </p:nvSpPr>
+        <p:spPr/>
+      </p:sp>
+      <p:sp>
+        <p:nvSpPr>
+          <p:cNvPr id="3" name="Notes Placeholder 2"/>
+          <p:cNvSpPr>
+            <a:spLocks noGrp="1"/>
+          </p:cNvSpPr>
+          <p:nvPr>
+            <p:ph type="body" idx="1"/>
+          </p:nvPr>
+        </p:nvSpPr>
+        <p:spPr/>
+        <p:txBody>
+          <a:bodyPr/>
+          <a:lstStyle/>
+          <a:p>
+            <a:r>
+              <a:rPr lang="en-US" dirty="0"/>
+              <a:t>Unmanned Aerial systems</a:t>
+            </a:r>
+          </a:p>
+          <a:p>
+            <a:pPr marL="171450" indent="-171450">
+              <a:buFontTx/>
+              <a:buChar char="-"/>
+            </a:pPr>
+            <a:r>
+              <a:rPr lang="en-US" dirty="0"/>
+              <a:t>Fixed wing</a:t>
+            </a:r>
+          </a:p>
+          <a:p>
+            <a:pPr marL="171450" indent="-171450">
+              <a:buFontTx/>
+              <a:buChar char="-"/>
+            </a:pPr>
+            <a:r>
+              <a:rPr lang="en-US" dirty="0"/>
+              <a:t>Rotorcraft</a:t>
+            </a:r>
+          </a:p>
+          <a:p>
+            <a:pPr marL="171450" indent="-171450">
+              <a:buFontTx/>
+              <a:buChar char="-"/>
+            </a:pPr>
+            <a:endParaRPr lang="en-US" dirty="0"/>
+          </a:p>
+          <a:p>
+            <a:pPr marL="171450" indent="-171450">
+              <a:buFontTx/>
+              <a:buChar char="-"/>
+            </a:pPr>
+            <a:r>
+              <a:rPr lang="en-US" dirty="0"/>
+              <a:t>Autopilot</a:t>
+            </a:r>
+          </a:p>
+          <a:p>
+            <a:pPr marL="171450" indent="-171450">
+              <a:buFontTx/>
+              <a:buChar char="-"/>
+            </a:pPr>
+            <a:r>
+              <a:rPr lang="en-US" dirty="0"/>
+              <a:t>Navigation, Guidance, and Control</a:t>
+            </a:r>
+          </a:p>
+          <a:p>
+            <a:pPr marL="171450" indent="-171450">
+              <a:buFontTx/>
+              <a:buChar char="-"/>
+            </a:pPr>
+            <a:r>
+              <a:rPr lang="en-US" dirty="0"/>
+              <a:t>Missions planned at ground station</a:t>
+            </a:r>
+          </a:p>
+        </p:txBody>
+      </p:sp>
+      <p:sp>
+        <p:nvSpPr>
+          <p:cNvPr id="4" name="Slide Number Placeholder 3"/>
+          <p:cNvSpPr>
+            <a:spLocks noGrp="1"/>
+          </p:cNvSpPr>
+          <p:nvPr>
+            <p:ph type="sldNum" sz="quarter" idx="10"/>
+          </p:nvPr>
+        </p:nvSpPr>
+        <p:spPr/>
+        <p:txBody>
+          <a:bodyPr/>
+          <a:lstStyle/>
+          <a:p>
+            <a:fld id="{D3FA2558-0A36-4D48-9210-26DC2443BBA1}" type="slidenum">
+              <a:rPr lang="en-US" smtClean="0"/>
+              <a:t>4</a:t>
+            </a:fld>
+            <a:endParaRPr lang="en-US"/>
+          </a:p>
+        </p:txBody>
+      </p:sp>
+    </p:spTree>
+    <p:extLst>
+      <p:ext uri="{BB962C8B-B14F-4D97-AF65-F5344CB8AC3E}">
+        <p14:creationId xmlns:p14="http://schemas.microsoft.com/office/powerpoint/2010/main" val="1436451343"/>
+      </p:ext>
+    </p:extLst>
+  </p:cSld>
+  <p:clrMapOvr>
+    <a:masterClrMapping/>
+  </p:clrMapOvr>
+</p:notes>
+</file>
+
+<file path=ppt/notesSlides/notesSlide2.xml><?xml version="1.0" encoding="utf-8"?>
+<p:notes xmlns:a="http://schemas.openxmlformats.org/drawingml/2006/main" xmlns:r="http://schemas.openxmlformats.org/officeDocument/2006/relationships" xmlns:p="http://schemas.openxmlformats.org/presentationml/2006/main">
+  <p:cSld>
+    <p:spTree>
+      <p:nvGrpSpPr>
+        <p:cNvPr id="1" name=""/>
+        <p:cNvGrpSpPr/>
+        <p:nvPr/>
+      </p:nvGrpSpPr>
+      <p:grpSpPr>
+        <a:xfrm>
+          <a:off x="0" y="0"/>
+          <a:ext cx="0" cy="0"/>
+          <a:chOff x="0" y="0"/>
+          <a:chExt cx="0" cy="0"/>
+        </a:xfrm>
+      </p:grpSpPr>
+      <p:sp>
+        <p:nvSpPr>
+          <p:cNvPr id="2" name="Slide Image Placeholder 1"/>
+          <p:cNvSpPr>
+            <a:spLocks noGrp="1" noRot="1" noChangeAspect="1"/>
+          </p:cNvSpPr>
+          <p:nvPr>
+            <p:ph type="sldImg"/>
+          </p:nvPr>
+        </p:nvSpPr>
+        <p:spPr/>
+      </p:sp>
+      <p:sp>
+        <p:nvSpPr>
+          <p:cNvPr id="3" name="Notes Placeholder 2"/>
+          <p:cNvSpPr>
+            <a:spLocks noGrp="1"/>
+          </p:cNvSpPr>
+          <p:nvPr>
+            <p:ph type="body" idx="1"/>
+          </p:nvPr>
+        </p:nvSpPr>
+        <p:spPr/>
+        <p:txBody>
+          <a:bodyPr/>
+          <a:lstStyle/>
+          <a:p>
+            <a:r>
+              <a:rPr lang="en-US" dirty="0"/>
+              <a:t>Guidance</a:t>
+            </a:r>
+          </a:p>
+          <a:p>
+            <a:pPr marL="171450" indent="-171450">
+              <a:buFontTx/>
+              <a:buChar char="-"/>
+            </a:pPr>
+            <a:r>
+              <a:rPr lang="en-US" dirty="0"/>
+              <a:t>Provides reference commands to control system</a:t>
+            </a:r>
+          </a:p>
+          <a:p>
+            <a:pPr marL="171450" indent="-171450">
+              <a:buFontTx/>
+              <a:buChar char="-"/>
+            </a:pPr>
+            <a:endParaRPr lang="en-US" dirty="0"/>
+          </a:p>
+        </p:txBody>
+      </p:sp>
+      <p:sp>
+        <p:nvSpPr>
+          <p:cNvPr id="4" name="Slide Number Placeholder 3"/>
+          <p:cNvSpPr>
+            <a:spLocks noGrp="1"/>
+          </p:cNvSpPr>
+          <p:nvPr>
+            <p:ph type="sldNum" sz="quarter" idx="10"/>
+          </p:nvPr>
+        </p:nvSpPr>
+        <p:spPr/>
+        <p:txBody>
+          <a:bodyPr/>
+          <a:lstStyle/>
+          <a:p>
+            <a:fld id="{D3FA2558-0A36-4D48-9210-26DC2443BBA1}" type="slidenum">
+              <a:rPr lang="en-US" smtClean="0"/>
+              <a:t>5</a:t>
+            </a:fld>
+            <a:endParaRPr lang="en-US"/>
+          </a:p>
+        </p:txBody>
+      </p:sp>
+    </p:spTree>
+    <p:extLst>
+      <p:ext uri="{BB962C8B-B14F-4D97-AF65-F5344CB8AC3E}">
+        <p14:creationId xmlns:p14="http://schemas.microsoft.com/office/powerpoint/2010/main" val="2256216501"/>
+      </p:ext>
+    </p:extLst>
+  </p:cSld>
+  <p:clrMapOvr>
+    <a:masterClrMapping/>
+  </p:clrMapOvr>
+</p:notes>
+</file>
+
+<file path=ppt/notesSlides/notesSlide3.xml><?xml version="1.0" encoding="utf-8"?>
+<p:notes xmlns:a="http://schemas.openxmlformats.org/drawingml/2006/main" xmlns:r="http://schemas.openxmlformats.org/officeDocument/2006/relationships" xmlns:p="http://schemas.openxmlformats.org/presentationml/2006/main">
+  <p:cSld>
+    <p:spTree>
+      <p:nvGrpSpPr>
+        <p:cNvPr id="1" name=""/>
+        <p:cNvGrpSpPr/>
+        <p:nvPr/>
+      </p:nvGrpSpPr>
+      <p:grpSpPr>
+        <a:xfrm>
+          <a:off x="0" y="0"/>
+          <a:ext cx="0" cy="0"/>
+          <a:chOff x="0" y="0"/>
+          <a:chExt cx="0" cy="0"/>
+        </a:xfrm>
+      </p:grpSpPr>
+      <p:sp>
+        <p:nvSpPr>
+          <p:cNvPr id="2" name="Slide Image Placeholder 1"/>
+          <p:cNvSpPr>
+            <a:spLocks noGrp="1" noRot="1" noChangeAspect="1"/>
+          </p:cNvSpPr>
+          <p:nvPr>
+            <p:ph type="sldImg"/>
+          </p:nvPr>
+        </p:nvSpPr>
+        <p:spPr/>
+      </p:sp>
+      <p:sp>
+        <p:nvSpPr>
+          <p:cNvPr id="3" name="Notes Placeholder 2"/>
+          <p:cNvSpPr>
+            <a:spLocks noGrp="1"/>
+          </p:cNvSpPr>
+          <p:nvPr>
+            <p:ph type="body" idx="1"/>
+          </p:nvPr>
+        </p:nvSpPr>
+        <p:spPr/>
+        <p:txBody>
+          <a:bodyPr/>
+          <a:lstStyle/>
+          <a:p>
+            <a:endParaRPr lang="en-US" dirty="0"/>
+          </a:p>
+        </p:txBody>
+      </p:sp>
+      <p:sp>
+        <p:nvSpPr>
+          <p:cNvPr id="4" name="Slide Number Placeholder 3"/>
+          <p:cNvSpPr>
+            <a:spLocks noGrp="1"/>
+          </p:cNvSpPr>
+          <p:nvPr>
+            <p:ph type="sldNum" sz="quarter" idx="10"/>
+          </p:nvPr>
+        </p:nvSpPr>
+        <p:spPr/>
+        <p:txBody>
+          <a:bodyPr/>
+          <a:lstStyle/>
+          <a:p>
+            <a:fld id="{D3FA2558-0A36-4D48-9210-26DC2443BBA1}" type="slidenum">
+              <a:rPr lang="en-US" smtClean="0"/>
+              <a:t>7</a:t>
+            </a:fld>
+            <a:endParaRPr lang="en-US"/>
+          </a:p>
+        </p:txBody>
+      </p:sp>
+    </p:spTree>
+    <p:extLst>
+      <p:ext uri="{BB962C8B-B14F-4D97-AF65-F5344CB8AC3E}">
+        <p14:creationId xmlns:p14="http://schemas.microsoft.com/office/powerpoint/2010/main" val="4205144611"/>
+      </p:ext>
+    </p:extLst>
+  </p:cSld>
+  <p:clrMapOvr>
+    <a:masterClrMapping/>
+  </p:clrMapOvr>
+</p:notes>
 </file>
 
 <file path=ppt/slideLayouts/slideLayout1.xml><?xml version="1.0" encoding="utf-8"?>
@@ -162,10 +854,9 @@
           </a:lstStyle>
           <a:p>
             <a:r>
-              <a:rPr lang="en-US" smtClean="0"/>
+              <a:rPr lang="en-US"/>
               <a:t>Click to edit Master title style</a:t>
             </a:r>
-            <a:endParaRPr lang="en-US"/>
           </a:p>
         </p:txBody>
       </p:sp>
@@ -227,10 +918,9 @@
           </a:lstStyle>
           <a:p>
             <a:r>
-              <a:rPr lang="en-US" smtClean="0"/>
+              <a:rPr lang="en-US"/>
               <a:t>Click to edit Master subtitle style</a:t>
             </a:r>
-            <a:endParaRPr lang="en-US"/>
           </a:p>
         </p:txBody>
       </p:sp>
@@ -251,7 +941,7 @@
           <a:p>
             <a:fld id="{739DF2AD-9A73-4106-85FD-00A9E5942C9C}" type="datetimeFigureOut">
               <a:rPr lang="en-US" smtClean="0"/>
-              <a:t>12/14/2017</a:t>
+              <a:t>12/22/2017</a:t>
             </a:fld>
             <a:endParaRPr lang="en-US"/>
           </a:p>
@@ -345,10 +1035,9 @@
           <a:lstStyle/>
           <a:p>
             <a:r>
-              <a:rPr lang="en-US" smtClean="0"/>
+              <a:rPr lang="en-US"/>
               <a:t>Click to edit Master title style</a:t>
             </a:r>
-            <a:endParaRPr lang="en-US"/>
           </a:p>
         </p:txBody>
       </p:sp>
@@ -369,38 +1058,37 @@
           <a:p>
             <a:pPr lvl="0"/>
             <a:r>
-              <a:rPr lang="en-US" smtClean="0"/>
+              <a:rPr lang="en-US"/>
               <a:t>Edit Master text styles</a:t>
             </a:r>
           </a:p>
           <a:p>
             <a:pPr lvl="1"/>
             <a:r>
-              <a:rPr lang="en-US" smtClean="0"/>
+              <a:rPr lang="en-US"/>
               <a:t>Second level</a:t>
             </a:r>
           </a:p>
           <a:p>
             <a:pPr lvl="2"/>
             <a:r>
-              <a:rPr lang="en-US" smtClean="0"/>
+              <a:rPr lang="en-US"/>
               <a:t>Third level</a:t>
             </a:r>
           </a:p>
           <a:p>
             <a:pPr lvl="3"/>
             <a:r>
-              <a:rPr lang="en-US" smtClean="0"/>
+              <a:rPr lang="en-US"/>
               <a:t>Fourth level</a:t>
             </a:r>
           </a:p>
           <a:p>
             <a:pPr lvl="4"/>
             <a:r>
-              <a:rPr lang="en-US" smtClean="0"/>
+              <a:rPr lang="en-US"/>
               <a:t>Fifth level</a:t>
             </a:r>
-            <a:endParaRPr lang="en-US"/>
           </a:p>
         </p:txBody>
       </p:sp>
@@ -421,7 +1109,7 @@
           <a:p>
             <a:fld id="{739DF2AD-9A73-4106-85FD-00A9E5942C9C}" type="datetimeFigureOut">
               <a:rPr lang="en-US" smtClean="0"/>
-              <a:t>12/14/2017</a:t>
+              <a:t>12/22/2017</a:t>
             </a:fld>
             <a:endParaRPr lang="en-US"/>
           </a:p>
@@ -520,10 +1208,9 @@
           <a:lstStyle/>
           <a:p>
             <a:r>
-              <a:rPr lang="en-US" smtClean="0"/>
+              <a:rPr lang="en-US"/>
               <a:t>Click to edit Master title style</a:t>
             </a:r>
-            <a:endParaRPr lang="en-US"/>
           </a:p>
         </p:txBody>
       </p:sp>
@@ -549,38 +1236,37 @@
           <a:p>
             <a:pPr lvl="0"/>
             <a:r>
-              <a:rPr lang="en-US" smtClean="0"/>
+              <a:rPr lang="en-US"/>
               <a:t>Edit Master text styles</a:t>
             </a:r>
           </a:p>
           <a:p>
             <a:pPr lvl="1"/>
             <a:r>
-              <a:rPr lang="en-US" smtClean="0"/>
+              <a:rPr lang="en-US"/>
               <a:t>Second level</a:t>
             </a:r>
           </a:p>
           <a:p>
             <a:pPr lvl="2"/>
             <a:r>
-              <a:rPr lang="en-US" smtClean="0"/>
+              <a:rPr lang="en-US"/>
               <a:t>Third level</a:t>
             </a:r>
           </a:p>
           <a:p>
             <a:pPr lvl="3"/>
             <a:r>
-              <a:rPr lang="en-US" smtClean="0"/>
+              <a:rPr lang="en-US"/>
               <a:t>Fourth level</a:t>
             </a:r>
           </a:p>
           <a:p>
             <a:pPr lvl="4"/>
             <a:r>
-              <a:rPr lang="en-US" smtClean="0"/>
+              <a:rPr lang="en-US"/>
               <a:t>Fifth level</a:t>
             </a:r>
-            <a:endParaRPr lang="en-US"/>
           </a:p>
         </p:txBody>
       </p:sp>
@@ -601,7 +1287,7 @@
           <a:p>
             <a:fld id="{739DF2AD-9A73-4106-85FD-00A9E5942C9C}" type="datetimeFigureOut">
               <a:rPr lang="en-US" smtClean="0"/>
-              <a:t>12/14/2017</a:t>
+              <a:t>12/22/2017</a:t>
             </a:fld>
             <a:endParaRPr lang="en-US"/>
           </a:p>
@@ -695,10 +1381,9 @@
           <a:lstStyle/>
           <a:p>
             <a:r>
-              <a:rPr lang="en-US" smtClean="0"/>
+              <a:rPr lang="en-US"/>
               <a:t>Click to edit Master title style</a:t>
             </a:r>
-            <a:endParaRPr lang="en-US"/>
           </a:p>
         </p:txBody>
       </p:sp>
@@ -719,38 +1404,37 @@
           <a:p>
             <a:pPr lvl="0"/>
             <a:r>
-              <a:rPr lang="en-US" smtClean="0"/>
+              <a:rPr lang="en-US"/>
               <a:t>Edit Master text styles</a:t>
             </a:r>
           </a:p>
           <a:p>
             <a:pPr lvl="1"/>
             <a:r>
-              <a:rPr lang="en-US" smtClean="0"/>
+              <a:rPr lang="en-US"/>
               <a:t>Second level</a:t>
             </a:r>
           </a:p>
           <a:p>
             <a:pPr lvl="2"/>
             <a:r>
-              <a:rPr lang="en-US" smtClean="0"/>
+              <a:rPr lang="en-US"/>
               <a:t>Third level</a:t>
             </a:r>
           </a:p>
           <a:p>
             <a:pPr lvl="3"/>
             <a:r>
-              <a:rPr lang="en-US" smtClean="0"/>
+              <a:rPr lang="en-US"/>
               <a:t>Fourth level</a:t>
             </a:r>
           </a:p>
           <a:p>
             <a:pPr lvl="4"/>
             <a:r>
-              <a:rPr lang="en-US" smtClean="0"/>
+              <a:rPr lang="en-US"/>
               <a:t>Fifth level</a:t>
             </a:r>
-            <a:endParaRPr lang="en-US"/>
           </a:p>
         </p:txBody>
       </p:sp>
@@ -771,7 +1455,7 @@
           <a:p>
             <a:fld id="{739DF2AD-9A73-4106-85FD-00A9E5942C9C}" type="datetimeFigureOut">
               <a:rPr lang="en-US" smtClean="0"/>
-              <a:t>12/14/2017</a:t>
+              <a:t>12/22/2017</a:t>
             </a:fld>
             <a:endParaRPr lang="en-US"/>
           </a:p>
@@ -874,10 +1558,9 @@
           </a:lstStyle>
           <a:p>
             <a:r>
-              <a:rPr lang="en-US" smtClean="0"/>
+              <a:rPr lang="en-US"/>
               <a:t>Click to edit Master title style</a:t>
             </a:r>
-            <a:endParaRPr lang="en-US"/>
           </a:p>
         </p:txBody>
       </p:sp>
@@ -994,7 +1677,7 @@
           <a:p>
             <a:pPr lvl="0"/>
             <a:r>
-              <a:rPr lang="en-US" smtClean="0"/>
+              <a:rPr lang="en-US"/>
               <a:t>Edit Master text styles</a:t>
             </a:r>
           </a:p>
@@ -1017,7 +1700,7 @@
           <a:p>
             <a:fld id="{739DF2AD-9A73-4106-85FD-00A9E5942C9C}" type="datetimeFigureOut">
               <a:rPr lang="en-US" smtClean="0"/>
-              <a:t>12/14/2017</a:t>
+              <a:t>12/22/2017</a:t>
             </a:fld>
             <a:endParaRPr lang="en-US"/>
           </a:p>
@@ -1111,10 +1794,9 @@
           <a:lstStyle/>
           <a:p>
             <a:r>
-              <a:rPr lang="en-US" smtClean="0"/>
+              <a:rPr lang="en-US"/>
               <a:t>Click to edit Master title style</a:t>
             </a:r>
-            <a:endParaRPr lang="en-US"/>
           </a:p>
         </p:txBody>
       </p:sp>
@@ -1140,38 +1822,37 @@
           <a:p>
             <a:pPr lvl="0"/>
             <a:r>
-              <a:rPr lang="en-US" smtClean="0"/>
+              <a:rPr lang="en-US"/>
               <a:t>Edit Master text styles</a:t>
             </a:r>
           </a:p>
           <a:p>
             <a:pPr lvl="1"/>
             <a:r>
-              <a:rPr lang="en-US" smtClean="0"/>
+              <a:rPr lang="en-US"/>
               <a:t>Second level</a:t>
             </a:r>
           </a:p>
           <a:p>
             <a:pPr lvl="2"/>
             <a:r>
-              <a:rPr lang="en-US" smtClean="0"/>
+              <a:rPr lang="en-US"/>
               <a:t>Third level</a:t>
             </a:r>
           </a:p>
           <a:p>
             <a:pPr lvl="3"/>
             <a:r>
-              <a:rPr lang="en-US" smtClean="0"/>
+              <a:rPr lang="en-US"/>
               <a:t>Fourth level</a:t>
             </a:r>
           </a:p>
           <a:p>
             <a:pPr lvl="4"/>
             <a:r>
-              <a:rPr lang="en-US" smtClean="0"/>
+              <a:rPr lang="en-US"/>
               <a:t>Fifth level</a:t>
             </a:r>
-            <a:endParaRPr lang="en-US"/>
           </a:p>
         </p:txBody>
       </p:sp>
@@ -1197,38 +1878,37 @@
           <a:p>
             <a:pPr lvl="0"/>
             <a:r>
-              <a:rPr lang="en-US" smtClean="0"/>
+              <a:rPr lang="en-US"/>
               <a:t>Edit Master text styles</a:t>
             </a:r>
           </a:p>
           <a:p>
             <a:pPr lvl="1"/>
             <a:r>
-              <a:rPr lang="en-US" smtClean="0"/>
+              <a:rPr lang="en-US"/>
               <a:t>Second level</a:t>
             </a:r>
           </a:p>
           <a:p>
             <a:pPr lvl="2"/>
             <a:r>
-              <a:rPr lang="en-US" smtClean="0"/>
+              <a:rPr lang="en-US"/>
               <a:t>Third level</a:t>
             </a:r>
           </a:p>
           <a:p>
             <a:pPr lvl="3"/>
             <a:r>
-              <a:rPr lang="en-US" smtClean="0"/>
+              <a:rPr lang="en-US"/>
               <a:t>Fourth level</a:t>
             </a:r>
           </a:p>
           <a:p>
             <a:pPr lvl="4"/>
             <a:r>
-              <a:rPr lang="en-US" smtClean="0"/>
+              <a:rPr lang="en-US"/>
               <a:t>Fifth level</a:t>
             </a:r>
-            <a:endParaRPr lang="en-US"/>
           </a:p>
         </p:txBody>
       </p:sp>
@@ -1249,7 +1929,7 @@
           <a:p>
             <a:fld id="{739DF2AD-9A73-4106-85FD-00A9E5942C9C}" type="datetimeFigureOut">
               <a:rPr lang="en-US" smtClean="0"/>
-              <a:t>12/14/2017</a:t>
+              <a:t>12/22/2017</a:t>
             </a:fld>
             <a:endParaRPr lang="en-US"/>
           </a:p>
@@ -1348,10 +2028,9 @@
           <a:lstStyle/>
           <a:p>
             <a:r>
-              <a:rPr lang="en-US" smtClean="0"/>
+              <a:rPr lang="en-US"/>
               <a:t>Click to edit Master title style</a:t>
             </a:r>
-            <a:endParaRPr lang="en-US"/>
           </a:p>
         </p:txBody>
       </p:sp>
@@ -1414,7 +2093,7 @@
           <a:p>
             <a:pPr lvl="0"/>
             <a:r>
-              <a:rPr lang="en-US" smtClean="0"/>
+              <a:rPr lang="en-US"/>
               <a:t>Edit Master text styles</a:t>
             </a:r>
           </a:p>
@@ -1442,38 +2121,37 @@
           <a:p>
             <a:pPr lvl="0"/>
             <a:r>
-              <a:rPr lang="en-US" smtClean="0"/>
+              <a:rPr lang="en-US"/>
               <a:t>Edit Master text styles</a:t>
             </a:r>
           </a:p>
           <a:p>
             <a:pPr lvl="1"/>
             <a:r>
-              <a:rPr lang="en-US" smtClean="0"/>
+              <a:rPr lang="en-US"/>
               <a:t>Second level</a:t>
             </a:r>
           </a:p>
           <a:p>
             <a:pPr lvl="2"/>
             <a:r>
-              <a:rPr lang="en-US" smtClean="0"/>
+              <a:rPr lang="en-US"/>
               <a:t>Third level</a:t>
             </a:r>
           </a:p>
           <a:p>
             <a:pPr lvl="3"/>
             <a:r>
-              <a:rPr lang="en-US" smtClean="0"/>
+              <a:rPr lang="en-US"/>
               <a:t>Fourth level</a:t>
             </a:r>
           </a:p>
           <a:p>
             <a:pPr lvl="4"/>
             <a:r>
-              <a:rPr lang="en-US" smtClean="0"/>
+              <a:rPr lang="en-US"/>
               <a:t>Fifth level</a:t>
             </a:r>
-            <a:endParaRPr lang="en-US"/>
           </a:p>
         </p:txBody>
       </p:sp>
@@ -1536,7 +2214,7 @@
           <a:p>
             <a:pPr lvl="0"/>
             <a:r>
-              <a:rPr lang="en-US" smtClean="0"/>
+              <a:rPr lang="en-US"/>
               <a:t>Edit Master text styles</a:t>
             </a:r>
           </a:p>
@@ -1564,38 +2242,37 @@
           <a:p>
             <a:pPr lvl="0"/>
             <a:r>
-              <a:rPr lang="en-US" smtClean="0"/>
+              <a:rPr lang="en-US"/>
               <a:t>Edit Master text styles</a:t>
             </a:r>
           </a:p>
           <a:p>
             <a:pPr lvl="1"/>
             <a:r>
-              <a:rPr lang="en-US" smtClean="0"/>
+              <a:rPr lang="en-US"/>
               <a:t>Second level</a:t>
             </a:r>
           </a:p>
           <a:p>
             <a:pPr lvl="2"/>
             <a:r>
-              <a:rPr lang="en-US" smtClean="0"/>
+              <a:rPr lang="en-US"/>
               <a:t>Third level</a:t>
             </a:r>
           </a:p>
           <a:p>
             <a:pPr lvl="3"/>
             <a:r>
-              <a:rPr lang="en-US" smtClean="0"/>
+              <a:rPr lang="en-US"/>
               <a:t>Fourth level</a:t>
             </a:r>
           </a:p>
           <a:p>
             <a:pPr lvl="4"/>
             <a:r>
-              <a:rPr lang="en-US" smtClean="0"/>
+              <a:rPr lang="en-US"/>
               <a:t>Fifth level</a:t>
             </a:r>
-            <a:endParaRPr lang="en-US"/>
           </a:p>
         </p:txBody>
       </p:sp>
@@ -1616,7 +2293,7 @@
           <a:p>
             <a:fld id="{739DF2AD-9A73-4106-85FD-00A9E5942C9C}" type="datetimeFigureOut">
               <a:rPr lang="en-US" smtClean="0"/>
-              <a:t>12/14/2017</a:t>
+              <a:t>12/22/2017</a:t>
             </a:fld>
             <a:endParaRPr lang="en-US"/>
           </a:p>
@@ -1710,10 +2387,9 @@
           <a:lstStyle/>
           <a:p>
             <a:r>
-              <a:rPr lang="en-US" smtClean="0"/>
+              <a:rPr lang="en-US"/>
               <a:t>Click to edit Master title style</a:t>
             </a:r>
-            <a:endParaRPr lang="en-US"/>
           </a:p>
         </p:txBody>
       </p:sp>
@@ -1734,7 +2410,7 @@
           <a:p>
             <a:fld id="{739DF2AD-9A73-4106-85FD-00A9E5942C9C}" type="datetimeFigureOut">
               <a:rPr lang="en-US" smtClean="0"/>
-              <a:t>12/14/2017</a:t>
+              <a:t>12/22/2017</a:t>
             </a:fld>
             <a:endParaRPr lang="en-US"/>
           </a:p>
@@ -1829,7 +2505,7 @@
           <a:p>
             <a:fld id="{739DF2AD-9A73-4106-85FD-00A9E5942C9C}" type="datetimeFigureOut">
               <a:rPr lang="en-US" smtClean="0"/>
-              <a:t>12/14/2017</a:t>
+              <a:t>12/22/2017</a:t>
             </a:fld>
             <a:endParaRPr lang="en-US"/>
           </a:p>
@@ -1932,10 +2608,9 @@
           </a:lstStyle>
           <a:p>
             <a:r>
-              <a:rPr lang="en-US" smtClean="0"/>
+              <a:rPr lang="en-US"/>
               <a:t>Click to edit Master title style</a:t>
             </a:r>
-            <a:endParaRPr lang="en-US"/>
           </a:p>
         </p:txBody>
       </p:sp>
@@ -1989,38 +2664,37 @@
           <a:p>
             <a:pPr lvl="0"/>
             <a:r>
-              <a:rPr lang="en-US" smtClean="0"/>
+              <a:rPr lang="en-US"/>
               <a:t>Edit Master text styles</a:t>
             </a:r>
           </a:p>
           <a:p>
             <a:pPr lvl="1"/>
             <a:r>
-              <a:rPr lang="en-US" smtClean="0"/>
+              <a:rPr lang="en-US"/>
               <a:t>Second level</a:t>
             </a:r>
           </a:p>
           <a:p>
             <a:pPr lvl="2"/>
             <a:r>
-              <a:rPr lang="en-US" smtClean="0"/>
+              <a:rPr lang="en-US"/>
               <a:t>Third level</a:t>
             </a:r>
           </a:p>
           <a:p>
             <a:pPr lvl="3"/>
             <a:r>
-              <a:rPr lang="en-US" smtClean="0"/>
+              <a:rPr lang="en-US"/>
               <a:t>Fourth level</a:t>
             </a:r>
           </a:p>
           <a:p>
             <a:pPr lvl="4"/>
             <a:r>
-              <a:rPr lang="en-US" smtClean="0"/>
+              <a:rPr lang="en-US"/>
               <a:t>Fifth level</a:t>
             </a:r>
-            <a:endParaRPr lang="en-US"/>
           </a:p>
         </p:txBody>
       </p:sp>
@@ -2083,7 +2757,7 @@
           <a:p>
             <a:pPr lvl="0"/>
             <a:r>
-              <a:rPr lang="en-US" smtClean="0"/>
+              <a:rPr lang="en-US"/>
               <a:t>Edit Master text styles</a:t>
             </a:r>
           </a:p>
@@ -2106,7 +2780,7 @@
           <a:p>
             <a:fld id="{739DF2AD-9A73-4106-85FD-00A9E5942C9C}" type="datetimeFigureOut">
               <a:rPr lang="en-US" smtClean="0"/>
-              <a:t>12/14/2017</a:t>
+              <a:t>12/22/2017</a:t>
             </a:fld>
             <a:endParaRPr lang="en-US"/>
           </a:p>
@@ -2209,10 +2883,9 @@
           </a:lstStyle>
           <a:p>
             <a:r>
-              <a:rPr lang="en-US" smtClean="0"/>
+              <a:rPr lang="en-US"/>
               <a:t>Click to edit Master title style</a:t>
             </a:r>
-            <a:endParaRPr lang="en-US"/>
           </a:p>
         </p:txBody>
       </p:sp>
@@ -2336,7 +3009,7 @@
           <a:p>
             <a:pPr lvl="0"/>
             <a:r>
-              <a:rPr lang="en-US" smtClean="0"/>
+              <a:rPr lang="en-US"/>
               <a:t>Edit Master text styles</a:t>
             </a:r>
           </a:p>
@@ -2359,7 +3032,7 @@
           <a:p>
             <a:fld id="{739DF2AD-9A73-4106-85FD-00A9E5942C9C}" type="datetimeFigureOut">
               <a:rPr lang="en-US" smtClean="0"/>
-              <a:t>12/14/2017</a:t>
+              <a:t>12/22/2017</a:t>
             </a:fld>
             <a:endParaRPr lang="en-US"/>
           </a:p>
@@ -2468,10 +3141,9 @@
           <a:lstStyle/>
           <a:p>
             <a:r>
-              <a:rPr lang="en-US" smtClean="0"/>
+              <a:rPr lang="en-US"/>
               <a:t>Click to edit Master title style</a:t>
             </a:r>
-            <a:endParaRPr lang="en-US"/>
           </a:p>
         </p:txBody>
       </p:sp>
@@ -2502,38 +3174,37 @@
           <a:p>
             <a:pPr lvl="0"/>
             <a:r>
-              <a:rPr lang="en-US" smtClean="0"/>
+              <a:rPr lang="en-US"/>
               <a:t>Edit Master text styles</a:t>
             </a:r>
           </a:p>
           <a:p>
             <a:pPr lvl="1"/>
             <a:r>
-              <a:rPr lang="en-US" smtClean="0"/>
+              <a:rPr lang="en-US"/>
               <a:t>Second level</a:t>
             </a:r>
           </a:p>
           <a:p>
             <a:pPr lvl="2"/>
             <a:r>
-              <a:rPr lang="en-US" smtClean="0"/>
+              <a:rPr lang="en-US"/>
               <a:t>Third level</a:t>
             </a:r>
           </a:p>
           <a:p>
             <a:pPr lvl="3"/>
             <a:r>
-              <a:rPr lang="en-US" smtClean="0"/>
+              <a:rPr lang="en-US"/>
               <a:t>Fourth level</a:t>
             </a:r>
           </a:p>
           <a:p>
             <a:pPr lvl="4"/>
             <a:r>
-              <a:rPr lang="en-US" smtClean="0"/>
+              <a:rPr lang="en-US"/>
               <a:t>Fifth level</a:t>
             </a:r>
-            <a:endParaRPr lang="en-US"/>
           </a:p>
         </p:txBody>
       </p:sp>
@@ -2572,7 +3243,7 @@
           <a:p>
             <a:fld id="{739DF2AD-9A73-4106-85FD-00A9E5942C9C}" type="datetimeFigureOut">
               <a:rPr lang="en-US" smtClean="0"/>
-              <a:t>12/14/2017</a:t>
+              <a:t>12/22/2017</a:t>
             </a:fld>
             <a:endParaRPr lang="en-US"/>
           </a:p>
@@ -2989,37 +3660,65 @@
         </p:nvSpPr>
         <p:spPr/>
         <p:txBody>
+          <a:bodyPr>
+            <a:normAutofit fontScale="90000"/>
+          </a:bodyPr>
+          <a:lstStyle/>
+          <a:p>
+            <a:r>
+              <a:rPr lang="en-US" dirty="0"/>
+              <a:t>Proposal for a weighted gradient vector field enabling optimal obstacle avoidance</a:t>
+            </a:r>
+          </a:p>
+        </p:txBody>
+      </p:sp>
+      <p:sp>
+        <p:nvSpPr>
+          <p:cNvPr id="3" name="Subtitle 2"/>
+          <p:cNvSpPr>
+            <a:spLocks noGrp="1"/>
+          </p:cNvSpPr>
+          <p:nvPr>
+            <p:ph type="subTitle" idx="1"/>
+          </p:nvPr>
+        </p:nvSpPr>
+        <p:spPr>
+          <a:xfrm>
+            <a:off x="0" y="4907756"/>
+            <a:ext cx="9144000" cy="1655762"/>
+          </a:xfrm>
+        </p:spPr>
+        <p:txBody>
           <a:bodyPr/>
           <a:lstStyle/>
           <a:p>
-            <a:r>
-              <a:rPr lang="en-US" dirty="0" smtClean="0"/>
-              <a:t>TITLE</a:t>
-            </a:r>
-            <a:endParaRPr lang="en-US" dirty="0"/>
-          </a:p>
-        </p:txBody>
-      </p:sp>
-      <p:sp>
-        <p:nvSpPr>
-          <p:cNvPr id="3" name="Subtitle 2"/>
-          <p:cNvSpPr>
-            <a:spLocks noGrp="1"/>
-          </p:cNvSpPr>
-          <p:nvPr>
-            <p:ph type="subTitle" idx="1"/>
-          </p:nvPr>
-        </p:nvSpPr>
-        <p:spPr/>
-        <p:txBody>
-          <a:bodyPr/>
-          <a:lstStyle/>
-          <a:p>
-            <a:r>
-              <a:rPr lang="en-US" dirty="0" smtClean="0"/>
-              <a:t>Name</a:t>
-            </a:r>
-            <a:endParaRPr lang="en-US" dirty="0"/>
+            <a:pPr algn="l"/>
+            <a:r>
+              <a:rPr lang="en-US" dirty="0"/>
+              <a:t>Presented by: Garrett Clem</a:t>
+            </a:r>
+          </a:p>
+          <a:p>
+            <a:pPr algn="l"/>
+            <a:r>
+              <a:rPr lang="en-US" dirty="0"/>
+              <a:t>Advisor: Jay Wilhelm</a:t>
+            </a:r>
+          </a:p>
+          <a:p>
+            <a:pPr algn="l"/>
+            <a:r>
+              <a:rPr lang="en-US" dirty="0"/>
+              <a:t>Committee: Dr. Bob Williams, Dr. David </a:t>
+            </a:r>
+            <a:r>
+              <a:rPr lang="en-US" dirty="0" err="1"/>
+              <a:t>Casbeer</a:t>
+            </a:r>
+            <a:r>
+              <a:rPr lang="en-US" dirty="0"/>
+              <a:t>, Dr. M</a:t>
+            </a:r>
           </a:p>
         </p:txBody>
       </p:sp>
@@ -3069,18 +3768,9 @@
           <a:lstStyle/>
           <a:p>
             <a:r>
-              <a:rPr lang="en-US" dirty="0" smtClean="0"/>
-              <a:t>Phase </a:t>
-            </a:r>
-            <a:r>
-              <a:rPr lang="en-US" dirty="0"/>
-              <a:t>3</a:t>
-            </a:r>
-            <a:r>
-              <a:rPr lang="en-US" dirty="0" smtClean="0"/>
-              <a:t>:</a:t>
-            </a:r>
-            <a:endParaRPr lang="en-US" dirty="0"/>
+              <a:rPr lang="en-US" dirty="0"/>
+              <a:t>Phase 2:</a:t>
+            </a:r>
           </a:p>
         </p:txBody>
       </p:sp>
@@ -3108,12 +3798,12 @@
               <a:buNone/>
             </a:pPr>
             <a:r>
-              <a:rPr lang="en-US" dirty="0" smtClean="0"/>
+              <a:rPr lang="en-US" dirty="0"/>
               <a:t>Goal: </a:t>
             </a:r>
           </a:p>
           <a:p>
-            <a:endParaRPr lang="en-US" dirty="0" smtClean="0"/>
+            <a:endParaRPr lang="en-US" dirty="0"/>
           </a:p>
           <a:p>
             <a:pPr marL="0" indent="0">
@@ -3126,7 +3816,7 @@
               <a:buNone/>
             </a:pPr>
             <a:r>
-              <a:rPr lang="en-US" dirty="0" smtClean="0"/>
+              <a:rPr lang="en-US" dirty="0"/>
               <a:t>Objective:</a:t>
             </a:r>
           </a:p>
@@ -3137,23 +3827,22 @@
             <a:pPr marL="0" indent="0">
               <a:buNone/>
             </a:pPr>
-            <a:endParaRPr lang="en-US" dirty="0" smtClean="0"/>
+            <a:endParaRPr lang="en-US" dirty="0"/>
           </a:p>
           <a:p>
             <a:pPr marL="0" indent="0">
               <a:buNone/>
             </a:pPr>
-            <a:endParaRPr lang="en-US" dirty="0" smtClean="0"/>
+            <a:endParaRPr lang="en-US" dirty="0"/>
           </a:p>
           <a:p>
             <a:pPr marL="0" indent="0">
               <a:buNone/>
             </a:pPr>
             <a:r>
-              <a:rPr lang="en-US" dirty="0" smtClean="0"/>
+              <a:rPr lang="en-US" dirty="0"/>
               <a:t>Tasks:</a:t>
             </a:r>
-            <a:endParaRPr lang="en-US" dirty="0"/>
           </a:p>
         </p:txBody>
       </p:sp>
@@ -3347,20 +4036,18 @@
               <a:buNone/>
             </a:pPr>
             <a:r>
-              <a:rPr lang="en-US" dirty="0" smtClean="0"/>
-              <a:t>Demonstrate GVF obstacle avoidance with ground robot experiments</a:t>
-            </a:r>
-            <a:endParaRPr lang="en-US" dirty="0" smtClean="0"/>
+              <a:rPr lang="en-US" dirty="0"/>
+              <a:t>Determine GVF weighting functions that improve obstacle avoidance</a:t>
+            </a:r>
           </a:p>
           <a:p>
             <a:pPr marL="0" indent="0">
               <a:buNone/>
             </a:pPr>
             <a:r>
-              <a:rPr lang="en-US" dirty="0" smtClean="0"/>
+              <a:rPr lang="en-US" dirty="0"/>
               <a:t> </a:t>
             </a:r>
-            <a:endParaRPr lang="en-US" dirty="0"/>
           </a:p>
         </p:txBody>
       </p:sp>
@@ -3554,10 +4241,9 @@
               <a:buNone/>
             </a:pPr>
             <a:r>
-              <a:rPr lang="en-US" dirty="0" smtClean="0"/>
+              <a:rPr lang="en-US" dirty="0"/>
               <a:t> </a:t>
             </a:r>
-            <a:endParaRPr lang="en-US" dirty="0"/>
           </a:p>
         </p:txBody>
       </p:sp>
@@ -3591,18 +4277,13 @@
               </a:spcBef>
             </a:pPr>
             <a:r>
-              <a:rPr lang="en-US" sz="2800" dirty="0" smtClean="0">
+              <a:rPr lang="en-US" sz="2800" dirty="0">
                 <a:solidFill>
                   <a:prstClr val="black"/>
                 </a:solidFill>
               </a:rPr>
-              <a:t>Validate modified GVF guidance on mobile robot platform simulating fixed wing constraints</a:t>
-            </a:r>
-            <a:endParaRPr lang="en-US" sz="2800" dirty="0">
-              <a:solidFill>
-                <a:prstClr val="black"/>
-              </a:solidFill>
-            </a:endParaRPr>
+              <a:t>Investigate weighting functions dependent on UAV state </a:t>
+            </a:r>
           </a:p>
         </p:txBody>
       </p:sp>
@@ -3615,7 +4296,7 @@
         <p:spPr>
           <a:xfrm>
             <a:off x="3222702" y="4934637"/>
-            <a:ext cx="8969298" cy="1900007"/>
+            <a:ext cx="8127381" cy="1771767"/>
           </a:xfrm>
           <a:prstGeom prst="rect">
             <a:avLst/>
@@ -3638,12 +4319,12 @@
               <a:buAutoNum type="arabicPeriod"/>
             </a:pPr>
             <a:r>
-              <a:rPr lang="en-US" sz="2800" dirty="0" smtClean="0">
+              <a:rPr lang="en-US" sz="2800" dirty="0">
                 <a:solidFill>
                   <a:prstClr val="black"/>
                 </a:solidFill>
               </a:rPr>
-              <a:t>Build differential drive robot</a:t>
+              <a:t>Formulate circulation and convergence weights as functions of UAV state</a:t>
             </a:r>
           </a:p>
           <a:p>
@@ -3658,50 +4339,20 @@
               <a:buAutoNum type="arabicPeriod"/>
             </a:pPr>
             <a:r>
-              <a:rPr lang="en-US" sz="2800" dirty="0" smtClean="0">
+              <a:rPr lang="en-US" sz="2800" dirty="0">
                 <a:solidFill>
                   <a:prstClr val="black"/>
                 </a:solidFill>
               </a:rPr>
-              <a:t>Program robotic framework to take guidance commands</a:t>
-            </a:r>
-            <a:endParaRPr lang="en-US" sz="2800" dirty="0" smtClean="0">
-              <a:solidFill>
-                <a:prstClr val="black"/>
-              </a:solidFill>
-            </a:endParaRPr>
-          </a:p>
-          <a:p>
-            <a:pPr marL="514350" lvl="0" indent="-514350" algn="just">
-              <a:lnSpc>
-                <a:spcPct val="90000"/>
-              </a:lnSpc>
-              <a:spcBef>
-                <a:spcPts val="1000"/>
-              </a:spcBef>
-              <a:buFont typeface="+mj-lt"/>
-              <a:buAutoNum type="arabicPeriod"/>
-            </a:pPr>
-            <a:r>
-              <a:rPr lang="en-US" sz="2800" dirty="0" smtClean="0">
-                <a:solidFill>
-                  <a:prstClr val="black"/>
-                </a:solidFill>
-              </a:rPr>
-              <a:t>Repeat experiments performed in phase 2 on ground robot</a:t>
-            </a:r>
-            <a:endParaRPr lang="en-US" sz="2800" dirty="0" smtClean="0">
-              <a:solidFill>
-                <a:prstClr val="black"/>
-              </a:solidFill>
-            </a:endParaRPr>
+              <a:t>Determine combination of GVF weights that produces optimal guidance in simulation</a:t>
+            </a:r>
           </a:p>
         </p:txBody>
       </p:sp>
     </p:spTree>
     <p:extLst>
       <p:ext uri="{BB962C8B-B14F-4D97-AF65-F5344CB8AC3E}">
-        <p14:creationId xmlns:p14="http://schemas.microsoft.com/office/powerpoint/2010/main" val="458774852"/>
+        <p14:creationId xmlns:p14="http://schemas.microsoft.com/office/powerpoint/2010/main" val="2419705007"/>
       </p:ext>
     </p:extLst>
   </p:cSld>
@@ -3744,16 +4395,15 @@
           <a:lstStyle/>
           <a:p>
             <a:r>
-              <a:rPr lang="en-US" dirty="0" smtClean="0"/>
-              <a:t>Success Criteria</a:t>
-            </a:r>
-            <a:endParaRPr lang="en-US" dirty="0"/>
-          </a:p>
-        </p:txBody>
-      </p:sp>
-      <p:sp>
-        <p:nvSpPr>
-          <p:cNvPr id="3" name="Content Placeholder 2"/>
+              <a:rPr lang="en-US" dirty="0"/>
+              <a:t>Phase 3:</a:t>
+            </a:r>
+          </a:p>
+        </p:txBody>
+      </p:sp>
+      <p:sp>
+        <p:nvSpPr>
+          <p:cNvPr id="4" name="Content Placeholder 3"/>
           <p:cNvSpPr>
             <a:spLocks noGrp="1"/>
           </p:cNvSpPr>
@@ -3761,41 +4411,595 @@
             <p:ph idx="1"/>
           </p:nvPr>
         </p:nvSpPr>
-        <p:spPr/>
+        <p:spPr>
+          <a:xfrm>
+            <a:off x="838200" y="1825625"/>
+            <a:ext cx="2674434" cy="4351338"/>
+          </a:xfrm>
+        </p:spPr>
         <p:txBody>
           <a:bodyPr/>
           <a:lstStyle/>
           <a:p>
-            <a:r>
-              <a:rPr lang="en-US" dirty="0" smtClean="0"/>
-              <a:t>Phase 1:</a:t>
+            <a:pPr marL="0" indent="0">
+              <a:buNone/>
+            </a:pPr>
+            <a:r>
+              <a:rPr lang="en-US" dirty="0"/>
+              <a:t>Goal: </a:t>
             </a:r>
           </a:p>
           <a:p>
             <a:endParaRPr lang="en-US" dirty="0"/>
           </a:p>
           <a:p>
-            <a:r>
-              <a:rPr lang="en-US" dirty="0" smtClean="0"/>
-              <a:t>Phase 2:</a:t>
-            </a:r>
-          </a:p>
-          <a:p>
+            <a:pPr marL="0" indent="0">
+              <a:buNone/>
+            </a:pPr>
             <a:endParaRPr lang="en-US" dirty="0"/>
           </a:p>
           <a:p>
-            <a:r>
-              <a:rPr lang="en-US" dirty="0" smtClean="0"/>
-              <a:t>Phase 3:</a:t>
-            </a:r>
+            <a:pPr marL="0" indent="0">
+              <a:buNone/>
+            </a:pPr>
+            <a:r>
+              <a:rPr lang="en-US" dirty="0"/>
+              <a:t>Objective:</a:t>
+            </a:r>
+          </a:p>
+          <a:p>
             <a:endParaRPr lang="en-US" dirty="0"/>
+          </a:p>
+          <a:p>
+            <a:pPr marL="0" indent="0">
+              <a:buNone/>
+            </a:pPr>
+            <a:endParaRPr lang="en-US" dirty="0"/>
+          </a:p>
+          <a:p>
+            <a:pPr marL="0" indent="0">
+              <a:buNone/>
+            </a:pPr>
+            <a:endParaRPr lang="en-US" dirty="0"/>
+          </a:p>
+          <a:p>
+            <a:pPr marL="0" indent="0">
+              <a:buNone/>
+            </a:pPr>
+            <a:r>
+              <a:rPr lang="en-US" dirty="0"/>
+              <a:t>Tasks:</a:t>
+            </a:r>
+          </a:p>
+        </p:txBody>
+      </p:sp>
+      <p:sp>
+        <p:nvSpPr>
+          <p:cNvPr id="5" name="Content Placeholder 3"/>
+          <p:cNvSpPr txBox="1">
+            <a:spLocks/>
+          </p:cNvSpPr>
+          <p:nvPr/>
+        </p:nvSpPr>
+        <p:spPr>
+          <a:xfrm>
+            <a:off x="3323063" y="1791047"/>
+            <a:ext cx="8027020" cy="1325563"/>
+          </a:xfrm>
+          <a:prstGeom prst="rect">
+            <a:avLst/>
+          </a:prstGeom>
+        </p:spPr>
+        <p:txBody>
+          <a:bodyPr vert="horz" lIns="91440" tIns="45720" rIns="91440" bIns="45720" rtlCol="0">
+            <a:normAutofit lnSpcReduction="10000"/>
+          </a:bodyPr>
+          <a:lstStyle>
+            <a:lvl1pPr marL="228600" indent="-228600" algn="l" defTabSz="914400" rtl="0" eaLnBrk="1" latinLnBrk="0" hangingPunct="1">
+              <a:lnSpc>
+                <a:spcPct val="90000"/>
+              </a:lnSpc>
+              <a:spcBef>
+                <a:spcPts val="1000"/>
+              </a:spcBef>
+              <a:buFont typeface="Arial" panose="020B0604020202020204" pitchFamily="34" charset="0"/>
+              <a:buChar char="•"/>
+              <a:defRPr sz="2800" kern="1200">
+                <a:solidFill>
+                  <a:schemeClr val="tx1"/>
+                </a:solidFill>
+                <a:latin typeface="+mn-lt"/>
+                <a:ea typeface="+mn-ea"/>
+                <a:cs typeface="+mn-cs"/>
+              </a:defRPr>
+            </a:lvl1pPr>
+            <a:lvl2pPr marL="685800" indent="-228600" algn="l" defTabSz="914400" rtl="0" eaLnBrk="1" latinLnBrk="0" hangingPunct="1">
+              <a:lnSpc>
+                <a:spcPct val="90000"/>
+              </a:lnSpc>
+              <a:spcBef>
+                <a:spcPts val="500"/>
+              </a:spcBef>
+              <a:buFont typeface="Arial" panose="020B0604020202020204" pitchFamily="34" charset="0"/>
+              <a:buChar char="•"/>
+              <a:defRPr sz="2400" kern="1200">
+                <a:solidFill>
+                  <a:schemeClr val="tx1"/>
+                </a:solidFill>
+                <a:latin typeface="+mn-lt"/>
+                <a:ea typeface="+mn-ea"/>
+                <a:cs typeface="+mn-cs"/>
+              </a:defRPr>
+            </a:lvl2pPr>
+            <a:lvl3pPr marL="1143000" indent="-228600" algn="l" defTabSz="914400" rtl="0" eaLnBrk="1" latinLnBrk="0" hangingPunct="1">
+              <a:lnSpc>
+                <a:spcPct val="90000"/>
+              </a:lnSpc>
+              <a:spcBef>
+                <a:spcPts val="500"/>
+              </a:spcBef>
+              <a:buFont typeface="Arial" panose="020B0604020202020204" pitchFamily="34" charset="0"/>
+              <a:buChar char="•"/>
+              <a:defRPr sz="2000" kern="1200">
+                <a:solidFill>
+                  <a:schemeClr val="tx1"/>
+                </a:solidFill>
+                <a:latin typeface="+mn-lt"/>
+                <a:ea typeface="+mn-ea"/>
+                <a:cs typeface="+mn-cs"/>
+              </a:defRPr>
+            </a:lvl3pPr>
+            <a:lvl4pPr marL="1600200" indent="-228600" algn="l" defTabSz="914400" rtl="0" eaLnBrk="1" latinLnBrk="0" hangingPunct="1">
+              <a:lnSpc>
+                <a:spcPct val="90000"/>
+              </a:lnSpc>
+              <a:spcBef>
+                <a:spcPts val="500"/>
+              </a:spcBef>
+              <a:buFont typeface="Arial" panose="020B0604020202020204" pitchFamily="34" charset="0"/>
+              <a:buChar char="•"/>
+              <a:defRPr sz="1800" kern="1200">
+                <a:solidFill>
+                  <a:schemeClr val="tx1"/>
+                </a:solidFill>
+                <a:latin typeface="+mn-lt"/>
+                <a:ea typeface="+mn-ea"/>
+                <a:cs typeface="+mn-cs"/>
+              </a:defRPr>
+            </a:lvl4pPr>
+            <a:lvl5pPr marL="2057400" indent="-228600" algn="l" defTabSz="914400" rtl="0" eaLnBrk="1" latinLnBrk="0" hangingPunct="1">
+              <a:lnSpc>
+                <a:spcPct val="90000"/>
+              </a:lnSpc>
+              <a:spcBef>
+                <a:spcPts val="500"/>
+              </a:spcBef>
+              <a:buFont typeface="Arial" panose="020B0604020202020204" pitchFamily="34" charset="0"/>
+              <a:buChar char="•"/>
+              <a:defRPr sz="1800" kern="1200">
+                <a:solidFill>
+                  <a:schemeClr val="tx1"/>
+                </a:solidFill>
+                <a:latin typeface="+mn-lt"/>
+                <a:ea typeface="+mn-ea"/>
+                <a:cs typeface="+mn-cs"/>
+              </a:defRPr>
+            </a:lvl5pPr>
+            <a:lvl6pPr marL="2514600" indent="-228600" algn="l" defTabSz="914400" rtl="0" eaLnBrk="1" latinLnBrk="0" hangingPunct="1">
+              <a:lnSpc>
+                <a:spcPct val="90000"/>
+              </a:lnSpc>
+              <a:spcBef>
+                <a:spcPts val="500"/>
+              </a:spcBef>
+              <a:buFont typeface="Arial" panose="020B0604020202020204" pitchFamily="34" charset="0"/>
+              <a:buChar char="•"/>
+              <a:defRPr sz="1800" kern="1200">
+                <a:solidFill>
+                  <a:schemeClr val="tx1"/>
+                </a:solidFill>
+                <a:latin typeface="+mn-lt"/>
+                <a:ea typeface="+mn-ea"/>
+                <a:cs typeface="+mn-cs"/>
+              </a:defRPr>
+            </a:lvl6pPr>
+            <a:lvl7pPr marL="2971800" indent="-228600" algn="l" defTabSz="914400" rtl="0" eaLnBrk="1" latinLnBrk="0" hangingPunct="1">
+              <a:lnSpc>
+                <a:spcPct val="90000"/>
+              </a:lnSpc>
+              <a:spcBef>
+                <a:spcPts val="500"/>
+              </a:spcBef>
+              <a:buFont typeface="Arial" panose="020B0604020202020204" pitchFamily="34" charset="0"/>
+              <a:buChar char="•"/>
+              <a:defRPr sz="1800" kern="1200">
+                <a:solidFill>
+                  <a:schemeClr val="tx1"/>
+                </a:solidFill>
+                <a:latin typeface="+mn-lt"/>
+                <a:ea typeface="+mn-ea"/>
+                <a:cs typeface="+mn-cs"/>
+              </a:defRPr>
+            </a:lvl7pPr>
+            <a:lvl8pPr marL="3429000" indent="-228600" algn="l" defTabSz="914400" rtl="0" eaLnBrk="1" latinLnBrk="0" hangingPunct="1">
+              <a:lnSpc>
+                <a:spcPct val="90000"/>
+              </a:lnSpc>
+              <a:spcBef>
+                <a:spcPts val="500"/>
+              </a:spcBef>
+              <a:buFont typeface="Arial" panose="020B0604020202020204" pitchFamily="34" charset="0"/>
+              <a:buChar char="•"/>
+              <a:defRPr sz="1800" kern="1200">
+                <a:solidFill>
+                  <a:schemeClr val="tx1"/>
+                </a:solidFill>
+                <a:latin typeface="+mn-lt"/>
+                <a:ea typeface="+mn-ea"/>
+                <a:cs typeface="+mn-cs"/>
+              </a:defRPr>
+            </a:lvl8pPr>
+            <a:lvl9pPr marL="3886200" indent="-228600" algn="l" defTabSz="914400" rtl="0" eaLnBrk="1" latinLnBrk="0" hangingPunct="1">
+              <a:lnSpc>
+                <a:spcPct val="90000"/>
+              </a:lnSpc>
+              <a:spcBef>
+                <a:spcPts val="500"/>
+              </a:spcBef>
+              <a:buFont typeface="Arial" panose="020B0604020202020204" pitchFamily="34" charset="0"/>
+              <a:buChar char="•"/>
+              <a:defRPr sz="1800" kern="1200">
+                <a:solidFill>
+                  <a:schemeClr val="tx1"/>
+                </a:solidFill>
+                <a:latin typeface="+mn-lt"/>
+                <a:ea typeface="+mn-ea"/>
+                <a:cs typeface="+mn-cs"/>
+              </a:defRPr>
+            </a:lvl9pPr>
+          </a:lstStyle>
+          <a:p>
+            <a:pPr marL="0" indent="0">
+              <a:buNone/>
+            </a:pPr>
+            <a:r>
+              <a:rPr lang="en-US" dirty="0"/>
+              <a:t>Demonstrate GVF obstacle avoidance with ground robot experiments</a:t>
+            </a:r>
+          </a:p>
+          <a:p>
+            <a:pPr marL="0" indent="0">
+              <a:buNone/>
+            </a:pPr>
+            <a:r>
+              <a:rPr lang="en-US" dirty="0"/>
+              <a:t> </a:t>
+            </a:r>
+          </a:p>
+        </p:txBody>
+      </p:sp>
+      <p:sp>
+        <p:nvSpPr>
+          <p:cNvPr id="6" name="Content Placeholder 3"/>
+          <p:cNvSpPr txBox="1">
+            <a:spLocks/>
+          </p:cNvSpPr>
+          <p:nvPr/>
+        </p:nvSpPr>
+        <p:spPr>
+          <a:xfrm>
+            <a:off x="4757857" y="3214685"/>
+            <a:ext cx="5107259" cy="1089686"/>
+          </a:xfrm>
+          <a:prstGeom prst="rect">
+            <a:avLst/>
+          </a:prstGeom>
+        </p:spPr>
+        <p:txBody>
+          <a:bodyPr vert="horz" lIns="91440" tIns="45720" rIns="91440" bIns="45720" rtlCol="0">
+            <a:normAutofit/>
+          </a:bodyPr>
+          <a:lstStyle>
+            <a:lvl1pPr marL="228600" indent="-228600" algn="l" defTabSz="914400" rtl="0" eaLnBrk="1" latinLnBrk="0" hangingPunct="1">
+              <a:lnSpc>
+                <a:spcPct val="90000"/>
+              </a:lnSpc>
+              <a:spcBef>
+                <a:spcPts val="1000"/>
+              </a:spcBef>
+              <a:buFont typeface="Arial" panose="020B0604020202020204" pitchFamily="34" charset="0"/>
+              <a:buChar char="•"/>
+              <a:defRPr sz="2800" kern="1200">
+                <a:solidFill>
+                  <a:schemeClr val="tx1"/>
+                </a:solidFill>
+                <a:latin typeface="+mn-lt"/>
+                <a:ea typeface="+mn-ea"/>
+                <a:cs typeface="+mn-cs"/>
+              </a:defRPr>
+            </a:lvl1pPr>
+            <a:lvl2pPr marL="685800" indent="-228600" algn="l" defTabSz="914400" rtl="0" eaLnBrk="1" latinLnBrk="0" hangingPunct="1">
+              <a:lnSpc>
+                <a:spcPct val="90000"/>
+              </a:lnSpc>
+              <a:spcBef>
+                <a:spcPts val="500"/>
+              </a:spcBef>
+              <a:buFont typeface="Arial" panose="020B0604020202020204" pitchFamily="34" charset="0"/>
+              <a:buChar char="•"/>
+              <a:defRPr sz="2400" kern="1200">
+                <a:solidFill>
+                  <a:schemeClr val="tx1"/>
+                </a:solidFill>
+                <a:latin typeface="+mn-lt"/>
+                <a:ea typeface="+mn-ea"/>
+                <a:cs typeface="+mn-cs"/>
+              </a:defRPr>
+            </a:lvl2pPr>
+            <a:lvl3pPr marL="1143000" indent="-228600" algn="l" defTabSz="914400" rtl="0" eaLnBrk="1" latinLnBrk="0" hangingPunct="1">
+              <a:lnSpc>
+                <a:spcPct val="90000"/>
+              </a:lnSpc>
+              <a:spcBef>
+                <a:spcPts val="500"/>
+              </a:spcBef>
+              <a:buFont typeface="Arial" panose="020B0604020202020204" pitchFamily="34" charset="0"/>
+              <a:buChar char="•"/>
+              <a:defRPr sz="2000" kern="1200">
+                <a:solidFill>
+                  <a:schemeClr val="tx1"/>
+                </a:solidFill>
+                <a:latin typeface="+mn-lt"/>
+                <a:ea typeface="+mn-ea"/>
+                <a:cs typeface="+mn-cs"/>
+              </a:defRPr>
+            </a:lvl3pPr>
+            <a:lvl4pPr marL="1600200" indent="-228600" algn="l" defTabSz="914400" rtl="0" eaLnBrk="1" latinLnBrk="0" hangingPunct="1">
+              <a:lnSpc>
+                <a:spcPct val="90000"/>
+              </a:lnSpc>
+              <a:spcBef>
+                <a:spcPts val="500"/>
+              </a:spcBef>
+              <a:buFont typeface="Arial" panose="020B0604020202020204" pitchFamily="34" charset="0"/>
+              <a:buChar char="•"/>
+              <a:defRPr sz="1800" kern="1200">
+                <a:solidFill>
+                  <a:schemeClr val="tx1"/>
+                </a:solidFill>
+                <a:latin typeface="+mn-lt"/>
+                <a:ea typeface="+mn-ea"/>
+                <a:cs typeface="+mn-cs"/>
+              </a:defRPr>
+            </a:lvl4pPr>
+            <a:lvl5pPr marL="2057400" indent="-228600" algn="l" defTabSz="914400" rtl="0" eaLnBrk="1" latinLnBrk="0" hangingPunct="1">
+              <a:lnSpc>
+                <a:spcPct val="90000"/>
+              </a:lnSpc>
+              <a:spcBef>
+                <a:spcPts val="500"/>
+              </a:spcBef>
+              <a:buFont typeface="Arial" panose="020B0604020202020204" pitchFamily="34" charset="0"/>
+              <a:buChar char="•"/>
+              <a:defRPr sz="1800" kern="1200">
+                <a:solidFill>
+                  <a:schemeClr val="tx1"/>
+                </a:solidFill>
+                <a:latin typeface="+mn-lt"/>
+                <a:ea typeface="+mn-ea"/>
+                <a:cs typeface="+mn-cs"/>
+              </a:defRPr>
+            </a:lvl5pPr>
+            <a:lvl6pPr marL="2514600" indent="-228600" algn="l" defTabSz="914400" rtl="0" eaLnBrk="1" latinLnBrk="0" hangingPunct="1">
+              <a:lnSpc>
+                <a:spcPct val="90000"/>
+              </a:lnSpc>
+              <a:spcBef>
+                <a:spcPts val="500"/>
+              </a:spcBef>
+              <a:buFont typeface="Arial" panose="020B0604020202020204" pitchFamily="34" charset="0"/>
+              <a:buChar char="•"/>
+              <a:defRPr sz="1800" kern="1200">
+                <a:solidFill>
+                  <a:schemeClr val="tx1"/>
+                </a:solidFill>
+                <a:latin typeface="+mn-lt"/>
+                <a:ea typeface="+mn-ea"/>
+                <a:cs typeface="+mn-cs"/>
+              </a:defRPr>
+            </a:lvl6pPr>
+            <a:lvl7pPr marL="2971800" indent="-228600" algn="l" defTabSz="914400" rtl="0" eaLnBrk="1" latinLnBrk="0" hangingPunct="1">
+              <a:lnSpc>
+                <a:spcPct val="90000"/>
+              </a:lnSpc>
+              <a:spcBef>
+                <a:spcPts val="500"/>
+              </a:spcBef>
+              <a:buFont typeface="Arial" panose="020B0604020202020204" pitchFamily="34" charset="0"/>
+              <a:buChar char="•"/>
+              <a:defRPr sz="1800" kern="1200">
+                <a:solidFill>
+                  <a:schemeClr val="tx1"/>
+                </a:solidFill>
+                <a:latin typeface="+mn-lt"/>
+                <a:ea typeface="+mn-ea"/>
+                <a:cs typeface="+mn-cs"/>
+              </a:defRPr>
+            </a:lvl7pPr>
+            <a:lvl8pPr marL="3429000" indent="-228600" algn="l" defTabSz="914400" rtl="0" eaLnBrk="1" latinLnBrk="0" hangingPunct="1">
+              <a:lnSpc>
+                <a:spcPct val="90000"/>
+              </a:lnSpc>
+              <a:spcBef>
+                <a:spcPts val="500"/>
+              </a:spcBef>
+              <a:buFont typeface="Arial" panose="020B0604020202020204" pitchFamily="34" charset="0"/>
+              <a:buChar char="•"/>
+              <a:defRPr sz="1800" kern="1200">
+                <a:solidFill>
+                  <a:schemeClr val="tx1"/>
+                </a:solidFill>
+                <a:latin typeface="+mn-lt"/>
+                <a:ea typeface="+mn-ea"/>
+                <a:cs typeface="+mn-cs"/>
+              </a:defRPr>
+            </a:lvl8pPr>
+            <a:lvl9pPr marL="3886200" indent="-228600" algn="l" defTabSz="914400" rtl="0" eaLnBrk="1" latinLnBrk="0" hangingPunct="1">
+              <a:lnSpc>
+                <a:spcPct val="90000"/>
+              </a:lnSpc>
+              <a:spcBef>
+                <a:spcPts val="500"/>
+              </a:spcBef>
+              <a:buFont typeface="Arial" panose="020B0604020202020204" pitchFamily="34" charset="0"/>
+              <a:buChar char="•"/>
+              <a:defRPr sz="1800" kern="1200">
+                <a:solidFill>
+                  <a:schemeClr val="tx1"/>
+                </a:solidFill>
+                <a:latin typeface="+mn-lt"/>
+                <a:ea typeface="+mn-ea"/>
+                <a:cs typeface="+mn-cs"/>
+              </a:defRPr>
+            </a:lvl9pPr>
+          </a:lstStyle>
+          <a:p>
+            <a:pPr marL="0" indent="0">
+              <a:buNone/>
+            </a:pPr>
+            <a:r>
+              <a:rPr lang="en-US" dirty="0"/>
+              <a:t> </a:t>
+            </a:r>
+          </a:p>
+        </p:txBody>
+      </p:sp>
+      <p:sp>
+        <p:nvSpPr>
+          <p:cNvPr id="7" name="Rectangle 6"/>
+          <p:cNvSpPr/>
+          <p:nvPr/>
+        </p:nvSpPr>
+        <p:spPr>
+          <a:xfrm>
+            <a:off x="3222702" y="3105459"/>
+            <a:ext cx="8127380" cy="867930"/>
+          </a:xfrm>
+          <a:prstGeom prst="rect">
+            <a:avLst/>
+          </a:prstGeom>
+        </p:spPr>
+        <p:txBody>
+          <a:bodyPr wrap="square">
+            <a:spAutoFit/>
+          </a:bodyPr>
+          <a:lstStyle/>
+          <a:p>
+            <a:pPr lvl="0" algn="just">
+              <a:lnSpc>
+                <a:spcPct val="90000"/>
+              </a:lnSpc>
+              <a:spcBef>
+                <a:spcPts val="1000"/>
+              </a:spcBef>
+            </a:pPr>
+            <a:r>
+              <a:rPr lang="en-US" sz="2800" dirty="0">
+                <a:solidFill>
+                  <a:prstClr val="black"/>
+                </a:solidFill>
+              </a:rPr>
+              <a:t>Validate modified GVF guidance on mobile robot platform simulating fixed wing constraints</a:t>
+            </a:r>
+          </a:p>
+        </p:txBody>
+      </p:sp>
+      <p:sp>
+        <p:nvSpPr>
+          <p:cNvPr id="8" name="Rectangle 7"/>
+          <p:cNvSpPr/>
+          <p:nvPr/>
+        </p:nvSpPr>
+        <p:spPr>
+          <a:xfrm>
+            <a:off x="3222702" y="4934637"/>
+            <a:ext cx="8969298" cy="1900007"/>
+          </a:xfrm>
+          <a:prstGeom prst="rect">
+            <a:avLst/>
+          </a:prstGeom>
+        </p:spPr>
+        <p:txBody>
+          <a:bodyPr wrap="square">
+            <a:spAutoFit/>
+          </a:bodyPr>
+          <a:lstStyle/>
+          <a:p>
+            <a:pPr marL="514350" lvl="0" indent="-514350" algn="just">
+              <a:lnSpc>
+                <a:spcPct val="90000"/>
+              </a:lnSpc>
+              <a:spcBef>
+                <a:spcPts val="1000"/>
+              </a:spcBef>
+              <a:buFont typeface="+mj-lt"/>
+              <a:buAutoNum type="arabicPeriod"/>
+            </a:pPr>
+            <a:r>
+              <a:rPr lang="en-US" sz="2800" dirty="0">
+                <a:solidFill>
+                  <a:prstClr val="black"/>
+                </a:solidFill>
+              </a:rPr>
+              <a:t>Build differential drive robot</a:t>
+            </a:r>
+          </a:p>
+          <a:p>
+            <a:pPr marL="514350" lvl="0" indent="-514350" algn="just">
+              <a:lnSpc>
+                <a:spcPct val="90000"/>
+              </a:lnSpc>
+              <a:spcBef>
+                <a:spcPts val="1000"/>
+              </a:spcBef>
+              <a:buFont typeface="+mj-lt"/>
+              <a:buAutoNum type="arabicPeriod"/>
+            </a:pPr>
+            <a:r>
+              <a:rPr lang="en-US" sz="2800" dirty="0">
+                <a:solidFill>
+                  <a:prstClr val="black"/>
+                </a:solidFill>
+              </a:rPr>
+              <a:t>Program robotic framework to take guidance commands</a:t>
+            </a:r>
+          </a:p>
+          <a:p>
+            <a:pPr marL="514350" lvl="0" indent="-514350" algn="just">
+              <a:lnSpc>
+                <a:spcPct val="90000"/>
+              </a:lnSpc>
+              <a:spcBef>
+                <a:spcPts val="1000"/>
+              </a:spcBef>
+              <a:buFont typeface="+mj-lt"/>
+              <a:buAutoNum type="arabicPeriod"/>
+            </a:pPr>
+            <a:r>
+              <a:rPr lang="en-US" sz="2800" dirty="0">
+                <a:solidFill>
+                  <a:prstClr val="black"/>
+                </a:solidFill>
+              </a:rPr>
+              <a:t>Repeat experiments performed in phase 2 on ground robot</a:t>
+            </a:r>
           </a:p>
         </p:txBody>
       </p:sp>
     </p:spTree>
     <p:extLst>
       <p:ext uri="{BB962C8B-B14F-4D97-AF65-F5344CB8AC3E}">
-        <p14:creationId xmlns:p14="http://schemas.microsoft.com/office/powerpoint/2010/main" val="209725815"/>
+        <p14:creationId xmlns:p14="http://schemas.microsoft.com/office/powerpoint/2010/main" val="458774852"/>
       </p:ext>
     </p:extLst>
   </p:cSld>
@@ -3838,10 +5042,9 @@
           <a:lstStyle/>
           <a:p>
             <a:r>
-              <a:rPr lang="en-US" dirty="0" smtClean="0"/>
-              <a:t>Deliverables</a:t>
-            </a:r>
-            <a:endParaRPr lang="en-US" dirty="0"/>
+              <a:rPr lang="en-US" dirty="0"/>
+              <a:t>Success Criteria</a:t>
+            </a:r>
           </a:p>
         </p:txBody>
       </p:sp>
@@ -3855,19 +5058,295 @@
             <p:ph idx="1"/>
           </p:nvPr>
         </p:nvSpPr>
-        <p:spPr/>
+        <p:spPr>
+          <a:xfrm>
+            <a:off x="838200" y="1825625"/>
+            <a:ext cx="1886712" cy="4351338"/>
+          </a:xfrm>
+        </p:spPr>
         <p:txBody>
           <a:bodyPr/>
           <a:lstStyle/>
           <a:p>
-            <a:endParaRPr lang="en-US"/>
+            <a:r>
+              <a:rPr lang="en-US" dirty="0"/>
+              <a:t>Phase 1: </a:t>
+            </a:r>
+          </a:p>
+          <a:p>
+            <a:endParaRPr lang="en-US" dirty="0"/>
+          </a:p>
+          <a:p>
+            <a:pPr marL="0" indent="0">
+              <a:buNone/>
+            </a:pPr>
+            <a:endParaRPr lang="en-US" dirty="0"/>
+          </a:p>
+          <a:p>
+            <a:r>
+              <a:rPr lang="en-US" dirty="0"/>
+              <a:t>Phase 2:</a:t>
+            </a:r>
+          </a:p>
+          <a:p>
+            <a:endParaRPr lang="en-US" dirty="0"/>
+          </a:p>
+          <a:p>
+            <a:endParaRPr lang="en-US" dirty="0"/>
+          </a:p>
+          <a:p>
+            <a:pPr marL="0" indent="0">
+              <a:buNone/>
+            </a:pPr>
+            <a:endParaRPr lang="en-US" dirty="0"/>
+          </a:p>
+          <a:p>
+            <a:r>
+              <a:rPr lang="en-US" dirty="0"/>
+              <a:t>Phase 3:</a:t>
+            </a:r>
+          </a:p>
+        </p:txBody>
+      </p:sp>
+      <p:sp>
+        <p:nvSpPr>
+          <p:cNvPr id="4" name="Content Placeholder 2">
+            <a:extLst>
+              <a:ext uri="{FF2B5EF4-FFF2-40B4-BE49-F238E27FC236}">
+                <a16:creationId xmlns:a16="http://schemas.microsoft.com/office/drawing/2014/main" id="{1E4BCB38-D028-48DC-80C1-6456E399645F}"/>
+              </a:ext>
+            </a:extLst>
+          </p:cNvPr>
+          <p:cNvSpPr txBox="1">
+            <a:spLocks/>
+          </p:cNvSpPr>
+          <p:nvPr/>
+        </p:nvSpPr>
+        <p:spPr>
+          <a:xfrm>
+            <a:off x="2965704" y="1810258"/>
+            <a:ext cx="8135112" cy="4351338"/>
+          </a:xfrm>
+          <a:prstGeom prst="rect">
+            <a:avLst/>
+          </a:prstGeom>
+        </p:spPr>
+        <p:txBody>
+          <a:bodyPr vert="horz" lIns="91440" tIns="45720" rIns="91440" bIns="45720" rtlCol="0">
+            <a:normAutofit/>
+          </a:bodyPr>
+          <a:lstStyle>
+            <a:lvl1pPr marL="228600" indent="-228600" algn="l" defTabSz="914400" rtl="0" eaLnBrk="1" latinLnBrk="0" hangingPunct="1">
+              <a:lnSpc>
+                <a:spcPct val="90000"/>
+              </a:lnSpc>
+              <a:spcBef>
+                <a:spcPts val="1000"/>
+              </a:spcBef>
+              <a:buFont typeface="Arial" panose="020B0604020202020204" pitchFamily="34" charset="0"/>
+              <a:buChar char="•"/>
+              <a:defRPr sz="2800" kern="1200">
+                <a:solidFill>
+                  <a:schemeClr val="tx1"/>
+                </a:solidFill>
+                <a:latin typeface="+mn-lt"/>
+                <a:ea typeface="+mn-ea"/>
+                <a:cs typeface="+mn-cs"/>
+              </a:defRPr>
+            </a:lvl1pPr>
+            <a:lvl2pPr marL="685800" indent="-228600" algn="l" defTabSz="914400" rtl="0" eaLnBrk="1" latinLnBrk="0" hangingPunct="1">
+              <a:lnSpc>
+                <a:spcPct val="90000"/>
+              </a:lnSpc>
+              <a:spcBef>
+                <a:spcPts val="500"/>
+              </a:spcBef>
+              <a:buFont typeface="Arial" panose="020B0604020202020204" pitchFamily="34" charset="0"/>
+              <a:buChar char="•"/>
+              <a:defRPr sz="2400" kern="1200">
+                <a:solidFill>
+                  <a:schemeClr val="tx1"/>
+                </a:solidFill>
+                <a:latin typeface="+mn-lt"/>
+                <a:ea typeface="+mn-ea"/>
+                <a:cs typeface="+mn-cs"/>
+              </a:defRPr>
+            </a:lvl2pPr>
+            <a:lvl3pPr marL="1143000" indent="-228600" algn="l" defTabSz="914400" rtl="0" eaLnBrk="1" latinLnBrk="0" hangingPunct="1">
+              <a:lnSpc>
+                <a:spcPct val="90000"/>
+              </a:lnSpc>
+              <a:spcBef>
+                <a:spcPts val="500"/>
+              </a:spcBef>
+              <a:buFont typeface="Arial" panose="020B0604020202020204" pitchFamily="34" charset="0"/>
+              <a:buChar char="•"/>
+              <a:defRPr sz="2000" kern="1200">
+                <a:solidFill>
+                  <a:schemeClr val="tx1"/>
+                </a:solidFill>
+                <a:latin typeface="+mn-lt"/>
+                <a:ea typeface="+mn-ea"/>
+                <a:cs typeface="+mn-cs"/>
+              </a:defRPr>
+            </a:lvl3pPr>
+            <a:lvl4pPr marL="1600200" indent="-228600" algn="l" defTabSz="914400" rtl="0" eaLnBrk="1" latinLnBrk="0" hangingPunct="1">
+              <a:lnSpc>
+                <a:spcPct val="90000"/>
+              </a:lnSpc>
+              <a:spcBef>
+                <a:spcPts val="500"/>
+              </a:spcBef>
+              <a:buFont typeface="Arial" panose="020B0604020202020204" pitchFamily="34" charset="0"/>
+              <a:buChar char="•"/>
+              <a:defRPr sz="1800" kern="1200">
+                <a:solidFill>
+                  <a:schemeClr val="tx1"/>
+                </a:solidFill>
+                <a:latin typeface="+mn-lt"/>
+                <a:ea typeface="+mn-ea"/>
+                <a:cs typeface="+mn-cs"/>
+              </a:defRPr>
+            </a:lvl4pPr>
+            <a:lvl5pPr marL="2057400" indent="-228600" algn="l" defTabSz="914400" rtl="0" eaLnBrk="1" latinLnBrk="0" hangingPunct="1">
+              <a:lnSpc>
+                <a:spcPct val="90000"/>
+              </a:lnSpc>
+              <a:spcBef>
+                <a:spcPts val="500"/>
+              </a:spcBef>
+              <a:buFont typeface="Arial" panose="020B0604020202020204" pitchFamily="34" charset="0"/>
+              <a:buChar char="•"/>
+              <a:defRPr sz="1800" kern="1200">
+                <a:solidFill>
+                  <a:schemeClr val="tx1"/>
+                </a:solidFill>
+                <a:latin typeface="+mn-lt"/>
+                <a:ea typeface="+mn-ea"/>
+                <a:cs typeface="+mn-cs"/>
+              </a:defRPr>
+            </a:lvl5pPr>
+            <a:lvl6pPr marL="2514600" indent="-228600" algn="l" defTabSz="914400" rtl="0" eaLnBrk="1" latinLnBrk="0" hangingPunct="1">
+              <a:lnSpc>
+                <a:spcPct val="90000"/>
+              </a:lnSpc>
+              <a:spcBef>
+                <a:spcPts val="500"/>
+              </a:spcBef>
+              <a:buFont typeface="Arial" panose="020B0604020202020204" pitchFamily="34" charset="0"/>
+              <a:buChar char="•"/>
+              <a:defRPr sz="1800" kern="1200">
+                <a:solidFill>
+                  <a:schemeClr val="tx1"/>
+                </a:solidFill>
+                <a:latin typeface="+mn-lt"/>
+                <a:ea typeface="+mn-ea"/>
+                <a:cs typeface="+mn-cs"/>
+              </a:defRPr>
+            </a:lvl6pPr>
+            <a:lvl7pPr marL="2971800" indent="-228600" algn="l" defTabSz="914400" rtl="0" eaLnBrk="1" latinLnBrk="0" hangingPunct="1">
+              <a:lnSpc>
+                <a:spcPct val="90000"/>
+              </a:lnSpc>
+              <a:spcBef>
+                <a:spcPts val="500"/>
+              </a:spcBef>
+              <a:buFont typeface="Arial" panose="020B0604020202020204" pitchFamily="34" charset="0"/>
+              <a:buChar char="•"/>
+              <a:defRPr sz="1800" kern="1200">
+                <a:solidFill>
+                  <a:schemeClr val="tx1"/>
+                </a:solidFill>
+                <a:latin typeface="+mn-lt"/>
+                <a:ea typeface="+mn-ea"/>
+                <a:cs typeface="+mn-cs"/>
+              </a:defRPr>
+            </a:lvl7pPr>
+            <a:lvl8pPr marL="3429000" indent="-228600" algn="l" defTabSz="914400" rtl="0" eaLnBrk="1" latinLnBrk="0" hangingPunct="1">
+              <a:lnSpc>
+                <a:spcPct val="90000"/>
+              </a:lnSpc>
+              <a:spcBef>
+                <a:spcPts val="500"/>
+              </a:spcBef>
+              <a:buFont typeface="Arial" panose="020B0604020202020204" pitchFamily="34" charset="0"/>
+              <a:buChar char="•"/>
+              <a:defRPr sz="1800" kern="1200">
+                <a:solidFill>
+                  <a:schemeClr val="tx1"/>
+                </a:solidFill>
+                <a:latin typeface="+mn-lt"/>
+                <a:ea typeface="+mn-ea"/>
+                <a:cs typeface="+mn-cs"/>
+              </a:defRPr>
+            </a:lvl8pPr>
+            <a:lvl9pPr marL="3886200" indent="-228600" algn="l" defTabSz="914400" rtl="0" eaLnBrk="1" latinLnBrk="0" hangingPunct="1">
+              <a:lnSpc>
+                <a:spcPct val="90000"/>
+              </a:lnSpc>
+              <a:spcBef>
+                <a:spcPts val="500"/>
+              </a:spcBef>
+              <a:buFont typeface="Arial" panose="020B0604020202020204" pitchFamily="34" charset="0"/>
+              <a:buChar char="•"/>
+              <a:defRPr sz="1800" kern="1200">
+                <a:solidFill>
+                  <a:schemeClr val="tx1"/>
+                </a:solidFill>
+                <a:latin typeface="+mn-lt"/>
+                <a:ea typeface="+mn-ea"/>
+                <a:cs typeface="+mn-cs"/>
+              </a:defRPr>
+            </a:lvl9pPr>
+          </a:lstStyle>
+          <a:p>
+            <a:pPr marL="0" indent="0">
+              <a:buNone/>
+            </a:pPr>
+            <a:r>
+              <a:rPr lang="en-US" dirty="0"/>
+              <a:t> Identified location and conditions that cause vector  field singularities</a:t>
+            </a:r>
+          </a:p>
+          <a:p>
+            <a:pPr marL="0" indent="0">
+              <a:buNone/>
+            </a:pPr>
+            <a:endParaRPr lang="en-US" dirty="0"/>
+          </a:p>
+          <a:p>
+            <a:pPr marL="0" indent="0">
+              <a:buNone/>
+            </a:pPr>
+            <a:endParaRPr lang="en-US" dirty="0"/>
+          </a:p>
+          <a:p>
+            <a:pPr marL="0" indent="0">
+              <a:buNone/>
+            </a:pPr>
+            <a:r>
+              <a:rPr lang="en-US" dirty="0"/>
+              <a:t>GVF weighted functions provide an improved performance over un-modified GVF guidance</a:t>
+            </a:r>
+          </a:p>
+          <a:p>
+            <a:endParaRPr lang="en-US" dirty="0"/>
+          </a:p>
+          <a:p>
+            <a:pPr marL="0" indent="0">
+              <a:buNone/>
+            </a:pPr>
+            <a:r>
+              <a:rPr lang="en-US" dirty="0"/>
+              <a:t>Simulation and experimental results are comparable and modified GVF operates in real time</a:t>
+            </a:r>
           </a:p>
         </p:txBody>
       </p:sp>
     </p:spTree>
     <p:extLst>
       <p:ext uri="{BB962C8B-B14F-4D97-AF65-F5344CB8AC3E}">
-        <p14:creationId xmlns:p14="http://schemas.microsoft.com/office/powerpoint/2010/main" val="1619134032"/>
+        <p14:creationId xmlns:p14="http://schemas.microsoft.com/office/powerpoint/2010/main" val="209725815"/>
       </p:ext>
     </p:extLst>
   </p:cSld>
@@ -3910,10 +5389,9 @@
           <a:lstStyle/>
           <a:p>
             <a:r>
-              <a:rPr lang="en-US" dirty="0" smtClean="0"/>
-              <a:t>Timeline</a:t>
-            </a:r>
-            <a:endParaRPr lang="en-US" dirty="0"/>
+              <a:rPr lang="en-US" dirty="0"/>
+              <a:t>Thanks</a:t>
+            </a:r>
           </a:p>
         </p:txBody>
       </p:sp>
@@ -3932,79 +5410,26 @@
           <a:bodyPr/>
           <a:lstStyle/>
           <a:p>
-            <a:endParaRPr lang="en-US"/>
-          </a:p>
-        </p:txBody>
-      </p:sp>
-    </p:spTree>
-    <p:extLst>
-      <p:ext uri="{BB962C8B-B14F-4D97-AF65-F5344CB8AC3E}">
-        <p14:creationId xmlns:p14="http://schemas.microsoft.com/office/powerpoint/2010/main" val="2800125103"/>
-      </p:ext>
-    </p:extLst>
-  </p:cSld>
-  <p:clrMapOvr>
-    <a:masterClrMapping/>
-  </p:clrMapOvr>
-</p:sld>
-</file>
-
-<file path=ppt/slides/slide14.xml><?xml version="1.0" encoding="utf-8"?>
-<p:sld xmlns:a="http://schemas.openxmlformats.org/drawingml/2006/main" xmlns:r="http://schemas.openxmlformats.org/officeDocument/2006/relationships" xmlns:p="http://schemas.openxmlformats.org/presentationml/2006/main">
-  <p:cSld>
-    <p:spTree>
-      <p:nvGrpSpPr>
-        <p:cNvPr id="1" name=""/>
-        <p:cNvGrpSpPr/>
-        <p:nvPr/>
-      </p:nvGrpSpPr>
-      <p:grpSpPr>
-        <a:xfrm>
-          <a:off x="0" y="0"/>
-          <a:ext cx="0" cy="0"/>
-          <a:chOff x="0" y="0"/>
-          <a:chExt cx="0" cy="0"/>
-        </a:xfrm>
-      </p:grpSpPr>
-      <p:sp>
-        <p:nvSpPr>
-          <p:cNvPr id="2" name="Title 1"/>
-          <p:cNvSpPr>
-            <a:spLocks noGrp="1"/>
-          </p:cNvSpPr>
-          <p:nvPr>
-            <p:ph type="title"/>
-          </p:nvPr>
-        </p:nvSpPr>
-        <p:spPr/>
-        <p:txBody>
-          <a:bodyPr/>
-          <a:lstStyle/>
-          <a:p>
-            <a:r>
-              <a:rPr lang="en-US" dirty="0" smtClean="0"/>
-              <a:t>Thanks</a:t>
-            </a:r>
+            <a:pPr algn="ctr"/>
             <a:endParaRPr lang="en-US" dirty="0"/>
           </a:p>
-        </p:txBody>
-      </p:sp>
-      <p:sp>
-        <p:nvSpPr>
-          <p:cNvPr id="3" name="Content Placeholder 2"/>
-          <p:cNvSpPr>
-            <a:spLocks noGrp="1"/>
-          </p:cNvSpPr>
-          <p:nvPr>
-            <p:ph idx="1"/>
-          </p:nvPr>
-        </p:nvSpPr>
-        <p:spPr/>
-        <p:txBody>
-          <a:bodyPr/>
-          <a:lstStyle/>
-          <a:p>
-            <a:endParaRPr lang="en-US"/>
+          <a:p>
+            <a:pPr algn="ctr"/>
+            <a:endParaRPr lang="en-US" dirty="0"/>
+          </a:p>
+          <a:p>
+            <a:pPr algn="ctr"/>
+            <a:endParaRPr lang="en-US" dirty="0"/>
+          </a:p>
+          <a:p>
+            <a:pPr marL="0" indent="0" algn="ctr">
+              <a:buNone/>
+            </a:pPr>
+            <a:r>
+              <a:rPr lang="en-US" sz="7200" dirty="0"/>
+              <a:t>Questions?</a:t>
+            </a:r>
+            <a:endParaRPr lang="en-US" dirty="0"/>
           </a:p>
         </p:txBody>
       </p:sp>
@@ -4054,10 +5479,9 @@
           <a:lstStyle/>
           <a:p>
             <a:r>
-              <a:rPr lang="en-US" dirty="0" smtClean="0"/>
+              <a:rPr lang="en-US" dirty="0"/>
               <a:t>Introduction</a:t>
             </a:r>
-            <a:endParaRPr lang="en-US" dirty="0"/>
           </a:p>
         </p:txBody>
       </p:sp>
@@ -4071,78 +5495,97 @@
             <p:ph idx="1"/>
           </p:nvPr>
         </p:nvSpPr>
-        <p:spPr/>
+        <p:spPr>
+          <a:xfrm>
+            <a:off x="838200" y="1690687"/>
+            <a:ext cx="10515600" cy="5108131"/>
+          </a:xfrm>
+        </p:spPr>
         <p:txBody>
           <a:bodyPr>
-            <a:normAutofit fontScale="92500" lnSpcReduction="10000"/>
+            <a:normAutofit/>
           </a:bodyPr>
           <a:lstStyle/>
           <a:p>
             <a:r>
-              <a:rPr lang="en-US" dirty="0" smtClean="0"/>
-              <a:t>Unmanned Aerial Vehicles (UAVs)</a:t>
+              <a:rPr lang="en-US" dirty="0"/>
+              <a:t>Fixed Wing Unmanned Aerial Vehicles (UAVs)</a:t>
             </a:r>
           </a:p>
           <a:p>
             <a:pPr lvl="1"/>
             <a:r>
-              <a:rPr lang="en-US" dirty="0" smtClean="0"/>
-              <a:t>Fixed wing</a:t>
+              <a:rPr lang="en-US" dirty="0"/>
+              <a:t>Remotely piloted</a:t>
             </a:r>
           </a:p>
           <a:p>
             <a:pPr lvl="1"/>
             <a:r>
-              <a:rPr lang="en-US" dirty="0" smtClean="0"/>
-              <a:t>Rotorcraft</a:t>
-            </a:r>
-          </a:p>
-          <a:p>
-            <a:r>
-              <a:rPr lang="en-US" dirty="0" smtClean="0"/>
-              <a:t>Unmanned Aerial System (UAS)</a:t>
+              <a:rPr lang="en-US" dirty="0"/>
+              <a:t>On-board flight controller</a:t>
+            </a:r>
+          </a:p>
+          <a:p>
+            <a:pPr lvl="2"/>
+            <a:r>
+              <a:rPr lang="en-US" dirty="0"/>
+              <a:t>Maintain stability</a:t>
+            </a:r>
+          </a:p>
+          <a:p>
+            <a:pPr lvl="2"/>
+            <a:r>
+              <a:rPr lang="en-US" dirty="0"/>
+              <a:t>Carry out mission objectives</a:t>
+            </a:r>
+          </a:p>
+          <a:p>
+            <a:r>
+              <a:rPr lang="en-US" dirty="0"/>
+              <a:t>Waypoint navigation</a:t>
             </a:r>
           </a:p>
           <a:p>
             <a:pPr lvl="1"/>
             <a:r>
-              <a:rPr lang="en-US" dirty="0" smtClean="0"/>
-              <a:t>Aircraft</a:t>
+              <a:rPr lang="en-US" dirty="0"/>
+              <a:t>Typically pre-planned at ground station</a:t>
             </a:r>
           </a:p>
           <a:p>
             <a:pPr lvl="1"/>
             <a:r>
-              <a:rPr lang="en-US" dirty="0" smtClean="0"/>
-              <a:t>Ground station</a:t>
+              <a:rPr lang="en-US" dirty="0"/>
+              <a:t>May consider known obstacles</a:t>
             </a:r>
           </a:p>
           <a:p>
             <a:pPr lvl="1"/>
             <a:r>
-              <a:rPr lang="en-US" dirty="0" smtClean="0"/>
-              <a:t>Transmitter</a:t>
-            </a:r>
-          </a:p>
-          <a:p>
-            <a:endParaRPr lang="en-US" dirty="0" smtClean="0"/>
+              <a:rPr lang="en-US" dirty="0"/>
+              <a:t>Dynamic obstacles may require waypoint re-planning</a:t>
+            </a:r>
+          </a:p>
+          <a:p>
+            <a:r>
+              <a:rPr lang="en-US" dirty="0"/>
+              <a:t>Path following</a:t>
+            </a:r>
           </a:p>
           <a:p>
             <a:pPr lvl="1"/>
-            <a:endParaRPr lang="en-US" dirty="0" smtClean="0"/>
-          </a:p>
-          <a:p>
-            <a:r>
-              <a:rPr lang="en-US" dirty="0" smtClean="0"/>
-              <a:t>Waypoint navigation</a:t>
-            </a:r>
-          </a:p>
-          <a:p>
-            <a:r>
-              <a:rPr lang="en-US" dirty="0" smtClean="0"/>
-              <a:t>Obstacle Avoidance</a:t>
-            </a:r>
-            <a:endParaRPr lang="en-US" dirty="0"/>
+            <a:r>
+              <a:rPr lang="en-US" dirty="0"/>
+              <a:t>Connects waypoints with flyable paths</a:t>
+            </a:r>
+          </a:p>
+          <a:p>
+            <a:pPr lvl="1"/>
+            <a:r>
+              <a:rPr lang="en-US" dirty="0"/>
+              <a:t>Least error and control effort achieved with vector field methods</a:t>
+            </a:r>
           </a:p>
         </p:txBody>
       </p:sp>
@@ -4167,8 +5610,8 @@
         </p:blipFill>
         <p:spPr>
           <a:xfrm>
-            <a:off x="8708064" y="116957"/>
-            <a:ext cx="3370521" cy="2716279"/>
+            <a:off x="8104560" y="1690686"/>
+            <a:ext cx="3654624" cy="2945236"/>
           </a:xfrm>
           <a:prstGeom prst="rect">
             <a:avLst/>
@@ -4221,66 +5664,92 @@
           <a:lstStyle/>
           <a:p>
             <a:r>
-              <a:rPr lang="en-US" dirty="0" smtClean="0"/>
+              <a:rPr lang="en-US" dirty="0"/>
               <a:t>Problem Statement and Objectives</a:t>
             </a:r>
+          </a:p>
+        </p:txBody>
+      </p:sp>
+      <p:sp>
+        <p:nvSpPr>
+          <p:cNvPr id="3" name="Content Placeholder 2"/>
+          <p:cNvSpPr>
+            <a:spLocks noGrp="1"/>
+          </p:cNvSpPr>
+          <p:nvPr>
+            <p:ph idx="1"/>
+          </p:nvPr>
+        </p:nvSpPr>
+        <p:spPr/>
+        <p:txBody>
+          <a:bodyPr>
+            <a:normAutofit fontScale="92500"/>
+          </a:bodyPr>
+          <a:lstStyle/>
+          <a:p>
+            <a:r>
+              <a:rPr lang="en-US" b="1" u="sng" dirty="0"/>
+              <a:t>Problem Statement: </a:t>
+            </a:r>
+            <a:r>
+              <a:rPr lang="en-US" dirty="0"/>
+              <a:t>Determine vector field weighting functions that enable optimal obstacle avoidance for fixed wing UAVs</a:t>
+            </a:r>
+          </a:p>
+          <a:p>
             <a:endParaRPr lang="en-US" dirty="0"/>
           </a:p>
-        </p:txBody>
-      </p:sp>
-      <p:sp>
-        <p:nvSpPr>
-          <p:cNvPr id="3" name="Content Placeholder 2"/>
-          <p:cNvSpPr>
-            <a:spLocks noGrp="1"/>
-          </p:cNvSpPr>
-          <p:nvPr>
-            <p:ph idx="1"/>
-          </p:nvPr>
-        </p:nvSpPr>
-        <p:spPr/>
-        <p:txBody>
-          <a:bodyPr/>
-          <a:lstStyle/>
-          <a:p>
-            <a:r>
-              <a:rPr lang="en-US" b="1" u="sng" dirty="0" smtClean="0"/>
-              <a:t>Problem Statement: </a:t>
-            </a:r>
-            <a:r>
-              <a:rPr lang="en-US" dirty="0" smtClean="0"/>
-              <a:t>Determine vector field weighting functions that enable optimal obstacle avoidance for fixed wing UAVs</a:t>
-            </a:r>
-          </a:p>
-          <a:p>
+          <a:p>
+            <a:r>
+              <a:rPr lang="en-US" dirty="0"/>
+              <a:t>Objectives</a:t>
+            </a:r>
+          </a:p>
+          <a:p>
+            <a:pPr lvl="1"/>
+            <a:r>
+              <a:rPr lang="en-US" dirty="0"/>
+              <a:t>Phase 1:  </a:t>
+            </a:r>
+            <a:r>
+              <a:rPr lang="en-US" dirty="0">
+                <a:solidFill>
+                  <a:prstClr val="black"/>
+                </a:solidFill>
+              </a:rPr>
+              <a:t>Identify specific set of conditions that yields guidance singularity when 			summing attractive and repulsive GVFs</a:t>
+            </a:r>
+          </a:p>
+          <a:p>
+            <a:pPr marL="457200" lvl="1" indent="0">
+              <a:buNone/>
+            </a:pPr>
             <a:endParaRPr lang="en-US" dirty="0"/>
           </a:p>
           <a:p>
-            <a:r>
-              <a:rPr lang="en-US" dirty="0" smtClean="0"/>
-              <a:t>Objectives</a:t>
-            </a:r>
-          </a:p>
-          <a:p>
             <a:pPr lvl="1"/>
             <a:r>
-              <a:rPr lang="en-US" dirty="0" smtClean="0"/>
-              <a:t>Phase 1</a:t>
-            </a:r>
+              <a:rPr lang="en-US" dirty="0"/>
+              <a:t>Phase 2:  Determine GVF weighting functions that improve obstacle avoidance</a:t>
+            </a:r>
+          </a:p>
+          <a:p>
+            <a:pPr marL="457200" lvl="1" indent="0">
+              <a:buNone/>
+            </a:pPr>
+            <a:endParaRPr lang="en-US" dirty="0"/>
           </a:p>
           <a:p>
             <a:pPr lvl="1"/>
             <a:r>
-              <a:rPr lang="en-US" dirty="0" smtClean="0"/>
-              <a:t>Phase 2</a:t>
-            </a:r>
-          </a:p>
-          <a:p>
-            <a:pPr lvl="1"/>
-            <a:r>
-              <a:rPr lang="en-US" dirty="0" smtClean="0"/>
-              <a:t>Phase 3</a:t>
-            </a:r>
+              <a:rPr lang="en-US" dirty="0"/>
+              <a:t>Phase 3: Demonstrate GVF obstacle avoidance with ground robot experiments</a:t>
+            </a:r>
+          </a:p>
+          <a:p>
+            <a:pPr marL="457200" lvl="1" indent="0">
+              <a:buNone/>
+            </a:pPr>
             <a:endParaRPr lang="en-US" dirty="0"/>
           </a:p>
         </p:txBody>
@@ -4315,41 +5784,22 @@
           <a:chExt cx="0" cy="0"/>
         </a:xfrm>
       </p:grpSpPr>
-      <p:sp>
-        <p:nvSpPr>
-          <p:cNvPr id="2" name="Title 1"/>
-          <p:cNvSpPr>
-            <a:spLocks noGrp="1"/>
-          </p:cNvSpPr>
-          <p:nvPr>
-            <p:ph type="title"/>
-          </p:nvPr>
-        </p:nvSpPr>
-        <p:spPr/>
-        <p:txBody>
-          <a:bodyPr/>
-          <a:lstStyle/>
-          <a:p>
-            <a:r>
-              <a:rPr lang="en-US" dirty="0" smtClean="0"/>
-              <a:t>Literature Review</a:t>
-            </a:r>
-            <a:endParaRPr lang="en-US" dirty="0"/>
-          </a:p>
-        </p:txBody>
-      </p:sp>
       <p:pic>
         <p:nvPicPr>
-          <p:cNvPr id="11" name="Content Placeholder 10"/>
+          <p:cNvPr id="8" name="Picture 7">
+            <a:extLst>
+              <a:ext uri="{FF2B5EF4-FFF2-40B4-BE49-F238E27FC236}">
+                <a16:creationId xmlns:a16="http://schemas.microsoft.com/office/drawing/2014/main" id="{9449D00B-F586-4C58-9615-3F3A01FB33D3}"/>
+              </a:ext>
+            </a:extLst>
+          </p:cNvPr>
           <p:cNvPicPr>
-            <a:picLocks noGrp="1" noChangeAspect="1"/>
+            <a:picLocks noChangeAspect="1"/>
           </p:cNvPicPr>
-          <p:nvPr>
-            <p:ph idx="1"/>
-          </p:nvPr>
+          <p:nvPr/>
         </p:nvPicPr>
         <p:blipFill>
-          <a:blip r:embed="rId2">
+          <a:blip r:embed="rId3" cstate="print">
             <a:extLst>
               <a:ext uri="{28A0092B-C50C-407E-A947-70E740481C1C}">
                 <a14:useLocalDpi xmlns:a14="http://schemas.microsoft.com/office/drawing/2010/main" val="0"/>
@@ -4362,29 +5812,386 @@
         </p:blipFill>
         <p:spPr>
           <a:xfrm>
-            <a:off x="5899298" y="365125"/>
-            <a:ext cx="6083692" cy="1591859"/>
+            <a:off x="5213266" y="58312"/>
+            <a:ext cx="3460403" cy="2306935"/>
+          </a:xfrm>
+          <a:prstGeom prst="rect">
+            <a:avLst/>
+          </a:prstGeom>
+        </p:spPr>
+      </p:pic>
+      <p:sp>
+        <p:nvSpPr>
+          <p:cNvPr id="2" name="Title 1"/>
+          <p:cNvSpPr>
+            <a:spLocks noGrp="1"/>
+          </p:cNvSpPr>
+          <p:nvPr>
+            <p:ph type="title"/>
+          </p:nvPr>
+        </p:nvSpPr>
+        <p:spPr/>
+        <p:txBody>
+          <a:bodyPr/>
+          <a:lstStyle/>
+          <a:p>
+            <a:r>
+              <a:rPr lang="en-US" dirty="0"/>
+              <a:t>Literature Review</a:t>
+            </a:r>
+          </a:p>
+        </p:txBody>
+      </p:sp>
+      <p:pic>
+        <p:nvPicPr>
+          <p:cNvPr id="11" name="Content Placeholder 10"/>
+          <p:cNvPicPr>
+            <a:picLocks noGrp="1" noChangeAspect="1"/>
+          </p:cNvPicPr>
+          <p:nvPr>
+            <p:ph idx="1"/>
+          </p:nvPr>
+        </p:nvPicPr>
+        <p:blipFill>
+          <a:blip r:embed="rId4">
+            <a:extLst>
+              <a:ext uri="{28A0092B-C50C-407E-A947-70E740481C1C}">
+                <a14:useLocalDpi xmlns:a14="http://schemas.microsoft.com/office/drawing/2010/main" val="0"/>
+              </a:ext>
+            </a:extLst>
+          </a:blip>
+          <a:stretch>
+            <a:fillRect/>
+          </a:stretch>
+        </p:blipFill>
+        <p:spPr>
+          <a:xfrm>
+            <a:off x="5753620" y="5173333"/>
+            <a:ext cx="6438380" cy="1684667"/>
           </a:xfrm>
         </p:spPr>
       </p:pic>
+      <p:sp>
+        <p:nvSpPr>
+          <p:cNvPr id="6" name="Content Placeholder 2">
+            <a:extLst>
+              <a:ext uri="{FF2B5EF4-FFF2-40B4-BE49-F238E27FC236}">
+                <a16:creationId xmlns:a16="http://schemas.microsoft.com/office/drawing/2014/main" id="{E62FACE6-FA45-4862-8B65-6B713CC13617}"/>
+              </a:ext>
+            </a:extLst>
+          </p:cNvPr>
+          <p:cNvSpPr txBox="1">
+            <a:spLocks/>
+          </p:cNvSpPr>
+          <p:nvPr/>
+        </p:nvSpPr>
+        <p:spPr>
+          <a:xfrm>
+            <a:off x="838200" y="1825625"/>
+            <a:ext cx="5539740" cy="4351338"/>
+          </a:xfrm>
+          <a:prstGeom prst="rect">
+            <a:avLst/>
+          </a:prstGeom>
+        </p:spPr>
+        <p:txBody>
+          <a:bodyPr vert="horz" lIns="91440" tIns="45720" rIns="91440" bIns="45720" rtlCol="0">
+            <a:normAutofit lnSpcReduction="10000"/>
+          </a:bodyPr>
+          <a:lstStyle>
+            <a:lvl1pPr marL="228600" indent="-228600" algn="l" defTabSz="914400" rtl="0" eaLnBrk="1" latinLnBrk="0" hangingPunct="1">
+              <a:lnSpc>
+                <a:spcPct val="90000"/>
+              </a:lnSpc>
+              <a:spcBef>
+                <a:spcPts val="1000"/>
+              </a:spcBef>
+              <a:buFont typeface="Arial" panose="020B0604020202020204" pitchFamily="34" charset="0"/>
+              <a:buChar char="•"/>
+              <a:defRPr sz="2800" kern="1200">
+                <a:solidFill>
+                  <a:schemeClr val="tx1"/>
+                </a:solidFill>
+                <a:latin typeface="+mn-lt"/>
+                <a:ea typeface="+mn-ea"/>
+                <a:cs typeface="+mn-cs"/>
+              </a:defRPr>
+            </a:lvl1pPr>
+            <a:lvl2pPr marL="685800" indent="-228600" algn="l" defTabSz="914400" rtl="0" eaLnBrk="1" latinLnBrk="0" hangingPunct="1">
+              <a:lnSpc>
+                <a:spcPct val="90000"/>
+              </a:lnSpc>
+              <a:spcBef>
+                <a:spcPts val="500"/>
+              </a:spcBef>
+              <a:buFont typeface="Arial" panose="020B0604020202020204" pitchFamily="34" charset="0"/>
+              <a:buChar char="•"/>
+              <a:defRPr sz="2400" kern="1200">
+                <a:solidFill>
+                  <a:schemeClr val="tx1"/>
+                </a:solidFill>
+                <a:latin typeface="+mn-lt"/>
+                <a:ea typeface="+mn-ea"/>
+                <a:cs typeface="+mn-cs"/>
+              </a:defRPr>
+            </a:lvl2pPr>
+            <a:lvl3pPr marL="1143000" indent="-228600" algn="l" defTabSz="914400" rtl="0" eaLnBrk="1" latinLnBrk="0" hangingPunct="1">
+              <a:lnSpc>
+                <a:spcPct val="90000"/>
+              </a:lnSpc>
+              <a:spcBef>
+                <a:spcPts val="500"/>
+              </a:spcBef>
+              <a:buFont typeface="Arial" panose="020B0604020202020204" pitchFamily="34" charset="0"/>
+              <a:buChar char="•"/>
+              <a:defRPr sz="2000" kern="1200">
+                <a:solidFill>
+                  <a:schemeClr val="tx1"/>
+                </a:solidFill>
+                <a:latin typeface="+mn-lt"/>
+                <a:ea typeface="+mn-ea"/>
+                <a:cs typeface="+mn-cs"/>
+              </a:defRPr>
+            </a:lvl3pPr>
+            <a:lvl4pPr marL="1600200" indent="-228600" algn="l" defTabSz="914400" rtl="0" eaLnBrk="1" latinLnBrk="0" hangingPunct="1">
+              <a:lnSpc>
+                <a:spcPct val="90000"/>
+              </a:lnSpc>
+              <a:spcBef>
+                <a:spcPts val="500"/>
+              </a:spcBef>
+              <a:buFont typeface="Arial" panose="020B0604020202020204" pitchFamily="34" charset="0"/>
+              <a:buChar char="•"/>
+              <a:defRPr sz="1800" kern="1200">
+                <a:solidFill>
+                  <a:schemeClr val="tx1"/>
+                </a:solidFill>
+                <a:latin typeface="+mn-lt"/>
+                <a:ea typeface="+mn-ea"/>
+                <a:cs typeface="+mn-cs"/>
+              </a:defRPr>
+            </a:lvl4pPr>
+            <a:lvl5pPr marL="2057400" indent="-228600" algn="l" defTabSz="914400" rtl="0" eaLnBrk="1" latinLnBrk="0" hangingPunct="1">
+              <a:lnSpc>
+                <a:spcPct val="90000"/>
+              </a:lnSpc>
+              <a:spcBef>
+                <a:spcPts val="500"/>
+              </a:spcBef>
+              <a:buFont typeface="Arial" panose="020B0604020202020204" pitchFamily="34" charset="0"/>
+              <a:buChar char="•"/>
+              <a:defRPr sz="1800" kern="1200">
+                <a:solidFill>
+                  <a:schemeClr val="tx1"/>
+                </a:solidFill>
+                <a:latin typeface="+mn-lt"/>
+                <a:ea typeface="+mn-ea"/>
+                <a:cs typeface="+mn-cs"/>
+              </a:defRPr>
+            </a:lvl5pPr>
+            <a:lvl6pPr marL="2514600" indent="-228600" algn="l" defTabSz="914400" rtl="0" eaLnBrk="1" latinLnBrk="0" hangingPunct="1">
+              <a:lnSpc>
+                <a:spcPct val="90000"/>
+              </a:lnSpc>
+              <a:spcBef>
+                <a:spcPts val="500"/>
+              </a:spcBef>
+              <a:buFont typeface="Arial" panose="020B0604020202020204" pitchFamily="34" charset="0"/>
+              <a:buChar char="•"/>
+              <a:defRPr sz="1800" kern="1200">
+                <a:solidFill>
+                  <a:schemeClr val="tx1"/>
+                </a:solidFill>
+                <a:latin typeface="+mn-lt"/>
+                <a:ea typeface="+mn-ea"/>
+                <a:cs typeface="+mn-cs"/>
+              </a:defRPr>
+            </a:lvl6pPr>
+            <a:lvl7pPr marL="2971800" indent="-228600" algn="l" defTabSz="914400" rtl="0" eaLnBrk="1" latinLnBrk="0" hangingPunct="1">
+              <a:lnSpc>
+                <a:spcPct val="90000"/>
+              </a:lnSpc>
+              <a:spcBef>
+                <a:spcPts val="500"/>
+              </a:spcBef>
+              <a:buFont typeface="Arial" panose="020B0604020202020204" pitchFamily="34" charset="0"/>
+              <a:buChar char="•"/>
+              <a:defRPr sz="1800" kern="1200">
+                <a:solidFill>
+                  <a:schemeClr val="tx1"/>
+                </a:solidFill>
+                <a:latin typeface="+mn-lt"/>
+                <a:ea typeface="+mn-ea"/>
+                <a:cs typeface="+mn-cs"/>
+              </a:defRPr>
+            </a:lvl7pPr>
+            <a:lvl8pPr marL="3429000" indent="-228600" algn="l" defTabSz="914400" rtl="0" eaLnBrk="1" latinLnBrk="0" hangingPunct="1">
+              <a:lnSpc>
+                <a:spcPct val="90000"/>
+              </a:lnSpc>
+              <a:spcBef>
+                <a:spcPts val="500"/>
+              </a:spcBef>
+              <a:buFont typeface="Arial" panose="020B0604020202020204" pitchFamily="34" charset="0"/>
+              <a:buChar char="•"/>
+              <a:defRPr sz="1800" kern="1200">
+                <a:solidFill>
+                  <a:schemeClr val="tx1"/>
+                </a:solidFill>
+                <a:latin typeface="+mn-lt"/>
+                <a:ea typeface="+mn-ea"/>
+                <a:cs typeface="+mn-cs"/>
+              </a:defRPr>
+            </a:lvl8pPr>
+            <a:lvl9pPr marL="3886200" indent="-228600" algn="l" defTabSz="914400" rtl="0" eaLnBrk="1" latinLnBrk="0" hangingPunct="1">
+              <a:lnSpc>
+                <a:spcPct val="90000"/>
+              </a:lnSpc>
+              <a:spcBef>
+                <a:spcPts val="500"/>
+              </a:spcBef>
+              <a:buFont typeface="Arial" panose="020B0604020202020204" pitchFamily="34" charset="0"/>
+              <a:buChar char="•"/>
+              <a:defRPr sz="1800" kern="1200">
+                <a:solidFill>
+                  <a:schemeClr val="tx1"/>
+                </a:solidFill>
+                <a:latin typeface="+mn-lt"/>
+                <a:ea typeface="+mn-ea"/>
+                <a:cs typeface="+mn-cs"/>
+              </a:defRPr>
+            </a:lvl9pPr>
+          </a:lstStyle>
+          <a:p>
+            <a:pPr marL="0" indent="0">
+              <a:buNone/>
+            </a:pPr>
+            <a:r>
+              <a:rPr lang="en-US" dirty="0"/>
+              <a:t>Unmanned Aerial System (UAS)</a:t>
+            </a:r>
+          </a:p>
+          <a:p>
+            <a:r>
+              <a:rPr lang="en-US" dirty="0"/>
+              <a:t>Aircraft</a:t>
+            </a:r>
+          </a:p>
+          <a:p>
+            <a:pPr lvl="1"/>
+            <a:r>
+              <a:rPr lang="en-US" dirty="0"/>
+              <a:t>Fixed wing</a:t>
+            </a:r>
+          </a:p>
+          <a:p>
+            <a:pPr lvl="1"/>
+            <a:r>
+              <a:rPr lang="en-US" dirty="0"/>
+              <a:t>Rotorcraft</a:t>
+            </a:r>
+          </a:p>
+          <a:p>
+            <a:r>
+              <a:rPr lang="en-US" dirty="0"/>
+              <a:t>Transmitter</a:t>
+            </a:r>
+          </a:p>
+          <a:p>
+            <a:r>
+              <a:rPr lang="en-US" dirty="0"/>
+              <a:t>Ground Station</a:t>
+            </a:r>
+          </a:p>
+          <a:p>
+            <a:r>
+              <a:rPr lang="en-US" dirty="0"/>
+              <a:t>Autopilot</a:t>
+            </a:r>
+          </a:p>
+          <a:p>
+            <a:pPr lvl="1"/>
+            <a:r>
+              <a:rPr lang="en-US" dirty="0"/>
+              <a:t>Navigation</a:t>
+            </a:r>
+          </a:p>
+          <a:p>
+            <a:pPr lvl="1"/>
+            <a:r>
+              <a:rPr lang="en-US" dirty="0"/>
+              <a:t>Guidance</a:t>
+            </a:r>
+          </a:p>
+          <a:p>
+            <a:pPr lvl="1"/>
+            <a:r>
+              <a:rPr lang="en-US" dirty="0"/>
+              <a:t>Control</a:t>
+            </a:r>
+          </a:p>
+        </p:txBody>
+      </p:sp>
       <p:pic>
         <p:nvPicPr>
-          <p:cNvPr id="12" name="Picture 11"/>
+          <p:cNvPr id="5" name="Picture 4">
+            <a:extLst>
+              <a:ext uri="{FF2B5EF4-FFF2-40B4-BE49-F238E27FC236}">
+                <a16:creationId xmlns:a16="http://schemas.microsoft.com/office/drawing/2014/main" id="{60E570AC-DE06-42E3-813D-24813A42A61B}"/>
+              </a:ext>
+            </a:extLst>
+          </p:cNvPr>
           <p:cNvPicPr>
             <a:picLocks noChangeAspect="1"/>
           </p:cNvPicPr>
           <p:nvPr/>
         </p:nvPicPr>
         <p:blipFill>
-          <a:blip r:embed="rId3"/>
+          <a:blip r:embed="rId5"/>
           <a:stretch>
             <a:fillRect/>
           </a:stretch>
         </p:blipFill>
         <p:spPr>
           <a:xfrm>
-            <a:off x="7972965" y="3615663"/>
-            <a:ext cx="4010025" cy="3162300"/>
+            <a:off x="6576455" y="2720429"/>
+            <a:ext cx="5226528" cy="2097722"/>
+          </a:xfrm>
+          <a:prstGeom prst="rect">
+            <a:avLst/>
+          </a:prstGeom>
+        </p:spPr>
+      </p:pic>
+      <p:pic>
+        <p:nvPicPr>
+          <p:cNvPr id="10" name="Picture 9">
+            <a:extLst>
+              <a:ext uri="{FF2B5EF4-FFF2-40B4-BE49-F238E27FC236}">
+                <a16:creationId xmlns:a16="http://schemas.microsoft.com/office/drawing/2014/main" id="{22B1A47E-F441-48BD-AFCB-402C1D5A066B}"/>
+              </a:ext>
+            </a:extLst>
+          </p:cNvPr>
+          <p:cNvPicPr>
+            <a:picLocks noChangeAspect="1"/>
+          </p:cNvPicPr>
+          <p:nvPr/>
+        </p:nvPicPr>
+        <p:blipFill>
+          <a:blip r:embed="rId6">
+            <a:extLst>
+              <a:ext uri="{28A0092B-C50C-407E-A947-70E740481C1C}">
+                <a14:useLocalDpi xmlns:a14="http://schemas.microsoft.com/office/drawing/2010/main" val="0"/>
+              </a:ext>
+            </a:extLst>
+          </a:blip>
+          <a:stretch>
+            <a:fillRect/>
+          </a:stretch>
+        </p:blipFill>
+        <p:spPr>
+          <a:xfrm>
+            <a:off x="8740536" y="58312"/>
+            <a:ext cx="3260963" cy="2191366"/>
           </a:xfrm>
           <a:prstGeom prst="rect">
             <a:avLst/>
@@ -4394,7 +6201,7 @@
     </p:spTree>
     <p:extLst>
       <p:ext uri="{BB962C8B-B14F-4D97-AF65-F5344CB8AC3E}">
-        <p14:creationId xmlns:p14="http://schemas.microsoft.com/office/powerpoint/2010/main" val="1938094897"/>
+        <p14:creationId xmlns:p14="http://schemas.microsoft.com/office/powerpoint/2010/main" val="2519984496"/>
       </p:ext>
     </p:extLst>
   </p:cSld>
@@ -4437,23 +6244,318 @@
           <a:lstStyle/>
           <a:p>
             <a:r>
-              <a:rPr lang="en-US" dirty="0" smtClean="0"/>
+              <a:rPr lang="en-US" dirty="0"/>
               <a:t>Literature Review</a:t>
             </a:r>
-            <a:endParaRPr lang="en-US" dirty="0"/>
           </a:p>
         </p:txBody>
       </p:sp>
       <p:pic>
         <p:nvPicPr>
-          <p:cNvPr id="5" name="Picture 4"/>
+          <p:cNvPr id="12" name="Picture 11"/>
           <p:cNvPicPr>
             <a:picLocks noChangeAspect="1"/>
           </p:cNvPicPr>
           <p:nvPr/>
         </p:nvPicPr>
         <p:blipFill>
-          <a:blip r:embed="rId2">
+          <a:blip r:embed="rId3"/>
+          <a:stretch>
+            <a:fillRect/>
+          </a:stretch>
+        </p:blipFill>
+        <p:spPr>
+          <a:xfrm>
+            <a:off x="9199905" y="0"/>
+            <a:ext cx="2879217" cy="2270546"/>
+          </a:xfrm>
+          <a:prstGeom prst="rect">
+            <a:avLst/>
+          </a:prstGeom>
+        </p:spPr>
+      </p:pic>
+      <p:sp>
+        <p:nvSpPr>
+          <p:cNvPr id="6" name="Content Placeholder 2">
+            <a:extLst>
+              <a:ext uri="{FF2B5EF4-FFF2-40B4-BE49-F238E27FC236}">
+                <a16:creationId xmlns:a16="http://schemas.microsoft.com/office/drawing/2014/main" id="{E62FACE6-FA45-4862-8B65-6B713CC13617}"/>
+              </a:ext>
+            </a:extLst>
+          </p:cNvPr>
+          <p:cNvSpPr txBox="1">
+            <a:spLocks/>
+          </p:cNvSpPr>
+          <p:nvPr/>
+        </p:nvSpPr>
+        <p:spPr>
+          <a:xfrm>
+            <a:off x="838199" y="1825625"/>
+            <a:ext cx="6705885" cy="4351338"/>
+          </a:xfrm>
+          <a:prstGeom prst="rect">
+            <a:avLst/>
+          </a:prstGeom>
+        </p:spPr>
+        <p:txBody>
+          <a:bodyPr vert="horz" lIns="91440" tIns="45720" rIns="91440" bIns="45720" rtlCol="0">
+            <a:normAutofit lnSpcReduction="10000"/>
+          </a:bodyPr>
+          <a:lstStyle>
+            <a:lvl1pPr marL="228600" indent="-228600" algn="l" defTabSz="914400" rtl="0" eaLnBrk="1" latinLnBrk="0" hangingPunct="1">
+              <a:lnSpc>
+                <a:spcPct val="90000"/>
+              </a:lnSpc>
+              <a:spcBef>
+                <a:spcPts val="1000"/>
+              </a:spcBef>
+              <a:buFont typeface="Arial" panose="020B0604020202020204" pitchFamily="34" charset="0"/>
+              <a:buChar char="•"/>
+              <a:defRPr sz="2800" kern="1200">
+                <a:solidFill>
+                  <a:schemeClr val="tx1"/>
+                </a:solidFill>
+                <a:latin typeface="+mn-lt"/>
+                <a:ea typeface="+mn-ea"/>
+                <a:cs typeface="+mn-cs"/>
+              </a:defRPr>
+            </a:lvl1pPr>
+            <a:lvl2pPr marL="685800" indent="-228600" algn="l" defTabSz="914400" rtl="0" eaLnBrk="1" latinLnBrk="0" hangingPunct="1">
+              <a:lnSpc>
+                <a:spcPct val="90000"/>
+              </a:lnSpc>
+              <a:spcBef>
+                <a:spcPts val="500"/>
+              </a:spcBef>
+              <a:buFont typeface="Arial" panose="020B0604020202020204" pitchFamily="34" charset="0"/>
+              <a:buChar char="•"/>
+              <a:defRPr sz="2400" kern="1200">
+                <a:solidFill>
+                  <a:schemeClr val="tx1"/>
+                </a:solidFill>
+                <a:latin typeface="+mn-lt"/>
+                <a:ea typeface="+mn-ea"/>
+                <a:cs typeface="+mn-cs"/>
+              </a:defRPr>
+            </a:lvl2pPr>
+            <a:lvl3pPr marL="1143000" indent="-228600" algn="l" defTabSz="914400" rtl="0" eaLnBrk="1" latinLnBrk="0" hangingPunct="1">
+              <a:lnSpc>
+                <a:spcPct val="90000"/>
+              </a:lnSpc>
+              <a:spcBef>
+                <a:spcPts val="500"/>
+              </a:spcBef>
+              <a:buFont typeface="Arial" panose="020B0604020202020204" pitchFamily="34" charset="0"/>
+              <a:buChar char="•"/>
+              <a:defRPr sz="2000" kern="1200">
+                <a:solidFill>
+                  <a:schemeClr val="tx1"/>
+                </a:solidFill>
+                <a:latin typeface="+mn-lt"/>
+                <a:ea typeface="+mn-ea"/>
+                <a:cs typeface="+mn-cs"/>
+              </a:defRPr>
+            </a:lvl3pPr>
+            <a:lvl4pPr marL="1600200" indent="-228600" algn="l" defTabSz="914400" rtl="0" eaLnBrk="1" latinLnBrk="0" hangingPunct="1">
+              <a:lnSpc>
+                <a:spcPct val="90000"/>
+              </a:lnSpc>
+              <a:spcBef>
+                <a:spcPts val="500"/>
+              </a:spcBef>
+              <a:buFont typeface="Arial" panose="020B0604020202020204" pitchFamily="34" charset="0"/>
+              <a:buChar char="•"/>
+              <a:defRPr sz="1800" kern="1200">
+                <a:solidFill>
+                  <a:schemeClr val="tx1"/>
+                </a:solidFill>
+                <a:latin typeface="+mn-lt"/>
+                <a:ea typeface="+mn-ea"/>
+                <a:cs typeface="+mn-cs"/>
+              </a:defRPr>
+            </a:lvl4pPr>
+            <a:lvl5pPr marL="2057400" indent="-228600" algn="l" defTabSz="914400" rtl="0" eaLnBrk="1" latinLnBrk="0" hangingPunct="1">
+              <a:lnSpc>
+                <a:spcPct val="90000"/>
+              </a:lnSpc>
+              <a:spcBef>
+                <a:spcPts val="500"/>
+              </a:spcBef>
+              <a:buFont typeface="Arial" panose="020B0604020202020204" pitchFamily="34" charset="0"/>
+              <a:buChar char="•"/>
+              <a:defRPr sz="1800" kern="1200">
+                <a:solidFill>
+                  <a:schemeClr val="tx1"/>
+                </a:solidFill>
+                <a:latin typeface="+mn-lt"/>
+                <a:ea typeface="+mn-ea"/>
+                <a:cs typeface="+mn-cs"/>
+              </a:defRPr>
+            </a:lvl5pPr>
+            <a:lvl6pPr marL="2514600" indent="-228600" algn="l" defTabSz="914400" rtl="0" eaLnBrk="1" latinLnBrk="0" hangingPunct="1">
+              <a:lnSpc>
+                <a:spcPct val="90000"/>
+              </a:lnSpc>
+              <a:spcBef>
+                <a:spcPts val="500"/>
+              </a:spcBef>
+              <a:buFont typeface="Arial" panose="020B0604020202020204" pitchFamily="34" charset="0"/>
+              <a:buChar char="•"/>
+              <a:defRPr sz="1800" kern="1200">
+                <a:solidFill>
+                  <a:schemeClr val="tx1"/>
+                </a:solidFill>
+                <a:latin typeface="+mn-lt"/>
+                <a:ea typeface="+mn-ea"/>
+                <a:cs typeface="+mn-cs"/>
+              </a:defRPr>
+            </a:lvl6pPr>
+            <a:lvl7pPr marL="2971800" indent="-228600" algn="l" defTabSz="914400" rtl="0" eaLnBrk="1" latinLnBrk="0" hangingPunct="1">
+              <a:lnSpc>
+                <a:spcPct val="90000"/>
+              </a:lnSpc>
+              <a:spcBef>
+                <a:spcPts val="500"/>
+              </a:spcBef>
+              <a:buFont typeface="Arial" panose="020B0604020202020204" pitchFamily="34" charset="0"/>
+              <a:buChar char="•"/>
+              <a:defRPr sz="1800" kern="1200">
+                <a:solidFill>
+                  <a:schemeClr val="tx1"/>
+                </a:solidFill>
+                <a:latin typeface="+mn-lt"/>
+                <a:ea typeface="+mn-ea"/>
+                <a:cs typeface="+mn-cs"/>
+              </a:defRPr>
+            </a:lvl7pPr>
+            <a:lvl8pPr marL="3429000" indent="-228600" algn="l" defTabSz="914400" rtl="0" eaLnBrk="1" latinLnBrk="0" hangingPunct="1">
+              <a:lnSpc>
+                <a:spcPct val="90000"/>
+              </a:lnSpc>
+              <a:spcBef>
+                <a:spcPts val="500"/>
+              </a:spcBef>
+              <a:buFont typeface="Arial" panose="020B0604020202020204" pitchFamily="34" charset="0"/>
+              <a:buChar char="•"/>
+              <a:defRPr sz="1800" kern="1200">
+                <a:solidFill>
+                  <a:schemeClr val="tx1"/>
+                </a:solidFill>
+                <a:latin typeface="+mn-lt"/>
+                <a:ea typeface="+mn-ea"/>
+                <a:cs typeface="+mn-cs"/>
+              </a:defRPr>
+            </a:lvl8pPr>
+            <a:lvl9pPr marL="3886200" indent="-228600" algn="l" defTabSz="914400" rtl="0" eaLnBrk="1" latinLnBrk="0" hangingPunct="1">
+              <a:lnSpc>
+                <a:spcPct val="90000"/>
+              </a:lnSpc>
+              <a:spcBef>
+                <a:spcPts val="500"/>
+              </a:spcBef>
+              <a:buFont typeface="Arial" panose="020B0604020202020204" pitchFamily="34" charset="0"/>
+              <a:buChar char="•"/>
+              <a:defRPr sz="1800" kern="1200">
+                <a:solidFill>
+                  <a:schemeClr val="tx1"/>
+                </a:solidFill>
+                <a:latin typeface="+mn-lt"/>
+                <a:ea typeface="+mn-ea"/>
+                <a:cs typeface="+mn-cs"/>
+              </a:defRPr>
+            </a:lvl9pPr>
+          </a:lstStyle>
+          <a:p>
+            <a:pPr marL="0" indent="0">
+              <a:buNone/>
+            </a:pPr>
+            <a:r>
+              <a:rPr lang="en-US" dirty="0"/>
+              <a:t>Guidance Methods</a:t>
+            </a:r>
+          </a:p>
+          <a:p>
+            <a:r>
+              <a:rPr lang="en-US" dirty="0"/>
+              <a:t>[Sujit, 2014]</a:t>
+            </a:r>
+          </a:p>
+          <a:p>
+            <a:pPr lvl="1"/>
+            <a:r>
+              <a:rPr lang="en-US" dirty="0"/>
+              <a:t>Guidance provides heading reference commands</a:t>
+            </a:r>
+          </a:p>
+          <a:p>
+            <a:pPr lvl="1"/>
+            <a:r>
+              <a:rPr lang="en-US" dirty="0"/>
+              <a:t>Waypoints, path following</a:t>
+            </a:r>
+          </a:p>
+          <a:p>
+            <a:pPr lvl="1"/>
+            <a:r>
+              <a:rPr lang="en-US" dirty="0"/>
+              <a:t>Accurate and robust to disturbances</a:t>
+            </a:r>
+          </a:p>
+          <a:p>
+            <a:pPr lvl="1"/>
+            <a:r>
+              <a:rPr lang="en-US" dirty="0"/>
+              <a:t>Vector field provided best performance</a:t>
+            </a:r>
+          </a:p>
+          <a:p>
+            <a:r>
+              <a:rPr lang="en-US" dirty="0"/>
+              <a:t>[Nelson et al., 2005]</a:t>
+            </a:r>
+          </a:p>
+          <a:p>
+            <a:pPr lvl="1"/>
+            <a:r>
+              <a:rPr lang="en-US" dirty="0"/>
+              <a:t>Lyapunov vector field primitives</a:t>
+            </a:r>
+          </a:p>
+          <a:p>
+            <a:pPr lvl="1"/>
+            <a:r>
+              <a:rPr lang="en-US" dirty="0"/>
+              <a:t>Asymptotically approach curve</a:t>
+            </a:r>
+          </a:p>
+          <a:p>
+            <a:pPr lvl="1"/>
+            <a:r>
+              <a:rPr lang="en-US" dirty="0"/>
+              <a:t>Stitch paths together for complex behavior</a:t>
+            </a:r>
+          </a:p>
+          <a:p>
+            <a:endParaRPr lang="en-US" dirty="0"/>
+          </a:p>
+        </p:txBody>
+      </p:sp>
+      <p:pic>
+        <p:nvPicPr>
+          <p:cNvPr id="15" name="Picture 14">
+            <a:extLst>
+              <a:ext uri="{FF2B5EF4-FFF2-40B4-BE49-F238E27FC236}">
+                <a16:creationId xmlns:a16="http://schemas.microsoft.com/office/drawing/2014/main" id="{CBB7C825-4687-42EC-8736-C59D8B1D5433}"/>
+              </a:ext>
+            </a:extLst>
+          </p:cNvPr>
+          <p:cNvPicPr>
+            <a:picLocks noChangeAspect="1"/>
+          </p:cNvPicPr>
+          <p:nvPr/>
+        </p:nvPicPr>
+        <p:blipFill>
+          <a:blip r:embed="rId4" cstate="print">
             <a:extLst>
               <a:ext uri="{28A0092B-C50C-407E-A947-70E740481C1C}">
                 <a14:useLocalDpi xmlns:a14="http://schemas.microsoft.com/office/drawing/2010/main" val="0"/>
@@ -4466,42 +6568,54 @@
         </p:blipFill>
         <p:spPr>
           <a:xfrm>
-            <a:off x="6321836" y="223395"/>
-            <a:ext cx="5630745" cy="2552799"/>
+            <a:off x="7544084" y="2493145"/>
+            <a:ext cx="4647916" cy="2107216"/>
           </a:xfrm>
           <a:prstGeom prst="rect">
             <a:avLst/>
           </a:prstGeom>
         </p:spPr>
       </p:pic>
-      <p:sp>
-        <p:nvSpPr>
-          <p:cNvPr id="3" name="Content Placeholder 2"/>
-          <p:cNvSpPr>
-            <a:spLocks noGrp="1"/>
-          </p:cNvSpPr>
-          <p:nvPr>
-            <p:ph idx="1"/>
-          </p:nvPr>
-        </p:nvSpPr>
+      <p:pic>
+        <p:nvPicPr>
+          <p:cNvPr id="19" name="Picture 18">
+            <a:extLst>
+              <a:ext uri="{FF2B5EF4-FFF2-40B4-BE49-F238E27FC236}">
+                <a16:creationId xmlns:a16="http://schemas.microsoft.com/office/drawing/2014/main" id="{3F501F52-80F4-4B77-AE78-2948814E3ACA}"/>
+              </a:ext>
+            </a:extLst>
+          </p:cNvPr>
+          <p:cNvPicPr>
+            <a:picLocks noChangeAspect="1"/>
+          </p:cNvPicPr>
+          <p:nvPr/>
+        </p:nvPicPr>
+        <p:blipFill>
+          <a:blip r:embed="rId5">
+            <a:extLst>
+              <a:ext uri="{28A0092B-C50C-407E-A947-70E740481C1C}">
+                <a14:useLocalDpi xmlns:a14="http://schemas.microsoft.com/office/drawing/2010/main" val="0"/>
+              </a:ext>
+            </a:extLst>
+          </a:blip>
+          <a:stretch>
+            <a:fillRect/>
+          </a:stretch>
+        </p:blipFill>
         <p:spPr>
           <a:xfrm>
-            <a:off x="838200" y="1825625"/>
-            <a:ext cx="3638107" cy="4351338"/>
+            <a:off x="10029141" y="4822960"/>
+            <a:ext cx="2049981" cy="1901952"/>
           </a:xfrm>
+          <a:prstGeom prst="rect">
+            <a:avLst/>
+          </a:prstGeom>
         </p:spPr>
-        <p:txBody>
-          <a:bodyPr/>
-          <a:lstStyle/>
-          <a:p>
-            <a:endParaRPr lang="en-US" dirty="0"/>
-          </a:p>
-        </p:txBody>
-      </p:sp>
+      </p:pic>
     </p:spTree>
     <p:extLst>
       <p:ext uri="{BB962C8B-B14F-4D97-AF65-F5344CB8AC3E}">
-        <p14:creationId xmlns:p14="http://schemas.microsoft.com/office/powerpoint/2010/main" val="2467429242"/>
+        <p14:creationId xmlns:p14="http://schemas.microsoft.com/office/powerpoint/2010/main" val="1938094897"/>
       </p:ext>
     </p:extLst>
   </p:cSld>
@@ -4528,63 +6642,6 @@
           <a:chExt cx="0" cy="0"/>
         </a:xfrm>
       </p:grpSpPr>
-      <p:graphicFrame>
-        <p:nvGraphicFramePr>
-          <p:cNvPr id="9" name="Object 8"/>
-          <p:cNvGraphicFramePr>
-            <a:graphicFrameLocks noChangeAspect="1"/>
-          </p:cNvGraphicFramePr>
-          <p:nvPr>
-            <p:extLst>
-              <p:ext uri="{D42A27DB-BD31-4B8C-83A1-F6EECF244321}">
-                <p14:modId xmlns:p14="http://schemas.microsoft.com/office/powerpoint/2010/main" val="2940634515"/>
-              </p:ext>
-            </p:extLst>
-          </p:nvPr>
-        </p:nvGraphicFramePr>
-        <p:xfrm>
-          <a:off x="9138944" y="3775362"/>
-          <a:ext cx="3212432" cy="3212432"/>
-        </p:xfrm>
-        <a:graphic>
-          <a:graphicData uri="http://schemas.openxmlformats.org/presentationml/2006/ole">
-            <mc:AlternateContent xmlns:mc="http://schemas.openxmlformats.org/markup-compatibility/2006">
-              <mc:Choice xmlns:v="urn:schemas-microsoft-com:vml" Requires="v">
-                <p:oleObj spid="_x0000_s3078" name="Acrobat Document" r:id="rId3" imgW="3428913" imgH="3428768" progId="AcroExch.Document.DC">
-                  <p:embed/>
-                </p:oleObj>
-              </mc:Choice>
-              <mc:Fallback>
-                <p:oleObj name="Acrobat Document" r:id="rId3" imgW="3428913" imgH="3428768" progId="AcroExch.Document.DC">
-                  <p:embed/>
-                  <p:pic>
-                    <p:nvPicPr>
-                      <p:cNvPr id="9" name="Object 8"/>
-                      <p:cNvPicPr/>
-                      <p:nvPr/>
-                    </p:nvPicPr>
-                    <p:blipFill>
-                      <a:blip r:embed="rId4"/>
-                      <a:stretch>
-                        <a:fillRect/>
-                      </a:stretch>
-                    </p:blipFill>
-                    <p:spPr>
-                      <a:xfrm>
-                        <a:off x="9138944" y="3775362"/>
-                        <a:ext cx="3212432" cy="3212432"/>
-                      </a:xfrm>
-                      <a:prstGeom prst="rect">
-                        <a:avLst/>
-                      </a:prstGeom>
-                    </p:spPr>
-                  </p:pic>
-                </p:oleObj>
-              </mc:Fallback>
-            </mc:AlternateContent>
-          </a:graphicData>
-        </a:graphic>
-      </p:graphicFrame>
       <p:sp>
         <p:nvSpPr>
           <p:cNvPr id="2" name="Title 1"/>
@@ -4601,25 +6658,115 @@
           <a:lstStyle/>
           <a:p>
             <a:r>
-              <a:rPr lang="en-US" dirty="0" smtClean="0"/>
+              <a:rPr lang="en-US" dirty="0"/>
               <a:t>Literature Review</a:t>
             </a:r>
+          </a:p>
+        </p:txBody>
+      </p:sp>
+      <p:sp>
+        <p:nvSpPr>
+          <p:cNvPr id="3" name="Content Placeholder 2"/>
+          <p:cNvSpPr>
+            <a:spLocks noGrp="1"/>
+          </p:cNvSpPr>
+          <p:nvPr>
+            <p:ph idx="1"/>
+          </p:nvPr>
+        </p:nvSpPr>
+        <p:spPr>
+          <a:xfrm>
+            <a:off x="838200" y="1825625"/>
+            <a:ext cx="5964936" cy="4351338"/>
+          </a:xfrm>
+        </p:spPr>
+        <p:txBody>
+          <a:bodyPr>
+            <a:normAutofit fontScale="92500" lnSpcReduction="10000"/>
+          </a:bodyPr>
+          <a:lstStyle/>
+          <a:p>
+            <a:r>
+              <a:rPr lang="en-US" dirty="0"/>
+              <a:t>[Griffiths, 2006]</a:t>
+            </a:r>
+          </a:p>
+          <a:p>
+            <a:pPr lvl="1"/>
+            <a:r>
+              <a:rPr lang="en-US" dirty="0"/>
+              <a:t>Expanded Nelson ‘s method for arbitrary paths</a:t>
+            </a:r>
+          </a:p>
+          <a:p>
+            <a:pPr lvl="1"/>
+            <a:endParaRPr lang="en-US" dirty="0"/>
+          </a:p>
+          <a:p>
+            <a:r>
+              <a:rPr lang="en-US" dirty="0"/>
+              <a:t>[Frew, 2007a]</a:t>
+            </a:r>
+          </a:p>
+          <a:p>
+            <a:pPr lvl="1"/>
+            <a:r>
+              <a:rPr lang="en-US" dirty="0"/>
+              <a:t>Modify stable field</a:t>
+            </a:r>
+          </a:p>
+          <a:p>
+            <a:pPr lvl="1"/>
+            <a:r>
+              <a:rPr lang="en-US" dirty="0"/>
+              <a:t>Non-linear coordinate transformation</a:t>
+            </a:r>
+          </a:p>
+          <a:p>
+            <a:endParaRPr lang="en-US" dirty="0"/>
+          </a:p>
+          <a:p>
+            <a:r>
+              <a:rPr lang="en-US" dirty="0"/>
+              <a:t>[Frew, 2007b]</a:t>
+            </a:r>
+          </a:p>
+          <a:p>
+            <a:pPr lvl="1"/>
+            <a:r>
+              <a:rPr lang="en-US" dirty="0"/>
+              <a:t>Modify field shape via position estimate covariance matrix</a:t>
+            </a:r>
+          </a:p>
+          <a:p>
+            <a:pPr lvl="1"/>
+            <a:r>
+              <a:rPr lang="en-US" dirty="0"/>
+              <a:t>Standoff tracking uncertain targets</a:t>
+            </a:r>
+          </a:p>
+          <a:p>
+            <a:pPr lvl="1"/>
             <a:endParaRPr lang="en-US" dirty="0"/>
           </a:p>
         </p:txBody>
       </p:sp>
       <p:pic>
         <p:nvPicPr>
-          <p:cNvPr id="4" name="Content Placeholder 3"/>
+          <p:cNvPr id="6" name="Picture 5">
+            <a:extLst>
+              <a:ext uri="{FF2B5EF4-FFF2-40B4-BE49-F238E27FC236}">
+                <a16:creationId xmlns:a16="http://schemas.microsoft.com/office/drawing/2014/main" id="{2C494CA5-FE7A-42D9-B81A-E3336125A9A1}"/>
+              </a:ext>
+            </a:extLst>
+          </p:cNvPr>
           <p:cNvPicPr>
-            <a:picLocks noGrp="1" noChangeAspect="1"/>
+            <a:picLocks noChangeAspect="1"/>
           </p:cNvPicPr>
-          <p:nvPr>
-            <p:ph idx="1"/>
-          </p:nvPr>
+          <p:nvPr/>
         </p:nvPicPr>
         <p:blipFill>
-          <a:blip r:embed="rId5">
+          <a:blip r:embed="rId2">
             <a:extLst>
               <a:ext uri="{28A0092B-C50C-407E-A947-70E740481C1C}">
                 <a14:useLocalDpi xmlns:a14="http://schemas.microsoft.com/office/drawing/2010/main" val="0"/>
@@ -4632,24 +6779,30 @@
         </p:blipFill>
         <p:spPr>
           <a:xfrm>
-            <a:off x="6240397" y="516040"/>
-            <a:ext cx="3187303" cy="3187303"/>
+            <a:off x="8364701" y="266038"/>
+            <a:ext cx="3315235" cy="3119174"/>
           </a:xfrm>
-          <a:ln>
-            <a:noFill/>
-          </a:ln>
+          <a:prstGeom prst="rect">
+            <a:avLst/>
+          </a:prstGeom>
         </p:spPr>
       </p:pic>
       <p:pic>
         <p:nvPicPr>
-          <p:cNvPr id="6" name="Picture 5"/>
+          <p:cNvPr id="8" name="Picture 7">
+            <a:extLst>
+              <a:ext uri="{FF2B5EF4-FFF2-40B4-BE49-F238E27FC236}">
+                <a16:creationId xmlns:a16="http://schemas.microsoft.com/office/drawing/2014/main" id="{3DABCE8D-DDAA-44F5-AD88-A66925948A76}"/>
+              </a:ext>
+            </a:extLst>
+          </p:cNvPr>
           <p:cNvPicPr>
             <a:picLocks noChangeAspect="1"/>
           </p:cNvPicPr>
           <p:nvPr/>
         </p:nvPicPr>
         <p:blipFill>
-          <a:blip r:embed="rId6">
+          <a:blip r:embed="rId3">
             <a:extLst>
               <a:ext uri="{28A0092B-C50C-407E-A947-70E740481C1C}">
                 <a14:useLocalDpi xmlns:a14="http://schemas.microsoft.com/office/drawing/2010/main" val="0"/>
@@ -4662,91 +6815,60 @@
         </p:blipFill>
         <p:spPr>
           <a:xfrm>
-            <a:off x="6240397" y="3751917"/>
-            <a:ext cx="3187303" cy="3187303"/>
+            <a:off x="6335171" y="4001294"/>
+            <a:ext cx="2579936" cy="2540648"/>
           </a:xfrm>
           <a:prstGeom prst="rect">
             <a:avLst/>
           </a:prstGeom>
-          <a:ln>
-            <a:noFill/>
-          </a:ln>
         </p:spPr>
       </p:pic>
-      <p:graphicFrame>
-        <p:nvGraphicFramePr>
-          <p:cNvPr id="8" name="Object 7"/>
-          <p:cNvGraphicFramePr>
-            <a:graphicFrameLocks noChangeAspect="1"/>
-          </p:cNvGraphicFramePr>
-          <p:nvPr>
-            <p:extLst>
-              <p:ext uri="{D42A27DB-BD31-4B8C-83A1-F6EECF244321}">
-                <p14:modId xmlns:p14="http://schemas.microsoft.com/office/powerpoint/2010/main" val="2920115851"/>
-              </p:ext>
-            </p:extLst>
-          </p:nvPr>
-        </p:nvGraphicFramePr>
-        <p:xfrm>
-          <a:off x="9339373" y="749311"/>
-          <a:ext cx="2977477" cy="2977477"/>
-        </p:xfrm>
-        <a:graphic>
-          <a:graphicData uri="http://schemas.openxmlformats.org/presentationml/2006/ole">
-            <mc:AlternateContent xmlns:mc="http://schemas.openxmlformats.org/markup-compatibility/2006">
-              <mc:Choice xmlns:v="urn:schemas-microsoft-com:vml" Requires="v">
-                <p:oleObj spid="_x0000_s3079" name="Acrobat Document" r:id="rId7" imgW="3428913" imgH="3428768" progId="AcroExch.Document.DC">
-                  <p:embed/>
-                </p:oleObj>
-              </mc:Choice>
-              <mc:Fallback>
-                <p:oleObj name="Acrobat Document" r:id="rId7" imgW="3428913" imgH="3428768" progId="AcroExch.Document.DC">
-                  <p:embed/>
-                  <p:pic>
-                    <p:nvPicPr>
-                      <p:cNvPr id="8" name="Object 7"/>
-                      <p:cNvPicPr/>
-                      <p:nvPr/>
-                    </p:nvPicPr>
-                    <p:blipFill>
-                      <a:blip r:embed="rId8"/>
-                      <a:stretch>
-                        <a:fillRect/>
-                      </a:stretch>
-                    </p:blipFill>
-                    <p:spPr>
-                      <a:xfrm>
-                        <a:off x="9339373" y="749311"/>
-                        <a:ext cx="2977477" cy="2977477"/>
-                      </a:xfrm>
-                      <a:prstGeom prst="rect">
-                        <a:avLst/>
-                      </a:prstGeom>
-                    </p:spPr>
-                  </p:pic>
-                </p:oleObj>
-              </mc:Fallback>
-            </mc:AlternateContent>
-          </a:graphicData>
-        </a:graphic>
-      </p:graphicFrame>
+      <p:pic>
+        <p:nvPicPr>
+          <p:cNvPr id="10" name="Picture 9">
+            <a:extLst>
+              <a:ext uri="{FF2B5EF4-FFF2-40B4-BE49-F238E27FC236}">
+                <a16:creationId xmlns:a16="http://schemas.microsoft.com/office/drawing/2014/main" id="{8887166B-27D4-4CA9-A0F5-5E3CE71A1932}"/>
+              </a:ext>
+            </a:extLst>
+          </p:cNvPr>
+          <p:cNvPicPr>
+            <a:picLocks noChangeAspect="1"/>
+          </p:cNvPicPr>
+          <p:nvPr/>
+        </p:nvPicPr>
+        <p:blipFill>
+          <a:blip r:embed="rId4">
+            <a:extLst>
+              <a:ext uri="{28A0092B-C50C-407E-A947-70E740481C1C}">
+                <a14:useLocalDpi xmlns:a14="http://schemas.microsoft.com/office/drawing/2010/main" val="0"/>
+              </a:ext>
+            </a:extLst>
+          </a:blip>
+          <a:stretch>
+            <a:fillRect/>
+          </a:stretch>
+        </p:blipFill>
+        <p:spPr>
+          <a:xfrm>
+            <a:off x="8931629" y="4001294"/>
+            <a:ext cx="3315235" cy="2540648"/>
+          </a:xfrm>
+          <a:prstGeom prst="rect">
+            <a:avLst/>
+          </a:prstGeom>
+        </p:spPr>
+      </p:pic>
     </p:spTree>
     <p:extLst>
       <p:ext uri="{BB962C8B-B14F-4D97-AF65-F5344CB8AC3E}">
-        <p14:creationId xmlns:p14="http://schemas.microsoft.com/office/powerpoint/2010/main" val="2681233579"/>
+        <p14:creationId xmlns:p14="http://schemas.microsoft.com/office/powerpoint/2010/main" val="2467429242"/>
       </p:ext>
     </p:extLst>
   </p:cSld>
   <p:clrMapOvr>
     <a:masterClrMapping/>
   </p:clrMapOvr>
-  <p:timing>
-    <p:tnLst>
-      <p:par>
-        <p:cTn id="1" dur="indefinite" restart="never" nodeType="tmRoot"/>
-      </p:par>
-    </p:tnLst>
-  </p:timing>
 </p:sld>
 </file>
 
@@ -4767,6 +6889,63 @@
           <a:chExt cx="0" cy="0"/>
         </a:xfrm>
       </p:grpSpPr>
+      <p:graphicFrame>
+        <p:nvGraphicFramePr>
+          <p:cNvPr id="9" name="Object 8"/>
+          <p:cNvGraphicFramePr>
+            <a:graphicFrameLocks noChangeAspect="1"/>
+          </p:cNvGraphicFramePr>
+          <p:nvPr>
+            <p:extLst>
+              <p:ext uri="{D42A27DB-BD31-4B8C-83A1-F6EECF244321}">
+                <p14:modId xmlns:p14="http://schemas.microsoft.com/office/powerpoint/2010/main" val="399767810"/>
+              </p:ext>
+            </p:extLst>
+          </p:nvPr>
+        </p:nvGraphicFramePr>
+        <p:xfrm>
+          <a:off x="9804110" y="2583768"/>
+          <a:ext cx="2274929" cy="2274929"/>
+        </p:xfrm>
+        <a:graphic>
+          <a:graphicData uri="http://schemas.openxmlformats.org/presentationml/2006/ole">
+            <mc:AlternateContent xmlns:mc="http://schemas.openxmlformats.org/markup-compatibility/2006">
+              <mc:Choice xmlns:v="urn:schemas-microsoft-com:vml" Requires="v">
+                <p:oleObj spid="_x0000_s3100" name="Acrobat Document" r:id="rId4" imgW="3428913" imgH="3428768" progId="AcroExch.Document.DC">
+                  <p:embed/>
+                </p:oleObj>
+              </mc:Choice>
+              <mc:Fallback>
+                <p:oleObj name="Acrobat Document" r:id="rId4" imgW="3428913" imgH="3428768" progId="AcroExch.Document.DC">
+                  <p:embed/>
+                  <p:pic>
+                    <p:nvPicPr>
+                      <p:cNvPr id="9" name="Object 8"/>
+                      <p:cNvPicPr/>
+                      <p:nvPr/>
+                    </p:nvPicPr>
+                    <p:blipFill>
+                      <a:blip r:embed="rId5"/>
+                      <a:stretch>
+                        <a:fillRect/>
+                      </a:stretch>
+                    </p:blipFill>
+                    <p:spPr>
+                      <a:xfrm>
+                        <a:off x="9804110" y="2583768"/>
+                        <a:ext cx="2274929" cy="2274929"/>
+                      </a:xfrm>
+                      <a:prstGeom prst="rect">
+                        <a:avLst/>
+                      </a:prstGeom>
+                    </p:spPr>
+                  </p:pic>
+                </p:oleObj>
+              </mc:Fallback>
+            </mc:AlternateContent>
+          </a:graphicData>
+        </a:graphic>
+      </p:graphicFrame>
       <p:sp>
         <p:nvSpPr>
           <p:cNvPr id="2" name="Title 1"/>
@@ -4783,49 +6962,545 @@
           <a:lstStyle/>
           <a:p>
             <a:r>
-              <a:rPr lang="en-US" dirty="0" smtClean="0"/>
+              <a:rPr lang="en-US" dirty="0"/>
               <a:t>Literature Review</a:t>
             </a:r>
+          </a:p>
+        </p:txBody>
+      </p:sp>
+      <p:pic>
+        <p:nvPicPr>
+          <p:cNvPr id="4" name="Content Placeholder 3"/>
+          <p:cNvPicPr>
+            <a:picLocks noGrp="1" noChangeAspect="1"/>
+          </p:cNvPicPr>
+          <p:nvPr>
+            <p:ph idx="1"/>
+          </p:nvPr>
+        </p:nvPicPr>
+        <p:blipFill>
+          <a:blip r:embed="rId6" cstate="print">
+            <a:extLst>
+              <a:ext uri="{28A0092B-C50C-407E-A947-70E740481C1C}">
+                <a14:useLocalDpi xmlns:a14="http://schemas.microsoft.com/office/drawing/2010/main" val="0"/>
+              </a:ext>
+            </a:extLst>
+          </a:blip>
+          <a:stretch>
+            <a:fillRect/>
+          </a:stretch>
+        </p:blipFill>
+        <p:spPr>
+          <a:xfrm>
+            <a:off x="7429117" y="67631"/>
+            <a:ext cx="2374993" cy="2374993"/>
+          </a:xfrm>
+          <a:ln>
+            <a:noFill/>
+          </a:ln>
+        </p:spPr>
+      </p:pic>
+      <p:pic>
+        <p:nvPicPr>
+          <p:cNvPr id="6" name="Picture 5"/>
+          <p:cNvPicPr>
+            <a:picLocks noChangeAspect="1"/>
+          </p:cNvPicPr>
+          <p:nvPr/>
+        </p:nvPicPr>
+        <p:blipFill>
+          <a:blip r:embed="rId7" cstate="print">
+            <a:extLst>
+              <a:ext uri="{28A0092B-C50C-407E-A947-70E740481C1C}">
+                <a14:useLocalDpi xmlns:a14="http://schemas.microsoft.com/office/drawing/2010/main" val="0"/>
+              </a:ext>
+            </a:extLst>
+          </a:blip>
+          <a:stretch>
+            <a:fillRect/>
+          </a:stretch>
+        </p:blipFill>
+        <p:spPr>
+          <a:xfrm>
+            <a:off x="7618192" y="2583768"/>
+            <a:ext cx="1996841" cy="1996841"/>
+          </a:xfrm>
+          <a:prstGeom prst="rect">
+            <a:avLst/>
+          </a:prstGeom>
+          <a:ln>
+            <a:noFill/>
+          </a:ln>
+        </p:spPr>
+      </p:pic>
+      <p:graphicFrame>
+        <p:nvGraphicFramePr>
+          <p:cNvPr id="8" name="Object 7"/>
+          <p:cNvGraphicFramePr>
+            <a:graphicFrameLocks noChangeAspect="1"/>
+          </p:cNvGraphicFramePr>
+          <p:nvPr>
+            <p:extLst>
+              <p:ext uri="{D42A27DB-BD31-4B8C-83A1-F6EECF244321}">
+                <p14:modId xmlns:p14="http://schemas.microsoft.com/office/powerpoint/2010/main" val="4068502489"/>
+              </p:ext>
+            </p:extLst>
+          </p:nvPr>
+        </p:nvGraphicFramePr>
+        <p:xfrm>
+          <a:off x="9973357" y="145807"/>
+          <a:ext cx="2218643" cy="2218643"/>
+        </p:xfrm>
+        <a:graphic>
+          <a:graphicData uri="http://schemas.openxmlformats.org/presentationml/2006/ole">
+            <mc:AlternateContent xmlns:mc="http://schemas.openxmlformats.org/markup-compatibility/2006">
+              <mc:Choice xmlns:v="urn:schemas-microsoft-com:vml" Requires="v">
+                <p:oleObj spid="_x0000_s3101" name="Acrobat Document" r:id="rId8" imgW="3428913" imgH="3428768" progId="AcroExch.Document.DC">
+                  <p:embed/>
+                </p:oleObj>
+              </mc:Choice>
+              <mc:Fallback>
+                <p:oleObj name="Acrobat Document" r:id="rId8" imgW="3428913" imgH="3428768" progId="AcroExch.Document.DC">
+                  <p:embed/>
+                  <p:pic>
+                    <p:nvPicPr>
+                      <p:cNvPr id="8" name="Object 7"/>
+                      <p:cNvPicPr/>
+                      <p:nvPr/>
+                    </p:nvPicPr>
+                    <p:blipFill>
+                      <a:blip r:embed="rId9"/>
+                      <a:stretch>
+                        <a:fillRect/>
+                      </a:stretch>
+                    </p:blipFill>
+                    <p:spPr>
+                      <a:xfrm>
+                        <a:off x="9973357" y="145807"/>
+                        <a:ext cx="2218643" cy="2218643"/>
+                      </a:xfrm>
+                      <a:prstGeom prst="rect">
+                        <a:avLst/>
+                      </a:prstGeom>
+                    </p:spPr>
+                  </p:pic>
+                </p:oleObj>
+              </mc:Fallback>
+            </mc:AlternateContent>
+          </a:graphicData>
+        </a:graphic>
+      </p:graphicFrame>
+      <p:sp>
+        <p:nvSpPr>
+          <p:cNvPr id="7" name="Content Placeholder 2">
+            <a:extLst>
+              <a:ext uri="{FF2B5EF4-FFF2-40B4-BE49-F238E27FC236}">
+                <a16:creationId xmlns:a16="http://schemas.microsoft.com/office/drawing/2014/main" id="{20DA53DD-B7E3-4080-82A5-95767B3F4966}"/>
+              </a:ext>
+            </a:extLst>
+          </p:cNvPr>
+          <p:cNvSpPr txBox="1">
+            <a:spLocks/>
+          </p:cNvSpPr>
+          <p:nvPr/>
+        </p:nvSpPr>
+        <p:spPr>
+          <a:xfrm>
+            <a:off x="838200" y="1825625"/>
+            <a:ext cx="5964936" cy="4351338"/>
+          </a:xfrm>
+          <a:prstGeom prst="rect">
+            <a:avLst/>
+          </a:prstGeom>
+        </p:spPr>
+        <p:txBody>
+          <a:bodyPr vert="horz" lIns="91440" tIns="45720" rIns="91440" bIns="45720" rtlCol="0">
+            <a:normAutofit fontScale="92500" lnSpcReduction="20000"/>
+          </a:bodyPr>
+          <a:lstStyle>
+            <a:lvl1pPr marL="228600" indent="-228600" algn="l" defTabSz="914400" rtl="0" eaLnBrk="1" latinLnBrk="0" hangingPunct="1">
+              <a:lnSpc>
+                <a:spcPct val="90000"/>
+              </a:lnSpc>
+              <a:spcBef>
+                <a:spcPts val="1000"/>
+              </a:spcBef>
+              <a:buFont typeface="Arial" panose="020B0604020202020204" pitchFamily="34" charset="0"/>
+              <a:buChar char="•"/>
+              <a:defRPr sz="2800" kern="1200">
+                <a:solidFill>
+                  <a:schemeClr val="tx1"/>
+                </a:solidFill>
+                <a:latin typeface="+mn-lt"/>
+                <a:ea typeface="+mn-ea"/>
+                <a:cs typeface="+mn-cs"/>
+              </a:defRPr>
+            </a:lvl1pPr>
+            <a:lvl2pPr marL="685800" indent="-228600" algn="l" defTabSz="914400" rtl="0" eaLnBrk="1" latinLnBrk="0" hangingPunct="1">
+              <a:lnSpc>
+                <a:spcPct val="90000"/>
+              </a:lnSpc>
+              <a:spcBef>
+                <a:spcPts val="500"/>
+              </a:spcBef>
+              <a:buFont typeface="Arial" panose="020B0604020202020204" pitchFamily="34" charset="0"/>
+              <a:buChar char="•"/>
+              <a:defRPr sz="2400" kern="1200">
+                <a:solidFill>
+                  <a:schemeClr val="tx1"/>
+                </a:solidFill>
+                <a:latin typeface="+mn-lt"/>
+                <a:ea typeface="+mn-ea"/>
+                <a:cs typeface="+mn-cs"/>
+              </a:defRPr>
+            </a:lvl2pPr>
+            <a:lvl3pPr marL="1143000" indent="-228600" algn="l" defTabSz="914400" rtl="0" eaLnBrk="1" latinLnBrk="0" hangingPunct="1">
+              <a:lnSpc>
+                <a:spcPct val="90000"/>
+              </a:lnSpc>
+              <a:spcBef>
+                <a:spcPts val="500"/>
+              </a:spcBef>
+              <a:buFont typeface="Arial" panose="020B0604020202020204" pitchFamily="34" charset="0"/>
+              <a:buChar char="•"/>
+              <a:defRPr sz="2000" kern="1200">
+                <a:solidFill>
+                  <a:schemeClr val="tx1"/>
+                </a:solidFill>
+                <a:latin typeface="+mn-lt"/>
+                <a:ea typeface="+mn-ea"/>
+                <a:cs typeface="+mn-cs"/>
+              </a:defRPr>
+            </a:lvl3pPr>
+            <a:lvl4pPr marL="1600200" indent="-228600" algn="l" defTabSz="914400" rtl="0" eaLnBrk="1" latinLnBrk="0" hangingPunct="1">
+              <a:lnSpc>
+                <a:spcPct val="90000"/>
+              </a:lnSpc>
+              <a:spcBef>
+                <a:spcPts val="500"/>
+              </a:spcBef>
+              <a:buFont typeface="Arial" panose="020B0604020202020204" pitchFamily="34" charset="0"/>
+              <a:buChar char="•"/>
+              <a:defRPr sz="1800" kern="1200">
+                <a:solidFill>
+                  <a:schemeClr val="tx1"/>
+                </a:solidFill>
+                <a:latin typeface="+mn-lt"/>
+                <a:ea typeface="+mn-ea"/>
+                <a:cs typeface="+mn-cs"/>
+              </a:defRPr>
+            </a:lvl4pPr>
+            <a:lvl5pPr marL="2057400" indent="-228600" algn="l" defTabSz="914400" rtl="0" eaLnBrk="1" latinLnBrk="0" hangingPunct="1">
+              <a:lnSpc>
+                <a:spcPct val="90000"/>
+              </a:lnSpc>
+              <a:spcBef>
+                <a:spcPts val="500"/>
+              </a:spcBef>
+              <a:buFont typeface="Arial" panose="020B0604020202020204" pitchFamily="34" charset="0"/>
+              <a:buChar char="•"/>
+              <a:defRPr sz="1800" kern="1200">
+                <a:solidFill>
+                  <a:schemeClr val="tx1"/>
+                </a:solidFill>
+                <a:latin typeface="+mn-lt"/>
+                <a:ea typeface="+mn-ea"/>
+                <a:cs typeface="+mn-cs"/>
+              </a:defRPr>
+            </a:lvl5pPr>
+            <a:lvl6pPr marL="2514600" indent="-228600" algn="l" defTabSz="914400" rtl="0" eaLnBrk="1" latinLnBrk="0" hangingPunct="1">
+              <a:lnSpc>
+                <a:spcPct val="90000"/>
+              </a:lnSpc>
+              <a:spcBef>
+                <a:spcPts val="500"/>
+              </a:spcBef>
+              <a:buFont typeface="Arial" panose="020B0604020202020204" pitchFamily="34" charset="0"/>
+              <a:buChar char="•"/>
+              <a:defRPr sz="1800" kern="1200">
+                <a:solidFill>
+                  <a:schemeClr val="tx1"/>
+                </a:solidFill>
+                <a:latin typeface="+mn-lt"/>
+                <a:ea typeface="+mn-ea"/>
+                <a:cs typeface="+mn-cs"/>
+              </a:defRPr>
+            </a:lvl6pPr>
+            <a:lvl7pPr marL="2971800" indent="-228600" algn="l" defTabSz="914400" rtl="0" eaLnBrk="1" latinLnBrk="0" hangingPunct="1">
+              <a:lnSpc>
+                <a:spcPct val="90000"/>
+              </a:lnSpc>
+              <a:spcBef>
+                <a:spcPts val="500"/>
+              </a:spcBef>
+              <a:buFont typeface="Arial" panose="020B0604020202020204" pitchFamily="34" charset="0"/>
+              <a:buChar char="•"/>
+              <a:defRPr sz="1800" kern="1200">
+                <a:solidFill>
+                  <a:schemeClr val="tx1"/>
+                </a:solidFill>
+                <a:latin typeface="+mn-lt"/>
+                <a:ea typeface="+mn-ea"/>
+                <a:cs typeface="+mn-cs"/>
+              </a:defRPr>
+            </a:lvl7pPr>
+            <a:lvl8pPr marL="3429000" indent="-228600" algn="l" defTabSz="914400" rtl="0" eaLnBrk="1" latinLnBrk="0" hangingPunct="1">
+              <a:lnSpc>
+                <a:spcPct val="90000"/>
+              </a:lnSpc>
+              <a:spcBef>
+                <a:spcPts val="500"/>
+              </a:spcBef>
+              <a:buFont typeface="Arial" panose="020B0604020202020204" pitchFamily="34" charset="0"/>
+              <a:buChar char="•"/>
+              <a:defRPr sz="1800" kern="1200">
+                <a:solidFill>
+                  <a:schemeClr val="tx1"/>
+                </a:solidFill>
+                <a:latin typeface="+mn-lt"/>
+                <a:ea typeface="+mn-ea"/>
+                <a:cs typeface="+mn-cs"/>
+              </a:defRPr>
+            </a:lvl8pPr>
+            <a:lvl9pPr marL="3886200" indent="-228600" algn="l" defTabSz="914400" rtl="0" eaLnBrk="1" latinLnBrk="0" hangingPunct="1">
+              <a:lnSpc>
+                <a:spcPct val="90000"/>
+              </a:lnSpc>
+              <a:spcBef>
+                <a:spcPts val="500"/>
+              </a:spcBef>
+              <a:buFont typeface="Arial" panose="020B0604020202020204" pitchFamily="34" charset="0"/>
+              <a:buChar char="•"/>
+              <a:defRPr sz="1800" kern="1200">
+                <a:solidFill>
+                  <a:schemeClr val="tx1"/>
+                </a:solidFill>
+                <a:latin typeface="+mn-lt"/>
+                <a:ea typeface="+mn-ea"/>
+                <a:cs typeface="+mn-cs"/>
+              </a:defRPr>
+            </a:lvl9pPr>
+          </a:lstStyle>
+          <a:p>
+            <a:r>
+              <a:rPr lang="en-US" dirty="0"/>
+              <a:t>[</a:t>
+            </a:r>
+            <a:r>
+              <a:rPr lang="en-US" dirty="0" err="1"/>
+              <a:t>Goncalves</a:t>
+            </a:r>
+            <a:r>
+              <a:rPr lang="en-US" dirty="0"/>
+              <a:t> et al, 2009]</a:t>
+            </a:r>
+          </a:p>
+          <a:p>
+            <a:pPr lvl="1"/>
+            <a:r>
+              <a:rPr lang="en-US" dirty="0"/>
+              <a:t>N-dimensional vector field</a:t>
+            </a:r>
+          </a:p>
+          <a:p>
+            <a:pPr lvl="1"/>
+            <a:r>
+              <a:rPr lang="en-US" dirty="0"/>
+              <a:t>Converge and follows a path</a:t>
+            </a:r>
+          </a:p>
+          <a:p>
+            <a:pPr lvl="2"/>
+            <a:r>
+              <a:rPr lang="en-US" dirty="0"/>
+              <a:t>Static</a:t>
+            </a:r>
+          </a:p>
+          <a:p>
+            <a:pPr lvl="2"/>
+            <a:r>
+              <a:rPr lang="en-US" dirty="0"/>
+              <a:t>Time varying</a:t>
+            </a:r>
+          </a:p>
+          <a:p>
+            <a:pPr lvl="1"/>
+            <a:r>
+              <a:rPr lang="en-US" dirty="0"/>
+              <a:t>Intersection of (n-1) surfaces</a:t>
+            </a:r>
+          </a:p>
+          <a:p>
+            <a:pPr lvl="1"/>
+            <a:r>
+              <a:rPr lang="en-US" dirty="0"/>
+              <a:t>Surfaces defined by implicit functions</a:t>
+            </a:r>
+          </a:p>
+          <a:p>
+            <a:pPr lvl="2"/>
+            <a:r>
+              <a:rPr lang="en-US" dirty="0"/>
+              <a:t>First order partials differentiable </a:t>
+            </a:r>
+          </a:p>
+          <a:p>
+            <a:pPr lvl="2"/>
+            <a:r>
+              <a:rPr lang="en-US" dirty="0"/>
+              <a:t>Bounded second order partials</a:t>
+            </a:r>
+          </a:p>
+          <a:p>
+            <a:r>
+              <a:rPr lang="en-US" dirty="0"/>
+              <a:t>[</a:t>
+            </a:r>
+            <a:r>
+              <a:rPr lang="en-US" dirty="0" err="1"/>
+              <a:t>Goncalves</a:t>
+            </a:r>
+            <a:r>
+              <a:rPr lang="en-US" dirty="0"/>
+              <a:t> et al, 2010a]</a:t>
+            </a:r>
+          </a:p>
+          <a:p>
+            <a:pPr lvl="1"/>
+            <a:r>
+              <a:rPr lang="en-US" dirty="0"/>
+              <a:t>Experimental validation (2d,3d robotic systems)</a:t>
+            </a:r>
+          </a:p>
+          <a:p>
+            <a:r>
+              <a:rPr lang="en-US" dirty="0"/>
+              <a:t>[</a:t>
+            </a:r>
+            <a:r>
+              <a:rPr lang="en-US" dirty="0" err="1"/>
+              <a:t>Goncalves</a:t>
+            </a:r>
+            <a:r>
+              <a:rPr lang="en-US" dirty="0"/>
+              <a:t> et al, 2010b]</a:t>
+            </a:r>
+          </a:p>
+          <a:p>
+            <a:pPr lvl="1"/>
+            <a:r>
+              <a:rPr lang="en-US" dirty="0"/>
+              <a:t>Stability proofs of vector field</a:t>
+            </a:r>
+          </a:p>
+          <a:p>
+            <a:pPr marL="0" indent="0">
+              <a:buNone/>
+            </a:pPr>
             <a:endParaRPr lang="en-US" dirty="0"/>
           </a:p>
         </p:txBody>
       </p:sp>
-      <p:sp>
-        <p:nvSpPr>
-          <p:cNvPr id="3" name="Content Placeholder 2"/>
-          <p:cNvSpPr>
-            <a:spLocks noGrp="1"/>
-          </p:cNvSpPr>
-          <p:nvPr>
-            <p:ph idx="1"/>
-          </p:nvPr>
-        </p:nvSpPr>
-        <p:spPr/>
-        <p:txBody>
-          <a:bodyPr/>
-          <a:lstStyle/>
-          <a:p>
-            <a:endParaRPr lang="en-US"/>
-          </a:p>
-        </p:txBody>
-      </p:sp>
+      <p:pic>
+        <p:nvPicPr>
+          <p:cNvPr id="3" name="Picture 2">
+            <a:extLst>
+              <a:ext uri="{FF2B5EF4-FFF2-40B4-BE49-F238E27FC236}">
+                <a16:creationId xmlns:a16="http://schemas.microsoft.com/office/drawing/2014/main" id="{7F4C7644-1105-4787-AF26-8E526718B67F}"/>
+              </a:ext>
+            </a:extLst>
+          </p:cNvPr>
+          <p:cNvPicPr>
+            <a:picLocks noChangeAspect="1"/>
+          </p:cNvPicPr>
+          <p:nvPr/>
+        </p:nvPicPr>
+        <p:blipFill>
+          <a:blip r:embed="rId10"/>
+          <a:stretch>
+            <a:fillRect/>
+          </a:stretch>
+        </p:blipFill>
+        <p:spPr>
+          <a:xfrm>
+            <a:off x="7533988" y="4858697"/>
+            <a:ext cx="4154039" cy="536005"/>
+          </a:xfrm>
+          <a:prstGeom prst="rect">
+            <a:avLst/>
+          </a:prstGeom>
+        </p:spPr>
+      </p:pic>
+      <p:pic>
+        <p:nvPicPr>
+          <p:cNvPr id="10" name="Picture 9">
+            <a:extLst>
+              <a:ext uri="{FF2B5EF4-FFF2-40B4-BE49-F238E27FC236}">
+                <a16:creationId xmlns:a16="http://schemas.microsoft.com/office/drawing/2014/main" id="{52E56292-8EAD-45A5-A5ED-83DBCDA975EC}"/>
+              </a:ext>
+            </a:extLst>
+          </p:cNvPr>
+          <p:cNvPicPr>
+            <a:picLocks noChangeAspect="1"/>
+          </p:cNvPicPr>
+          <p:nvPr/>
+        </p:nvPicPr>
+        <p:blipFill>
+          <a:blip r:embed="rId11"/>
+          <a:stretch>
+            <a:fillRect/>
+          </a:stretch>
+        </p:blipFill>
+        <p:spPr>
+          <a:xfrm>
+            <a:off x="9352872" y="5603317"/>
+            <a:ext cx="2247900" cy="476250"/>
+          </a:xfrm>
+          <a:prstGeom prst="rect">
+            <a:avLst/>
+          </a:prstGeom>
+        </p:spPr>
+      </p:pic>
+      <p:pic>
+        <p:nvPicPr>
+          <p:cNvPr id="11" name="Picture 10">
+            <a:extLst>
+              <a:ext uri="{FF2B5EF4-FFF2-40B4-BE49-F238E27FC236}">
+                <a16:creationId xmlns:a16="http://schemas.microsoft.com/office/drawing/2014/main" id="{176CB958-77F4-43D5-A264-EB83A1707D16}"/>
+              </a:ext>
+            </a:extLst>
+          </p:cNvPr>
+          <p:cNvPicPr>
+            <a:picLocks noChangeAspect="1"/>
+          </p:cNvPicPr>
+          <p:nvPr/>
+        </p:nvPicPr>
+        <p:blipFill>
+          <a:blip r:embed="rId12"/>
+          <a:stretch>
+            <a:fillRect/>
+          </a:stretch>
+        </p:blipFill>
+        <p:spPr>
+          <a:xfrm>
+            <a:off x="7142976" y="5394702"/>
+            <a:ext cx="2105025" cy="847725"/>
+          </a:xfrm>
+          <a:prstGeom prst="rect">
+            <a:avLst/>
+          </a:prstGeom>
+        </p:spPr>
+      </p:pic>
     </p:spTree>
     <p:extLst>
       <p:ext uri="{BB962C8B-B14F-4D97-AF65-F5344CB8AC3E}">
-        <p14:creationId xmlns:p14="http://schemas.microsoft.com/office/powerpoint/2010/main" val="1345874282"/>
+        <p14:creationId xmlns:p14="http://schemas.microsoft.com/office/powerpoint/2010/main" val="2681233579"/>
       </p:ext>
     </p:extLst>
   </p:cSld>
   <p:clrMapOvr>
     <a:masterClrMapping/>
   </p:clrMapOvr>
-  <p:timing>
-    <p:tnLst>
-      <p:par>
-        <p:cTn id="1" dur="indefinite" restart="never" nodeType="tmRoot"/>
-      </p:par>
-    </p:tnLst>
-  </p:timing>
 </p:sld>
 </file>
 
@@ -4862,16 +7537,15 @@
           <a:lstStyle/>
           <a:p>
             <a:r>
-              <a:rPr lang="en-US" dirty="0" smtClean="0"/>
-              <a:t>Phase 1:</a:t>
-            </a:r>
-            <a:endParaRPr lang="en-US" dirty="0"/>
-          </a:p>
-        </p:txBody>
-      </p:sp>
-      <p:sp>
-        <p:nvSpPr>
-          <p:cNvPr id="4" name="Content Placeholder 3"/>
+              <a:rPr lang="en-US" dirty="0"/>
+              <a:t>Literature Review</a:t>
+            </a:r>
+          </a:p>
+        </p:txBody>
+      </p:sp>
+      <p:sp>
+        <p:nvSpPr>
+          <p:cNvPr id="3" name="Content Placeholder 2"/>
           <p:cNvSpPr>
             <a:spLocks noGrp="1"/>
           </p:cNvSpPr>
@@ -4879,659 +7553,25 @@
             <p:ph idx="1"/>
           </p:nvPr>
         </p:nvSpPr>
-        <p:spPr>
-          <a:xfrm>
-            <a:off x="838200" y="1825625"/>
-            <a:ext cx="2674434" cy="4351338"/>
-          </a:xfrm>
-        </p:spPr>
+        <p:spPr/>
         <p:txBody>
           <a:bodyPr/>
           <a:lstStyle/>
           <a:p>
-            <a:pPr marL="0" indent="0">
-              <a:buNone/>
-            </a:pPr>
-            <a:r>
-              <a:rPr lang="en-US" dirty="0" smtClean="0"/>
-              <a:t>Goal: </a:t>
-            </a:r>
-          </a:p>
-          <a:p>
-            <a:endParaRPr lang="en-US" dirty="0" smtClean="0"/>
-          </a:p>
-          <a:p>
-            <a:pPr marL="0" indent="0">
-              <a:buNone/>
-            </a:pPr>
-            <a:endParaRPr lang="en-US" dirty="0"/>
-          </a:p>
-          <a:p>
-            <a:pPr marL="0" indent="0">
-              <a:buNone/>
-            </a:pPr>
-            <a:r>
-              <a:rPr lang="en-US" dirty="0" smtClean="0"/>
-              <a:t>Objective:</a:t>
-            </a:r>
-          </a:p>
-          <a:p>
-            <a:endParaRPr lang="en-US" dirty="0"/>
-          </a:p>
-          <a:p>
-            <a:pPr marL="0" indent="0">
-              <a:buNone/>
-            </a:pPr>
-            <a:endParaRPr lang="en-US" dirty="0" smtClean="0"/>
-          </a:p>
-          <a:p>
-            <a:pPr marL="0" indent="0">
-              <a:buNone/>
-            </a:pPr>
-            <a:endParaRPr lang="en-US" dirty="0" smtClean="0"/>
-          </a:p>
-          <a:p>
-            <a:pPr marL="0" indent="0">
-              <a:buNone/>
-            </a:pPr>
-            <a:r>
-              <a:rPr lang="en-US" dirty="0" smtClean="0"/>
-              <a:t>Tasks:</a:t>
-            </a:r>
-            <a:endParaRPr lang="en-US" dirty="0"/>
-          </a:p>
-        </p:txBody>
-      </p:sp>
-      <p:sp>
-        <p:nvSpPr>
-          <p:cNvPr id="5" name="Content Placeholder 3"/>
-          <p:cNvSpPr txBox="1">
-            <a:spLocks/>
-          </p:cNvSpPr>
-          <p:nvPr/>
-        </p:nvSpPr>
-        <p:spPr>
-          <a:xfrm>
-            <a:off x="3323063" y="1791047"/>
-            <a:ext cx="8027020" cy="1325563"/>
-          </a:xfrm>
-          <a:prstGeom prst="rect">
-            <a:avLst/>
-          </a:prstGeom>
-        </p:spPr>
-        <p:txBody>
-          <a:bodyPr vert="horz" lIns="91440" tIns="45720" rIns="91440" bIns="45720" rtlCol="0">
-            <a:normAutofit lnSpcReduction="10000"/>
-          </a:bodyPr>
-          <a:lstStyle>
-            <a:lvl1pPr marL="228600" indent="-228600" algn="l" defTabSz="914400" rtl="0" eaLnBrk="1" latinLnBrk="0" hangingPunct="1">
-              <a:lnSpc>
-                <a:spcPct val="90000"/>
-              </a:lnSpc>
-              <a:spcBef>
-                <a:spcPts val="1000"/>
-              </a:spcBef>
-              <a:buFont typeface="Arial" panose="020B0604020202020204" pitchFamily="34" charset="0"/>
-              <a:buChar char="•"/>
-              <a:defRPr sz="2800" kern="1200">
-                <a:solidFill>
-                  <a:schemeClr val="tx1"/>
-                </a:solidFill>
-                <a:latin typeface="+mn-lt"/>
-                <a:ea typeface="+mn-ea"/>
-                <a:cs typeface="+mn-cs"/>
-              </a:defRPr>
-            </a:lvl1pPr>
-            <a:lvl2pPr marL="685800" indent="-228600" algn="l" defTabSz="914400" rtl="0" eaLnBrk="1" latinLnBrk="0" hangingPunct="1">
-              <a:lnSpc>
-                <a:spcPct val="90000"/>
-              </a:lnSpc>
-              <a:spcBef>
-                <a:spcPts val="500"/>
-              </a:spcBef>
-              <a:buFont typeface="Arial" panose="020B0604020202020204" pitchFamily="34" charset="0"/>
-              <a:buChar char="•"/>
-              <a:defRPr sz="2400" kern="1200">
-                <a:solidFill>
-                  <a:schemeClr val="tx1"/>
-                </a:solidFill>
-                <a:latin typeface="+mn-lt"/>
-                <a:ea typeface="+mn-ea"/>
-                <a:cs typeface="+mn-cs"/>
-              </a:defRPr>
-            </a:lvl2pPr>
-            <a:lvl3pPr marL="1143000" indent="-228600" algn="l" defTabSz="914400" rtl="0" eaLnBrk="1" latinLnBrk="0" hangingPunct="1">
-              <a:lnSpc>
-                <a:spcPct val="90000"/>
-              </a:lnSpc>
-              <a:spcBef>
-                <a:spcPts val="500"/>
-              </a:spcBef>
-              <a:buFont typeface="Arial" panose="020B0604020202020204" pitchFamily="34" charset="0"/>
-              <a:buChar char="•"/>
-              <a:defRPr sz="2000" kern="1200">
-                <a:solidFill>
-                  <a:schemeClr val="tx1"/>
-                </a:solidFill>
-                <a:latin typeface="+mn-lt"/>
-                <a:ea typeface="+mn-ea"/>
-                <a:cs typeface="+mn-cs"/>
-              </a:defRPr>
-            </a:lvl3pPr>
-            <a:lvl4pPr marL="1600200" indent="-228600" algn="l" defTabSz="914400" rtl="0" eaLnBrk="1" latinLnBrk="0" hangingPunct="1">
-              <a:lnSpc>
-                <a:spcPct val="90000"/>
-              </a:lnSpc>
-              <a:spcBef>
-                <a:spcPts val="500"/>
-              </a:spcBef>
-              <a:buFont typeface="Arial" panose="020B0604020202020204" pitchFamily="34" charset="0"/>
-              <a:buChar char="•"/>
-              <a:defRPr sz="1800" kern="1200">
-                <a:solidFill>
-                  <a:schemeClr val="tx1"/>
-                </a:solidFill>
-                <a:latin typeface="+mn-lt"/>
-                <a:ea typeface="+mn-ea"/>
-                <a:cs typeface="+mn-cs"/>
-              </a:defRPr>
-            </a:lvl4pPr>
-            <a:lvl5pPr marL="2057400" indent="-228600" algn="l" defTabSz="914400" rtl="0" eaLnBrk="1" latinLnBrk="0" hangingPunct="1">
-              <a:lnSpc>
-                <a:spcPct val="90000"/>
-              </a:lnSpc>
-              <a:spcBef>
-                <a:spcPts val="500"/>
-              </a:spcBef>
-              <a:buFont typeface="Arial" panose="020B0604020202020204" pitchFamily="34" charset="0"/>
-              <a:buChar char="•"/>
-              <a:defRPr sz="1800" kern="1200">
-                <a:solidFill>
-                  <a:schemeClr val="tx1"/>
-                </a:solidFill>
-                <a:latin typeface="+mn-lt"/>
-                <a:ea typeface="+mn-ea"/>
-                <a:cs typeface="+mn-cs"/>
-              </a:defRPr>
-            </a:lvl5pPr>
-            <a:lvl6pPr marL="2514600" indent="-228600" algn="l" defTabSz="914400" rtl="0" eaLnBrk="1" latinLnBrk="0" hangingPunct="1">
-              <a:lnSpc>
-                <a:spcPct val="90000"/>
-              </a:lnSpc>
-              <a:spcBef>
-                <a:spcPts val="500"/>
-              </a:spcBef>
-              <a:buFont typeface="Arial" panose="020B0604020202020204" pitchFamily="34" charset="0"/>
-              <a:buChar char="•"/>
-              <a:defRPr sz="1800" kern="1200">
-                <a:solidFill>
-                  <a:schemeClr val="tx1"/>
-                </a:solidFill>
-                <a:latin typeface="+mn-lt"/>
-                <a:ea typeface="+mn-ea"/>
-                <a:cs typeface="+mn-cs"/>
-              </a:defRPr>
-            </a:lvl6pPr>
-            <a:lvl7pPr marL="2971800" indent="-228600" algn="l" defTabSz="914400" rtl="0" eaLnBrk="1" latinLnBrk="0" hangingPunct="1">
-              <a:lnSpc>
-                <a:spcPct val="90000"/>
-              </a:lnSpc>
-              <a:spcBef>
-                <a:spcPts val="500"/>
-              </a:spcBef>
-              <a:buFont typeface="Arial" panose="020B0604020202020204" pitchFamily="34" charset="0"/>
-              <a:buChar char="•"/>
-              <a:defRPr sz="1800" kern="1200">
-                <a:solidFill>
-                  <a:schemeClr val="tx1"/>
-                </a:solidFill>
-                <a:latin typeface="+mn-lt"/>
-                <a:ea typeface="+mn-ea"/>
-                <a:cs typeface="+mn-cs"/>
-              </a:defRPr>
-            </a:lvl7pPr>
-            <a:lvl8pPr marL="3429000" indent="-228600" algn="l" defTabSz="914400" rtl="0" eaLnBrk="1" latinLnBrk="0" hangingPunct="1">
-              <a:lnSpc>
-                <a:spcPct val="90000"/>
-              </a:lnSpc>
-              <a:spcBef>
-                <a:spcPts val="500"/>
-              </a:spcBef>
-              <a:buFont typeface="Arial" panose="020B0604020202020204" pitchFamily="34" charset="0"/>
-              <a:buChar char="•"/>
-              <a:defRPr sz="1800" kern="1200">
-                <a:solidFill>
-                  <a:schemeClr val="tx1"/>
-                </a:solidFill>
-                <a:latin typeface="+mn-lt"/>
-                <a:ea typeface="+mn-ea"/>
-                <a:cs typeface="+mn-cs"/>
-              </a:defRPr>
-            </a:lvl8pPr>
-            <a:lvl9pPr marL="3886200" indent="-228600" algn="l" defTabSz="914400" rtl="0" eaLnBrk="1" latinLnBrk="0" hangingPunct="1">
-              <a:lnSpc>
-                <a:spcPct val="90000"/>
-              </a:lnSpc>
-              <a:spcBef>
-                <a:spcPts val="500"/>
-              </a:spcBef>
-              <a:buFont typeface="Arial" panose="020B0604020202020204" pitchFamily="34" charset="0"/>
-              <a:buChar char="•"/>
-              <a:defRPr sz="1800" kern="1200">
-                <a:solidFill>
-                  <a:schemeClr val="tx1"/>
-                </a:solidFill>
-                <a:latin typeface="+mn-lt"/>
-                <a:ea typeface="+mn-ea"/>
-                <a:cs typeface="+mn-cs"/>
-              </a:defRPr>
-            </a:lvl9pPr>
-          </a:lstStyle>
-          <a:p>
-            <a:pPr marL="0" indent="0" algn="just">
-              <a:buNone/>
-            </a:pPr>
-            <a:r>
-              <a:rPr lang="en-US" dirty="0" smtClean="0"/>
-              <a:t>Demonstrate gradient vector field singularities for circular obstacles</a:t>
-            </a:r>
-          </a:p>
-          <a:p>
-            <a:pPr marL="0" indent="0">
-              <a:buNone/>
-            </a:pPr>
-            <a:r>
-              <a:rPr lang="en-US" dirty="0" smtClean="0"/>
-              <a:t> </a:t>
-            </a:r>
-            <a:endParaRPr lang="en-US" dirty="0"/>
-          </a:p>
-        </p:txBody>
-      </p:sp>
-      <p:sp>
-        <p:nvSpPr>
-          <p:cNvPr id="6" name="Content Placeholder 3"/>
-          <p:cNvSpPr txBox="1">
-            <a:spLocks/>
-          </p:cNvSpPr>
-          <p:nvPr/>
-        </p:nvSpPr>
-        <p:spPr>
-          <a:xfrm>
-            <a:off x="4757857" y="3214685"/>
-            <a:ext cx="5107259" cy="1089686"/>
-          </a:xfrm>
-          <a:prstGeom prst="rect">
-            <a:avLst/>
-          </a:prstGeom>
-        </p:spPr>
-        <p:txBody>
-          <a:bodyPr vert="horz" lIns="91440" tIns="45720" rIns="91440" bIns="45720" rtlCol="0">
-            <a:normAutofit/>
-          </a:bodyPr>
-          <a:lstStyle>
-            <a:lvl1pPr marL="228600" indent="-228600" algn="l" defTabSz="914400" rtl="0" eaLnBrk="1" latinLnBrk="0" hangingPunct="1">
-              <a:lnSpc>
-                <a:spcPct val="90000"/>
-              </a:lnSpc>
-              <a:spcBef>
-                <a:spcPts val="1000"/>
-              </a:spcBef>
-              <a:buFont typeface="Arial" panose="020B0604020202020204" pitchFamily="34" charset="0"/>
-              <a:buChar char="•"/>
-              <a:defRPr sz="2800" kern="1200">
-                <a:solidFill>
-                  <a:schemeClr val="tx1"/>
-                </a:solidFill>
-                <a:latin typeface="+mn-lt"/>
-                <a:ea typeface="+mn-ea"/>
-                <a:cs typeface="+mn-cs"/>
-              </a:defRPr>
-            </a:lvl1pPr>
-            <a:lvl2pPr marL="685800" indent="-228600" algn="l" defTabSz="914400" rtl="0" eaLnBrk="1" latinLnBrk="0" hangingPunct="1">
-              <a:lnSpc>
-                <a:spcPct val="90000"/>
-              </a:lnSpc>
-              <a:spcBef>
-                <a:spcPts val="500"/>
-              </a:spcBef>
-              <a:buFont typeface="Arial" panose="020B0604020202020204" pitchFamily="34" charset="0"/>
-              <a:buChar char="•"/>
-              <a:defRPr sz="2400" kern="1200">
-                <a:solidFill>
-                  <a:schemeClr val="tx1"/>
-                </a:solidFill>
-                <a:latin typeface="+mn-lt"/>
-                <a:ea typeface="+mn-ea"/>
-                <a:cs typeface="+mn-cs"/>
-              </a:defRPr>
-            </a:lvl2pPr>
-            <a:lvl3pPr marL="1143000" indent="-228600" algn="l" defTabSz="914400" rtl="0" eaLnBrk="1" latinLnBrk="0" hangingPunct="1">
-              <a:lnSpc>
-                <a:spcPct val="90000"/>
-              </a:lnSpc>
-              <a:spcBef>
-                <a:spcPts val="500"/>
-              </a:spcBef>
-              <a:buFont typeface="Arial" panose="020B0604020202020204" pitchFamily="34" charset="0"/>
-              <a:buChar char="•"/>
-              <a:defRPr sz="2000" kern="1200">
-                <a:solidFill>
-                  <a:schemeClr val="tx1"/>
-                </a:solidFill>
-                <a:latin typeface="+mn-lt"/>
-                <a:ea typeface="+mn-ea"/>
-                <a:cs typeface="+mn-cs"/>
-              </a:defRPr>
-            </a:lvl3pPr>
-            <a:lvl4pPr marL="1600200" indent="-228600" algn="l" defTabSz="914400" rtl="0" eaLnBrk="1" latinLnBrk="0" hangingPunct="1">
-              <a:lnSpc>
-                <a:spcPct val="90000"/>
-              </a:lnSpc>
-              <a:spcBef>
-                <a:spcPts val="500"/>
-              </a:spcBef>
-              <a:buFont typeface="Arial" panose="020B0604020202020204" pitchFamily="34" charset="0"/>
-              <a:buChar char="•"/>
-              <a:defRPr sz="1800" kern="1200">
-                <a:solidFill>
-                  <a:schemeClr val="tx1"/>
-                </a:solidFill>
-                <a:latin typeface="+mn-lt"/>
-                <a:ea typeface="+mn-ea"/>
-                <a:cs typeface="+mn-cs"/>
-              </a:defRPr>
-            </a:lvl4pPr>
-            <a:lvl5pPr marL="2057400" indent="-228600" algn="l" defTabSz="914400" rtl="0" eaLnBrk="1" latinLnBrk="0" hangingPunct="1">
-              <a:lnSpc>
-                <a:spcPct val="90000"/>
-              </a:lnSpc>
-              <a:spcBef>
-                <a:spcPts val="500"/>
-              </a:spcBef>
-              <a:buFont typeface="Arial" panose="020B0604020202020204" pitchFamily="34" charset="0"/>
-              <a:buChar char="•"/>
-              <a:defRPr sz="1800" kern="1200">
-                <a:solidFill>
-                  <a:schemeClr val="tx1"/>
-                </a:solidFill>
-                <a:latin typeface="+mn-lt"/>
-                <a:ea typeface="+mn-ea"/>
-                <a:cs typeface="+mn-cs"/>
-              </a:defRPr>
-            </a:lvl5pPr>
-            <a:lvl6pPr marL="2514600" indent="-228600" algn="l" defTabSz="914400" rtl="0" eaLnBrk="1" latinLnBrk="0" hangingPunct="1">
-              <a:lnSpc>
-                <a:spcPct val="90000"/>
-              </a:lnSpc>
-              <a:spcBef>
-                <a:spcPts val="500"/>
-              </a:spcBef>
-              <a:buFont typeface="Arial" panose="020B0604020202020204" pitchFamily="34" charset="0"/>
-              <a:buChar char="•"/>
-              <a:defRPr sz="1800" kern="1200">
-                <a:solidFill>
-                  <a:schemeClr val="tx1"/>
-                </a:solidFill>
-                <a:latin typeface="+mn-lt"/>
-                <a:ea typeface="+mn-ea"/>
-                <a:cs typeface="+mn-cs"/>
-              </a:defRPr>
-            </a:lvl6pPr>
-            <a:lvl7pPr marL="2971800" indent="-228600" algn="l" defTabSz="914400" rtl="0" eaLnBrk="1" latinLnBrk="0" hangingPunct="1">
-              <a:lnSpc>
-                <a:spcPct val="90000"/>
-              </a:lnSpc>
-              <a:spcBef>
-                <a:spcPts val="500"/>
-              </a:spcBef>
-              <a:buFont typeface="Arial" panose="020B0604020202020204" pitchFamily="34" charset="0"/>
-              <a:buChar char="•"/>
-              <a:defRPr sz="1800" kern="1200">
-                <a:solidFill>
-                  <a:schemeClr val="tx1"/>
-                </a:solidFill>
-                <a:latin typeface="+mn-lt"/>
-                <a:ea typeface="+mn-ea"/>
-                <a:cs typeface="+mn-cs"/>
-              </a:defRPr>
-            </a:lvl7pPr>
-            <a:lvl8pPr marL="3429000" indent="-228600" algn="l" defTabSz="914400" rtl="0" eaLnBrk="1" latinLnBrk="0" hangingPunct="1">
-              <a:lnSpc>
-                <a:spcPct val="90000"/>
-              </a:lnSpc>
-              <a:spcBef>
-                <a:spcPts val="500"/>
-              </a:spcBef>
-              <a:buFont typeface="Arial" panose="020B0604020202020204" pitchFamily="34" charset="0"/>
-              <a:buChar char="•"/>
-              <a:defRPr sz="1800" kern="1200">
-                <a:solidFill>
-                  <a:schemeClr val="tx1"/>
-                </a:solidFill>
-                <a:latin typeface="+mn-lt"/>
-                <a:ea typeface="+mn-ea"/>
-                <a:cs typeface="+mn-cs"/>
-              </a:defRPr>
-            </a:lvl8pPr>
-            <a:lvl9pPr marL="3886200" indent="-228600" algn="l" defTabSz="914400" rtl="0" eaLnBrk="1" latinLnBrk="0" hangingPunct="1">
-              <a:lnSpc>
-                <a:spcPct val="90000"/>
-              </a:lnSpc>
-              <a:spcBef>
-                <a:spcPts val="500"/>
-              </a:spcBef>
-              <a:buFont typeface="Arial" panose="020B0604020202020204" pitchFamily="34" charset="0"/>
-              <a:buChar char="•"/>
-              <a:defRPr sz="1800" kern="1200">
-                <a:solidFill>
-                  <a:schemeClr val="tx1"/>
-                </a:solidFill>
-                <a:latin typeface="+mn-lt"/>
-                <a:ea typeface="+mn-ea"/>
-                <a:cs typeface="+mn-cs"/>
-              </a:defRPr>
-            </a:lvl9pPr>
-          </a:lstStyle>
-          <a:p>
-            <a:pPr marL="0" indent="0">
-              <a:buNone/>
-            </a:pPr>
-            <a:r>
-              <a:rPr lang="en-US" dirty="0" smtClean="0"/>
-              <a:t> </a:t>
-            </a:r>
-            <a:endParaRPr lang="en-US" dirty="0"/>
-          </a:p>
-        </p:txBody>
-      </p:sp>
-      <p:sp>
-        <p:nvSpPr>
-          <p:cNvPr id="7" name="Rectangle 6"/>
-          <p:cNvSpPr/>
-          <p:nvPr/>
-        </p:nvSpPr>
-        <p:spPr>
-          <a:xfrm>
-            <a:off x="3222702" y="3105459"/>
-            <a:ext cx="8127380" cy="1255728"/>
-          </a:xfrm>
-          <a:prstGeom prst="rect">
-            <a:avLst/>
-          </a:prstGeom>
-        </p:spPr>
-        <p:txBody>
-          <a:bodyPr wrap="square">
-            <a:spAutoFit/>
-          </a:bodyPr>
-          <a:lstStyle/>
-          <a:p>
-            <a:pPr lvl="0" algn="just">
-              <a:lnSpc>
-                <a:spcPct val="90000"/>
-              </a:lnSpc>
-              <a:spcBef>
-                <a:spcPts val="1000"/>
-              </a:spcBef>
-            </a:pPr>
-            <a:r>
-              <a:rPr lang="en-US" sz="2800" dirty="0">
-                <a:solidFill>
-                  <a:prstClr val="black"/>
-                </a:solidFill>
-              </a:rPr>
-              <a:t>Identify specific set of conditions that yields </a:t>
-            </a:r>
-            <a:r>
-              <a:rPr lang="en-US" sz="2800" dirty="0" smtClean="0">
-                <a:solidFill>
-                  <a:prstClr val="black"/>
-                </a:solidFill>
-              </a:rPr>
-              <a:t>guidance </a:t>
-            </a:r>
-            <a:r>
-              <a:rPr lang="en-US" sz="2800" dirty="0">
-                <a:solidFill>
-                  <a:prstClr val="black"/>
-                </a:solidFill>
-              </a:rPr>
-              <a:t>singularity </a:t>
-            </a:r>
-            <a:r>
-              <a:rPr lang="en-US" sz="2800" dirty="0" smtClean="0">
-                <a:solidFill>
-                  <a:prstClr val="black"/>
-                </a:solidFill>
-              </a:rPr>
-              <a:t>when summing </a:t>
-            </a:r>
-            <a:r>
-              <a:rPr lang="en-US" sz="2800" dirty="0">
-                <a:solidFill>
-                  <a:prstClr val="black"/>
-                </a:solidFill>
-              </a:rPr>
-              <a:t>attractive and </a:t>
-            </a:r>
-            <a:r>
-              <a:rPr lang="en-US" sz="2800" dirty="0" smtClean="0">
-                <a:solidFill>
-                  <a:prstClr val="black"/>
-                </a:solidFill>
-              </a:rPr>
-              <a:t>repulsive </a:t>
-            </a:r>
-            <a:r>
-              <a:rPr lang="en-US" sz="2800" dirty="0">
-                <a:solidFill>
-                  <a:prstClr val="black"/>
-                </a:solidFill>
-              </a:rPr>
-              <a:t>GVFs</a:t>
-            </a:r>
-          </a:p>
-        </p:txBody>
-      </p:sp>
-      <p:sp>
-        <p:nvSpPr>
-          <p:cNvPr id="8" name="Rectangle 7"/>
-          <p:cNvSpPr/>
-          <p:nvPr/>
-        </p:nvSpPr>
-        <p:spPr>
-          <a:xfrm>
-            <a:off x="3222702" y="4934637"/>
-            <a:ext cx="8127381" cy="1512209"/>
-          </a:xfrm>
-          <a:prstGeom prst="rect">
-            <a:avLst/>
-          </a:prstGeom>
-        </p:spPr>
-        <p:txBody>
-          <a:bodyPr wrap="square">
-            <a:spAutoFit/>
-          </a:bodyPr>
-          <a:lstStyle/>
-          <a:p>
-            <a:pPr marL="514350" lvl="0" indent="-514350" algn="just">
-              <a:lnSpc>
-                <a:spcPct val="90000"/>
-              </a:lnSpc>
-              <a:spcBef>
-                <a:spcPts val="1000"/>
-              </a:spcBef>
-              <a:buFont typeface="+mj-lt"/>
-              <a:buAutoNum type="arabicPeriod"/>
-            </a:pPr>
-            <a:r>
-              <a:rPr lang="en-US" sz="2800" dirty="0" smtClean="0">
-                <a:solidFill>
-                  <a:prstClr val="black"/>
-                </a:solidFill>
-              </a:rPr>
-              <a:t>Build GVF simulation environment</a:t>
-            </a:r>
-          </a:p>
-          <a:p>
-            <a:pPr marL="514350" lvl="0" indent="-514350" algn="just">
-              <a:lnSpc>
-                <a:spcPct val="90000"/>
-              </a:lnSpc>
-              <a:spcBef>
-                <a:spcPts val="1000"/>
-              </a:spcBef>
-              <a:buFont typeface="+mj-lt"/>
-              <a:buAutoNum type="arabicPeriod"/>
-            </a:pPr>
-            <a:r>
-              <a:rPr lang="en-US" sz="2800" dirty="0" smtClean="0">
-                <a:solidFill>
-                  <a:prstClr val="black"/>
-                </a:solidFill>
-              </a:rPr>
-              <a:t>Evaluate scenarios where singularities are expected</a:t>
-            </a:r>
-          </a:p>
-          <a:p>
-            <a:pPr marL="514350" lvl="0" indent="-514350" algn="just">
-              <a:lnSpc>
-                <a:spcPct val="90000"/>
-              </a:lnSpc>
-              <a:spcBef>
-                <a:spcPts val="1000"/>
-              </a:spcBef>
-              <a:buFont typeface="+mj-lt"/>
-              <a:buAutoNum type="arabicPeriod"/>
-            </a:pPr>
-            <a:r>
-              <a:rPr lang="en-US" sz="2800" dirty="0" smtClean="0">
-                <a:solidFill>
-                  <a:prstClr val="black"/>
-                </a:solidFill>
-              </a:rPr>
-              <a:t>Characterize location of singularities</a:t>
-            </a:r>
+            <a:endParaRPr lang="en-US"/>
           </a:p>
         </p:txBody>
       </p:sp>
     </p:spTree>
     <p:extLst>
       <p:ext uri="{BB962C8B-B14F-4D97-AF65-F5344CB8AC3E}">
-        <p14:creationId xmlns:p14="http://schemas.microsoft.com/office/powerpoint/2010/main" val="576407119"/>
+        <p14:creationId xmlns:p14="http://schemas.microsoft.com/office/powerpoint/2010/main" val="1345874282"/>
       </p:ext>
     </p:extLst>
   </p:cSld>
   <p:clrMapOvr>
     <a:masterClrMapping/>
   </p:clrMapOvr>
-  <p:timing>
-    <p:tnLst>
-      <p:par>
-        <p:cTn id="1" dur="indefinite" restart="never" nodeType="tmRoot"/>
-      </p:par>
-    </p:tnLst>
-  </p:timing>
 </p:sld>
 </file>
 
@@ -5568,10 +7608,9 @@
           <a:lstStyle/>
           <a:p>
             <a:r>
-              <a:rPr lang="en-US" dirty="0" smtClean="0"/>
-              <a:t>Phase 2:</a:t>
-            </a:r>
-            <a:endParaRPr lang="en-US" dirty="0"/>
+              <a:rPr lang="en-US" dirty="0"/>
+              <a:t>Phase 1:</a:t>
+            </a:r>
           </a:p>
         </p:txBody>
       </p:sp>
@@ -5599,12 +7638,12 @@
               <a:buNone/>
             </a:pPr>
             <a:r>
-              <a:rPr lang="en-US" dirty="0" smtClean="0"/>
+              <a:rPr lang="en-US" dirty="0"/>
               <a:t>Goal: </a:t>
             </a:r>
           </a:p>
           <a:p>
-            <a:endParaRPr lang="en-US" dirty="0" smtClean="0"/>
+            <a:endParaRPr lang="en-US" dirty="0"/>
           </a:p>
           <a:p>
             <a:pPr marL="0" indent="0">
@@ -5617,7 +7656,7 @@
               <a:buNone/>
             </a:pPr>
             <a:r>
-              <a:rPr lang="en-US" dirty="0" smtClean="0"/>
+              <a:rPr lang="en-US" dirty="0"/>
               <a:t>Objective:</a:t>
             </a:r>
           </a:p>
@@ -5628,23 +7667,22 @@
             <a:pPr marL="0" indent="0">
               <a:buNone/>
             </a:pPr>
-            <a:endParaRPr lang="en-US" dirty="0" smtClean="0"/>
+            <a:endParaRPr lang="en-US" dirty="0"/>
           </a:p>
           <a:p>
             <a:pPr marL="0" indent="0">
               <a:buNone/>
             </a:pPr>
-            <a:endParaRPr lang="en-US" dirty="0" smtClean="0"/>
+            <a:endParaRPr lang="en-US" dirty="0"/>
           </a:p>
           <a:p>
             <a:pPr marL="0" indent="0">
               <a:buNone/>
             </a:pPr>
             <a:r>
-              <a:rPr lang="en-US" dirty="0" smtClean="0"/>
+              <a:rPr lang="en-US" dirty="0"/>
               <a:t>Tasks:</a:t>
             </a:r>
-            <a:endParaRPr lang="en-US" dirty="0"/>
           </a:p>
         </p:txBody>
       </p:sp>
@@ -5834,23 +7872,22 @@
             </a:lvl9pPr>
           </a:lstStyle>
           <a:p>
+            <a:pPr marL="0" indent="0" algn="just">
+              <a:buNone/>
+            </a:pPr>
+            <a:r>
+              <a:rPr lang="en-US" dirty="0"/>
+              <a:t>Demonstrate gradient vector field singularities for circular obstacles</a:t>
+            </a:r>
+          </a:p>
+          <a:p>
             <a:pPr marL="0" indent="0">
               <a:buNone/>
             </a:pPr>
             <a:r>
-              <a:rPr lang="en-US" dirty="0" smtClean="0"/>
-              <a:t>Determine GVF weighting functions that improve obstacle avoidance</a:t>
-            </a:r>
-          </a:p>
-          <a:p>
-            <a:pPr marL="0" indent="0">
-              <a:buNone/>
-            </a:pPr>
-            <a:r>
-              <a:rPr lang="en-US" dirty="0" smtClean="0"/>
+              <a:rPr lang="en-US" dirty="0"/>
               <a:t> </a:t>
             </a:r>
-            <a:endParaRPr lang="en-US" dirty="0"/>
           </a:p>
         </p:txBody>
       </p:sp>
@@ -6044,10 +8081,9 @@
               <a:buNone/>
             </a:pPr>
             <a:r>
-              <a:rPr lang="en-US" dirty="0" smtClean="0"/>
+              <a:rPr lang="en-US" dirty="0"/>
               <a:t> </a:t>
             </a:r>
-            <a:endParaRPr lang="en-US" dirty="0"/>
           </a:p>
         </p:txBody>
       </p:sp>
@@ -6060,7 +8096,7 @@
         <p:spPr>
           <a:xfrm>
             <a:off x="3222702" y="3105459"/>
-            <a:ext cx="8127380" cy="867930"/>
+            <a:ext cx="8127380" cy="1255728"/>
           </a:xfrm>
           <a:prstGeom prst="rect">
             <a:avLst/>
@@ -6081,18 +8117,13 @@
               </a:spcBef>
             </a:pPr>
             <a:r>
-              <a:rPr lang="en-US" sz="2800" dirty="0" smtClean="0">
+              <a:rPr lang="en-US" sz="2800" dirty="0">
                 <a:solidFill>
                   <a:prstClr val="black"/>
                 </a:solidFill>
               </a:rPr>
-              <a:t>Investigate weighting functions dependent on UAV state </a:t>
-            </a:r>
-            <a:endParaRPr lang="en-US" sz="2800" dirty="0">
-              <a:solidFill>
-                <a:prstClr val="black"/>
-              </a:solidFill>
-            </a:endParaRPr>
+              <a:t>Identify specific set of conditions that yields guidance singularity when summing attractive and repulsive GVFs</a:t>
+            </a:r>
           </a:p>
         </p:txBody>
       </p:sp>
@@ -6105,7 +8136,7 @@
         <p:spPr>
           <a:xfrm>
             <a:off x="3222702" y="4934637"/>
-            <a:ext cx="8127381" cy="1771767"/>
+            <a:ext cx="8127381" cy="1512209"/>
           </a:xfrm>
           <a:prstGeom prst="rect">
             <a:avLst/>
@@ -6128,18 +8159,13 @@
               <a:buAutoNum type="arabicPeriod"/>
             </a:pPr>
             <a:r>
-              <a:rPr lang="en-US" sz="2800" dirty="0" smtClean="0">
+              <a:rPr lang="en-US" sz="2800" dirty="0">
                 <a:solidFill>
                   <a:prstClr val="black"/>
                 </a:solidFill>
               </a:rPr>
-              <a:t>Formulate circulation and convergence weights as functions of UAV state</a:t>
-            </a:r>
-            <a:endParaRPr lang="en-US" sz="2800" dirty="0" smtClean="0">
-              <a:solidFill>
-                <a:prstClr val="black"/>
-              </a:solidFill>
-            </a:endParaRPr>
+              <a:t>Build GVF simulation environment</a:t>
+            </a:r>
           </a:p>
           <a:p>
             <a:pPr marL="514350" lvl="0" indent="-514350" algn="just">
@@ -6153,25 +8179,40 @@
               <a:buAutoNum type="arabicPeriod"/>
             </a:pPr>
             <a:r>
-              <a:rPr lang="en-US" sz="2800" dirty="0" smtClean="0">
+              <a:rPr lang="en-US" sz="2800" dirty="0">
                 <a:solidFill>
                   <a:prstClr val="black"/>
                 </a:solidFill>
               </a:rPr>
-              <a:t>Determine combination of GVF weights that produces optimal guidance in simulation</a:t>
-            </a:r>
-            <a:endParaRPr lang="en-US" sz="2800" dirty="0" smtClean="0">
-              <a:solidFill>
-                <a:prstClr val="black"/>
-              </a:solidFill>
-            </a:endParaRPr>
+              <a:t>Evaluate scenarios where singularities are expected</a:t>
+            </a:r>
+          </a:p>
+          <a:p>
+            <a:pPr marL="514350" lvl="0" indent="-514350" algn="just">
+              <a:lnSpc>
+                <a:spcPct val="90000"/>
+              </a:lnSpc>
+              <a:spcBef>
+                <a:spcPts val="1000"/>
+              </a:spcBef>
+              <a:buFont typeface="+mj-lt"/>
+              <a:buAutoNum type="arabicPeriod"/>
+            </a:pPr>
+            <a:r>
+              <a:rPr lang="en-US" sz="2800" dirty="0">
+                <a:solidFill>
+                  <a:prstClr val="black"/>
+                </a:solidFill>
+              </a:rPr>
+              <a:t>Characterize location of singularities</a:t>
+            </a:r>
           </a:p>
         </p:txBody>
       </p:sp>
     </p:spTree>
     <p:extLst>
       <p:ext uri="{BB962C8B-B14F-4D97-AF65-F5344CB8AC3E}">
-        <p14:creationId xmlns:p14="http://schemas.microsoft.com/office/powerpoint/2010/main" val="2419705007"/>
+        <p14:creationId xmlns:p14="http://schemas.microsoft.com/office/powerpoint/2010/main" val="576407119"/>
       </p:ext>
     </p:extLst>
   </p:cSld>
@@ -6440,4 +8481,299 @@
     </a:ext>
   </a:extLst>
 </a:theme>
+</file>
+
+<file path=ppt/theme/theme2.xml><?xml version="1.0" encoding="utf-8"?>
+<a:theme xmlns:a="http://schemas.openxmlformats.org/drawingml/2006/main" name="Office Theme">
+  <a:themeElements>
+    <a:clrScheme name="Office">
+      <a:dk1>
+        <a:sysClr val="windowText" lastClr="000000"/>
+      </a:dk1>
+      <a:lt1>
+        <a:sysClr val="window" lastClr="FFFFFF"/>
+      </a:lt1>
+      <a:dk2>
+        <a:srgbClr val="44546A"/>
+      </a:dk2>
+      <a:lt2>
+        <a:srgbClr val="E7E6E6"/>
+      </a:lt2>
+      <a:accent1>
+        <a:srgbClr val="4472C4"/>
+      </a:accent1>
+      <a:accent2>
+        <a:srgbClr val="ED7D31"/>
+      </a:accent2>
+      <a:accent3>
+        <a:srgbClr val="A5A5A5"/>
+      </a:accent3>
+      <a:accent4>
+        <a:srgbClr val="FFC000"/>
+      </a:accent4>
+      <a:accent5>
+        <a:srgbClr val="5B9BD5"/>
+      </a:accent5>
+      <a:accent6>
+        <a:srgbClr val="70AD47"/>
+      </a:accent6>
+      <a:hlink>
+        <a:srgbClr val="0563C1"/>
+      </a:hlink>
+      <a:folHlink>
+        <a:srgbClr val="954F72"/>
+      </a:folHlink>
+    </a:clrScheme>
+    <a:fontScheme name="Office">
+      <a:majorFont>
+        <a:latin typeface="Calibri Light" panose="020F0302020204030204"/>
+        <a:ea typeface=""/>
+        <a:cs typeface=""/>
+        <a:font script="Jpan" typeface="游ゴシック Light"/>
+        <a:font script="Hang" typeface="맑은 고딕"/>
+        <a:font script="Hans" typeface="等线 Light"/>
+        <a:font script="Hant" typeface="新細明體"/>
+        <a:font script="Arab" typeface="Times New Roman"/>
+        <a:font script="Hebr" typeface="Times New Roman"/>
+        <a:font script="Thai" typeface="Angsana New"/>
+        <a:font script="Ethi" typeface="Nyala"/>
+        <a:font script="Beng" typeface="Vrinda"/>
+        <a:font script="Gujr" typeface="Shruti"/>
+        <a:font script="Khmr" typeface="MoolBoran"/>
+        <a:font script="Knda" typeface="Tunga"/>
+        <a:font script="Guru" typeface="Raavi"/>
+        <a:font script="Cans" typeface="Euphemia"/>
+        <a:font script="Cher" typeface="Plantagenet Cherokee"/>
+        <a:font script="Yiii" typeface="Microsoft Yi Baiti"/>
+        <a:font script="Tibt" typeface="Microsoft Himalaya"/>
+        <a:font script="Thaa" typeface="MV Boli"/>
+        <a:font script="Deva" typeface="Mangal"/>
+        <a:font script="Telu" typeface="Gautami"/>
+        <a:font script="Taml" typeface="Latha"/>
+        <a:font script="Syrc" typeface="Estrangelo Edessa"/>
+        <a:font script="Orya" typeface="Kalinga"/>
+        <a:font script="Mlym" typeface="Kartika"/>
+        <a:font script="Laoo" typeface="DokChampa"/>
+        <a:font script="Sinh" typeface="Iskoola Pota"/>
+        <a:font script="Mong" typeface="Mongolian Baiti"/>
+        <a:font script="Viet" typeface="Times New Roman"/>
+        <a:font script="Uigh" typeface="Microsoft Uighur"/>
+        <a:font script="Geor" typeface="Sylfaen"/>
+        <a:font script="Armn" typeface="Arial"/>
+        <a:font script="Bugi" typeface="Leelawadee UI"/>
+        <a:font script="Bopo" typeface="Microsoft JhengHei"/>
+        <a:font script="Java" typeface="Javanese Text"/>
+        <a:font script="Lisu" typeface="Segoe UI"/>
+        <a:font script="Mymr" typeface="Myanmar Text"/>
+        <a:font script="Nkoo" typeface="Ebrima"/>
+        <a:font script="Olck" typeface="Nirmala UI"/>
+        <a:font script="Osma" typeface="Ebrima"/>
+        <a:font script="Phag" typeface="Phagspa"/>
+        <a:font script="Syrn" typeface="Estrangelo Edessa"/>
+        <a:font script="Syrj" typeface="Estrangelo Edessa"/>
+        <a:font script="Syre" typeface="Estrangelo Edessa"/>
+        <a:font script="Sora" typeface="Nirmala UI"/>
+        <a:font script="Tale" typeface="Microsoft Tai Le"/>
+        <a:font script="Talu" typeface="Microsoft New Tai Lue"/>
+        <a:font script="Tfng" typeface="Ebrima"/>
+      </a:majorFont>
+      <a:minorFont>
+        <a:latin typeface="Calibri" panose="020F0502020204030204"/>
+        <a:ea typeface=""/>
+        <a:cs typeface=""/>
+        <a:font script="Jpan" typeface="游ゴシック"/>
+        <a:font script="Hang" typeface="맑은 고딕"/>
+        <a:font script="Hans" typeface="等线"/>
+        <a:font script="Hant" typeface="新細明體"/>
+        <a:font script="Arab" typeface="Arial"/>
+        <a:font script="Hebr" typeface="Arial"/>
+        <a:font script="Thai" typeface="Cordia New"/>
+        <a:font script="Ethi" typeface="Nyala"/>
+        <a:font script="Beng" typeface="Vrinda"/>
+        <a:font script="Gujr" typeface="Shruti"/>
+        <a:font script="Khmr" typeface="DaunPenh"/>
+        <a:font script="Knda" typeface="Tunga"/>
+        <a:font script="Guru" typeface="Raavi"/>
+        <a:font script="Cans" typeface="Euphemia"/>
+        <a:font script="Cher" typeface="Plantagenet Cherokee"/>
+        <a:font script="Yiii" typeface="Microsoft Yi Baiti"/>
+        <a:font script="Tibt" typeface="Microsoft Himalaya"/>
+        <a:font script="Thaa" typeface="MV Boli"/>
+        <a:font script="Deva" typeface="Mangal"/>
+        <a:font script="Telu" typeface="Gautami"/>
+        <a:font script="Taml" typeface="Latha"/>
+        <a:font script="Syrc" typeface="Estrangelo Edessa"/>
+        <a:font script="Orya" typeface="Kalinga"/>
+        <a:font script="Mlym" typeface="Kartika"/>
+        <a:font script="Laoo" typeface="DokChampa"/>
+        <a:font script="Sinh" typeface="Iskoola Pota"/>
+        <a:font script="Mong" typeface="Mongolian Baiti"/>
+        <a:font script="Viet" typeface="Arial"/>
+        <a:font script="Uigh" typeface="Microsoft Uighur"/>
+        <a:font script="Geor" typeface="Sylfaen"/>
+        <a:font script="Armn" typeface="Arial"/>
+        <a:font script="Bugi" typeface="Leelawadee UI"/>
+        <a:font script="Bopo" typeface="Microsoft JhengHei"/>
+        <a:font script="Java" typeface="Javanese Text"/>
+        <a:font script="Lisu" typeface="Segoe UI"/>
+        <a:font script="Mymr" typeface="Myanmar Text"/>
+        <a:font script="Nkoo" typeface="Ebrima"/>
+        <a:font script="Olck" typeface="Nirmala UI"/>
+        <a:font script="Osma" typeface="Ebrima"/>
+        <a:font script="Phag" typeface="Phagspa"/>
+        <a:font script="Syrn" typeface="Estrangelo Edessa"/>
+        <a:font script="Syrj" typeface="Estrangelo Edessa"/>
+        <a:font script="Syre" typeface="Estrangelo Edessa"/>
+        <a:font script="Sora" typeface="Nirmala UI"/>
+        <a:font script="Tale" typeface="Microsoft Tai Le"/>
+        <a:font script="Talu" typeface="Microsoft New Tai Lue"/>
+        <a:font script="Tfng" typeface="Ebrima"/>
+      </a:minorFont>
+    </a:fontScheme>
+    <a:fmtScheme name="Office">
+      <a:fillStyleLst>
+        <a:solidFill>
+          <a:schemeClr val="phClr"/>
+        </a:solidFill>
+        <a:gradFill rotWithShape="1">
+          <a:gsLst>
+            <a:gs pos="0">
+              <a:schemeClr val="phClr">
+                <a:lumMod val="110000"/>
+                <a:satMod val="105000"/>
+                <a:tint val="67000"/>
+              </a:schemeClr>
+            </a:gs>
+            <a:gs pos="50000">
+              <a:schemeClr val="phClr">
+                <a:lumMod val="105000"/>
+                <a:satMod val="103000"/>
+                <a:tint val="73000"/>
+              </a:schemeClr>
+            </a:gs>
+            <a:gs pos="100000">
+              <a:schemeClr val="phClr">
+                <a:lumMod val="105000"/>
+                <a:satMod val="109000"/>
+                <a:tint val="81000"/>
+              </a:schemeClr>
+            </a:gs>
+          </a:gsLst>
+          <a:lin ang="5400000" scaled="0"/>
+        </a:gradFill>
+        <a:gradFill rotWithShape="1">
+          <a:gsLst>
+            <a:gs pos="0">
+              <a:schemeClr val="phClr">
+                <a:satMod val="103000"/>
+                <a:lumMod val="102000"/>
+                <a:tint val="94000"/>
+              </a:schemeClr>
+            </a:gs>
+            <a:gs pos="50000">
+              <a:schemeClr val="phClr">
+                <a:satMod val="110000"/>
+                <a:lumMod val="100000"/>
+                <a:shade val="100000"/>
+              </a:schemeClr>
+            </a:gs>
+            <a:gs pos="100000">
+              <a:schemeClr val="phClr">
+                <a:lumMod val="99000"/>
+                <a:satMod val="120000"/>
+                <a:shade val="78000"/>
+              </a:schemeClr>
+            </a:gs>
+          </a:gsLst>
+          <a:lin ang="5400000" scaled="0"/>
+        </a:gradFill>
+      </a:fillStyleLst>
+      <a:lnStyleLst>
+        <a:ln w="6350" cap="flat" cmpd="sng" algn="ctr">
+          <a:solidFill>
+            <a:schemeClr val="phClr"/>
+          </a:solidFill>
+          <a:prstDash val="solid"/>
+          <a:miter lim="800000"/>
+        </a:ln>
+        <a:ln w="12700" cap="flat" cmpd="sng" algn="ctr">
+          <a:solidFill>
+            <a:schemeClr val="phClr"/>
+          </a:solidFill>
+          <a:prstDash val="solid"/>
+          <a:miter lim="800000"/>
+        </a:ln>
+        <a:ln w="19050" cap="flat" cmpd="sng" algn="ctr">
+          <a:solidFill>
+            <a:schemeClr val="phClr"/>
+          </a:solidFill>
+          <a:prstDash val="solid"/>
+          <a:miter lim="800000"/>
+        </a:ln>
+      </a:lnStyleLst>
+      <a:effectStyleLst>
+        <a:effectStyle>
+          <a:effectLst/>
+        </a:effectStyle>
+        <a:effectStyle>
+          <a:effectLst/>
+        </a:effectStyle>
+        <a:effectStyle>
+          <a:effectLst>
+            <a:outerShdw blurRad="57150" dist="19050" dir="5400000" algn="ctr" rotWithShape="0">
+              <a:srgbClr val="000000">
+                <a:alpha val="63000"/>
+              </a:srgbClr>
+            </a:outerShdw>
+          </a:effectLst>
+        </a:effectStyle>
+      </a:effectStyleLst>
+      <a:bgFillStyleLst>
+        <a:solidFill>
+          <a:schemeClr val="phClr"/>
+        </a:solidFill>
+        <a:solidFill>
+          <a:schemeClr val="phClr">
+            <a:tint val="95000"/>
+            <a:satMod val="170000"/>
+          </a:schemeClr>
+        </a:solidFill>
+        <a:gradFill rotWithShape="1">
+          <a:gsLst>
+            <a:gs pos="0">
+              <a:schemeClr val="phClr">
+                <a:tint val="93000"/>
+                <a:satMod val="150000"/>
+                <a:shade val="98000"/>
+                <a:lumMod val="102000"/>
+              </a:schemeClr>
+            </a:gs>
+            <a:gs pos="50000">
+              <a:schemeClr val="phClr">
+                <a:tint val="98000"/>
+                <a:satMod val="130000"/>
+                <a:shade val="90000"/>
+                <a:lumMod val="103000"/>
+              </a:schemeClr>
+            </a:gs>
+            <a:gs pos="100000">
+              <a:schemeClr val="phClr">
+                <a:shade val="63000"/>
+                <a:satMod val="120000"/>
+              </a:schemeClr>
+            </a:gs>
+          </a:gsLst>
+          <a:lin ang="5400000" scaled="0"/>
+        </a:gradFill>
+      </a:bgFillStyleLst>
+    </a:fmtScheme>
+  </a:themeElements>
+  <a:objectDefaults/>
+  <a:extraClrSchemeLst/>
+  <a:extLst>
+    <a:ext uri="{05A4C25C-085E-4340-85A3-A5531E510DB2}">
+      <thm15:themeFamily xmlns:thm15="http://schemas.microsoft.com/office/thememl/2012/main" name="Office Theme" id="{62F939B6-93AF-4DB8-9C6B-D6C7DFDC589F}" vid="{4A3C46E8-61CC-4603-A589-7422A47A8E4A}"/>
+    </a:ext>
+  </a:extLst>
+</a:theme>
 </file>
--- a/Prop.pptx
+++ b/Prop.pptx
@@ -213,7 +213,7 @@
           <a:p>
             <a:fld id="{9AA6B148-16B5-4A23-893E-23AE86ADB783}" type="datetimeFigureOut">
               <a:rPr lang="en-US" smtClean="0"/>
-              <a:t>12/27/2017</a:t>
+              <a:t>12/28/2017</a:t>
             </a:fld>
             <a:endParaRPr lang="en-US"/>
           </a:p>
@@ -812,6 +812,90 @@
 </p:notes>
 </file>
 
+<file path=ppt/notesSlides/notesSlide4.xml><?xml version="1.0" encoding="utf-8"?>
+<p:notes xmlns:a="http://schemas.openxmlformats.org/drawingml/2006/main" xmlns:r="http://schemas.openxmlformats.org/officeDocument/2006/relationships" xmlns:p="http://schemas.openxmlformats.org/presentationml/2006/main">
+  <p:cSld>
+    <p:spTree>
+      <p:nvGrpSpPr>
+        <p:cNvPr id="1" name=""/>
+        <p:cNvGrpSpPr/>
+        <p:nvPr/>
+      </p:nvGrpSpPr>
+      <p:grpSpPr>
+        <a:xfrm>
+          <a:off x="0" y="0"/>
+          <a:ext cx="0" cy="0"/>
+          <a:chOff x="0" y="0"/>
+          <a:chExt cx="0" cy="0"/>
+        </a:xfrm>
+      </p:grpSpPr>
+      <p:sp>
+        <p:nvSpPr>
+          <p:cNvPr id="2" name="Slide Image Placeholder 1"/>
+          <p:cNvSpPr>
+            <a:spLocks noGrp="1" noRot="1" noChangeAspect="1"/>
+          </p:cNvSpPr>
+          <p:nvPr>
+            <p:ph type="sldImg"/>
+          </p:nvPr>
+        </p:nvSpPr>
+        <p:spPr/>
+      </p:sp>
+      <p:sp>
+        <p:nvSpPr>
+          <p:cNvPr id="3" name="Notes Placeholder 2"/>
+          <p:cNvSpPr>
+            <a:spLocks noGrp="1"/>
+          </p:cNvSpPr>
+          <p:nvPr>
+            <p:ph type="body" idx="1"/>
+          </p:nvPr>
+        </p:nvSpPr>
+        <p:spPr/>
+        <p:txBody>
+          <a:bodyPr/>
+          <a:lstStyle/>
+          <a:p>
+            <a:endParaRPr lang="en-US" dirty="0"/>
+          </a:p>
+        </p:txBody>
+      </p:sp>
+      <p:sp>
+        <p:nvSpPr>
+          <p:cNvPr id="4" name="Slide Number Placeholder 3"/>
+          <p:cNvSpPr>
+            <a:spLocks noGrp="1"/>
+          </p:cNvSpPr>
+          <p:nvPr>
+            <p:ph type="sldNum" sz="quarter" idx="10"/>
+          </p:nvPr>
+        </p:nvSpPr>
+        <p:spPr/>
+        <p:txBody>
+          <a:bodyPr/>
+          <a:lstStyle/>
+          <a:p>
+            <a:fld id="{D3FA2558-0A36-4D48-9210-26DC2443BBA1}" type="slidenum">
+              <a:rPr lang="en-US" smtClean="0"/>
+              <a:t>8</a:t>
+            </a:fld>
+            <a:endParaRPr lang="en-US"/>
+          </a:p>
+        </p:txBody>
+      </p:sp>
+    </p:spTree>
+    <p:extLst>
+      <p:ext uri="{BB962C8B-B14F-4D97-AF65-F5344CB8AC3E}">
+        <p14:creationId xmlns:p14="http://schemas.microsoft.com/office/powerpoint/2010/main" val="674723281"/>
+      </p:ext>
+    </p:extLst>
+  </p:cSld>
+  <p:clrMapOvr>
+    <a:masterClrMapping/>
+  </p:clrMapOvr>
+</p:notes>
+</file>
+
 <file path=ppt/slideLayouts/slideLayout1.xml><?xml version="1.0" encoding="utf-8"?>
 <p:sldLayout xmlns:a="http://schemas.openxmlformats.org/drawingml/2006/main" xmlns:r="http://schemas.openxmlformats.org/officeDocument/2006/relationships" xmlns:p="http://schemas.openxmlformats.org/presentationml/2006/main" type="title" preserve="1">
   <p:cSld name="Title Slide">
@@ -941,7 +1025,7 @@
           <a:p>
             <a:fld id="{739DF2AD-9A73-4106-85FD-00A9E5942C9C}" type="datetimeFigureOut">
               <a:rPr lang="en-US" smtClean="0"/>
-              <a:t>12/22/2017</a:t>
+              <a:t>12/28/2017</a:t>
             </a:fld>
             <a:endParaRPr lang="en-US"/>
           </a:p>
@@ -1109,7 +1193,7 @@
           <a:p>
             <a:fld id="{739DF2AD-9A73-4106-85FD-00A9E5942C9C}" type="datetimeFigureOut">
               <a:rPr lang="en-US" smtClean="0"/>
-              <a:t>12/22/2017</a:t>
+              <a:t>12/28/2017</a:t>
             </a:fld>
             <a:endParaRPr lang="en-US"/>
           </a:p>
@@ -1287,7 +1371,7 @@
           <a:p>
             <a:fld id="{739DF2AD-9A73-4106-85FD-00A9E5942C9C}" type="datetimeFigureOut">
               <a:rPr lang="en-US" smtClean="0"/>
-              <a:t>12/22/2017</a:t>
+              <a:t>12/28/2017</a:t>
             </a:fld>
             <a:endParaRPr lang="en-US"/>
           </a:p>
@@ -1455,7 +1539,7 @@
           <a:p>
             <a:fld id="{739DF2AD-9A73-4106-85FD-00A9E5942C9C}" type="datetimeFigureOut">
               <a:rPr lang="en-US" smtClean="0"/>
-              <a:t>12/22/2017</a:t>
+              <a:t>12/28/2017</a:t>
             </a:fld>
             <a:endParaRPr lang="en-US"/>
           </a:p>
@@ -1700,7 +1784,7 @@
           <a:p>
             <a:fld id="{739DF2AD-9A73-4106-85FD-00A9E5942C9C}" type="datetimeFigureOut">
               <a:rPr lang="en-US" smtClean="0"/>
-              <a:t>12/22/2017</a:t>
+              <a:t>12/28/2017</a:t>
             </a:fld>
             <a:endParaRPr lang="en-US"/>
           </a:p>
@@ -1929,7 +2013,7 @@
           <a:p>
             <a:fld id="{739DF2AD-9A73-4106-85FD-00A9E5942C9C}" type="datetimeFigureOut">
               <a:rPr lang="en-US" smtClean="0"/>
-              <a:t>12/22/2017</a:t>
+              <a:t>12/28/2017</a:t>
             </a:fld>
             <a:endParaRPr lang="en-US"/>
           </a:p>
@@ -2293,7 +2377,7 @@
           <a:p>
             <a:fld id="{739DF2AD-9A73-4106-85FD-00A9E5942C9C}" type="datetimeFigureOut">
               <a:rPr lang="en-US" smtClean="0"/>
-              <a:t>12/22/2017</a:t>
+              <a:t>12/28/2017</a:t>
             </a:fld>
             <a:endParaRPr lang="en-US"/>
           </a:p>
@@ -2410,7 +2494,7 @@
           <a:p>
             <a:fld id="{739DF2AD-9A73-4106-85FD-00A9E5942C9C}" type="datetimeFigureOut">
               <a:rPr lang="en-US" smtClean="0"/>
-              <a:t>12/22/2017</a:t>
+              <a:t>12/28/2017</a:t>
             </a:fld>
             <a:endParaRPr lang="en-US"/>
           </a:p>
@@ -2505,7 +2589,7 @@
           <a:p>
             <a:fld id="{739DF2AD-9A73-4106-85FD-00A9E5942C9C}" type="datetimeFigureOut">
               <a:rPr lang="en-US" smtClean="0"/>
-              <a:t>12/22/2017</a:t>
+              <a:t>12/28/2017</a:t>
             </a:fld>
             <a:endParaRPr lang="en-US"/>
           </a:p>
@@ -2780,7 +2864,7 @@
           <a:p>
             <a:fld id="{739DF2AD-9A73-4106-85FD-00A9E5942C9C}" type="datetimeFigureOut">
               <a:rPr lang="en-US" smtClean="0"/>
-              <a:t>12/22/2017</a:t>
+              <a:t>12/28/2017</a:t>
             </a:fld>
             <a:endParaRPr lang="en-US"/>
           </a:p>
@@ -3032,7 +3116,7 @@
           <a:p>
             <a:fld id="{739DF2AD-9A73-4106-85FD-00A9E5942C9C}" type="datetimeFigureOut">
               <a:rPr lang="en-US" smtClean="0"/>
-              <a:t>12/22/2017</a:t>
+              <a:t>12/28/2017</a:t>
             </a:fld>
             <a:endParaRPr lang="en-US"/>
           </a:p>
@@ -3243,7 +3327,7 @@
           <a:p>
             <a:fld id="{739DF2AD-9A73-4106-85FD-00A9E5942C9C}" type="datetimeFigureOut">
               <a:rPr lang="en-US" smtClean="0"/>
-              <a:t>12/22/2017</a:t>
+              <a:t>12/28/2017</a:t>
             </a:fld>
             <a:endParaRPr lang="en-US"/>
           </a:p>
@@ -6266,7 +6350,7 @@
         </p:blipFill>
         <p:spPr>
           <a:xfrm>
-            <a:off x="9199905" y="0"/>
+            <a:off x="6452649" y="667526"/>
             <a:ext cx="2879217" cy="2270546"/>
           </a:xfrm>
           <a:prstGeom prst="rect">
@@ -6568,7 +6652,7 @@
         </p:blipFill>
         <p:spPr>
           <a:xfrm>
-            <a:off x="7544084" y="2493145"/>
+            <a:off x="7434008" y="3889891"/>
             <a:ext cx="4647916" cy="2107216"/>
           </a:xfrm>
           <a:prstGeom prst="rect">
@@ -6604,14 +6688,120 @@
         </p:blipFill>
         <p:spPr>
           <a:xfrm>
-            <a:off x="10029141" y="4822960"/>
-            <a:ext cx="2049981" cy="1901952"/>
+            <a:off x="9514089" y="611593"/>
+            <a:ext cx="2567835" cy="2382412"/>
           </a:xfrm>
           <a:prstGeom prst="rect">
             <a:avLst/>
           </a:prstGeom>
         </p:spPr>
       </p:pic>
+      <p:sp>
+        <p:nvSpPr>
+          <p:cNvPr id="7" name="TextBox 6"/>
+          <p:cNvSpPr txBox="1"/>
+          <p:nvPr/>
+        </p:nvSpPr>
+        <p:spPr>
+          <a:xfrm>
+            <a:off x="6418004" y="3026828"/>
+            <a:ext cx="3085432" cy="646331"/>
+          </a:xfrm>
+          <a:prstGeom prst="rect">
+            <a:avLst/>
+          </a:prstGeom>
+          <a:noFill/>
+        </p:spPr>
+        <p:txBody>
+          <a:bodyPr wrap="square" rtlCol="0">
+            <a:spAutoFit/>
+          </a:bodyPr>
+          <a:lstStyle/>
+          <a:p>
+            <a:r>
+              <a:rPr lang="en-US" i="1" dirty="0" smtClean="0"/>
+              <a:t> UAV guidance along path via vector field [</a:t>
+            </a:r>
+            <a:r>
+              <a:rPr lang="en-US" i="1" dirty="0" err="1" smtClean="0"/>
+              <a:t>Sujit</a:t>
+            </a:r>
+            <a:r>
+              <a:rPr lang="en-US" i="1" dirty="0" smtClean="0"/>
+              <a:t>, 2014]</a:t>
+            </a:r>
+            <a:endParaRPr lang="en-US" i="1" dirty="0"/>
+          </a:p>
+        </p:txBody>
+      </p:sp>
+      <p:sp>
+        <p:nvSpPr>
+          <p:cNvPr id="8" name="TextBox 7"/>
+          <p:cNvSpPr txBox="1"/>
+          <p:nvPr/>
+        </p:nvSpPr>
+        <p:spPr>
+          <a:xfrm>
+            <a:off x="7544084" y="5942553"/>
+            <a:ext cx="4647916" cy="646331"/>
+          </a:xfrm>
+          <a:prstGeom prst="rect">
+            <a:avLst/>
+          </a:prstGeom>
+          <a:noFill/>
+        </p:spPr>
+        <p:txBody>
+          <a:bodyPr wrap="square" rtlCol="0">
+            <a:spAutoFit/>
+          </a:bodyPr>
+          <a:lstStyle/>
+          <a:p>
+            <a:r>
+              <a:rPr lang="en-US" i="1" dirty="0" smtClean="0"/>
+              <a:t> </a:t>
+            </a:r>
+            <a:r>
+              <a:rPr lang="en-US" i="1" dirty="0" err="1" smtClean="0"/>
+              <a:t>Lyapunov</a:t>
+            </a:r>
+            <a:r>
+              <a:rPr lang="en-US" i="1" dirty="0" smtClean="0"/>
+              <a:t> vector field path primitives [Nelson et al, 2005]</a:t>
+            </a:r>
+            <a:endParaRPr lang="en-US" i="1" dirty="0"/>
+          </a:p>
+        </p:txBody>
+      </p:sp>
+      <p:sp>
+        <p:nvSpPr>
+          <p:cNvPr id="9" name="TextBox 8"/>
+          <p:cNvSpPr txBox="1"/>
+          <p:nvPr/>
+        </p:nvSpPr>
+        <p:spPr>
+          <a:xfrm>
+            <a:off x="9645206" y="3026827"/>
+            <a:ext cx="2546794" cy="923330"/>
+          </a:xfrm>
+          <a:prstGeom prst="rect">
+            <a:avLst/>
+          </a:prstGeom>
+          <a:noFill/>
+        </p:spPr>
+        <p:txBody>
+          <a:bodyPr wrap="square" rtlCol="0">
+            <a:spAutoFit/>
+          </a:bodyPr>
+          <a:lstStyle/>
+          <a:p>
+            <a:r>
+              <a:rPr lang="en-US" i="1" dirty="0" smtClean="0"/>
+              <a:t>Switching primitives guidance for UAV [Nelson et al, 2005]</a:t>
+            </a:r>
+            <a:endParaRPr lang="en-US" i="1" dirty="0"/>
+          </a:p>
+        </p:txBody>
+      </p:sp>
     </p:spTree>
     <p:extLst>
       <p:ext uri="{BB962C8B-B14F-4D97-AF65-F5344CB8AC3E}">
@@ -6766,7 +6956,7 @@
           <p:nvPr/>
         </p:nvPicPr>
         <p:blipFill>
-          <a:blip r:embed="rId2">
+          <a:blip r:embed="rId2" cstate="print">
             <a:extLst>
               <a:ext uri="{28A0092B-C50C-407E-A947-70E740481C1C}">
                 <a14:useLocalDpi xmlns:a14="http://schemas.microsoft.com/office/drawing/2010/main" val="0"/>
@@ -6779,8 +6969,8 @@
         </p:blipFill>
         <p:spPr>
           <a:xfrm>
-            <a:off x="8364701" y="266038"/>
-            <a:ext cx="3315235" cy="3119174"/>
+            <a:off x="8664314" y="0"/>
+            <a:ext cx="2940670" cy="2766761"/>
           </a:xfrm>
           <a:prstGeom prst="rect">
             <a:avLst/>
@@ -6815,7 +7005,7 @@
         </p:blipFill>
         <p:spPr>
           <a:xfrm>
-            <a:off x="6335171" y="4001294"/>
+            <a:off x="6351692" y="3585191"/>
             <a:ext cx="2579936" cy="2540648"/>
           </a:xfrm>
           <a:prstGeom prst="rect">
@@ -6851,7 +7041,7 @@
         </p:blipFill>
         <p:spPr>
           <a:xfrm>
-            <a:off x="8931629" y="4001294"/>
+            <a:off x="8931628" y="3601219"/>
             <a:ext cx="3315235" cy="2540648"/>
           </a:xfrm>
           <a:prstGeom prst="rect">
@@ -6859,6 +7049,86 @@
           </a:prstGeom>
         </p:spPr>
       </p:pic>
+      <p:sp>
+        <p:nvSpPr>
+          <p:cNvPr id="7" name="TextBox 6"/>
+          <p:cNvSpPr txBox="1"/>
+          <p:nvPr/>
+        </p:nvSpPr>
+        <p:spPr>
+          <a:xfrm>
+            <a:off x="8368932" y="2702468"/>
+            <a:ext cx="3823068" cy="646331"/>
+          </a:xfrm>
+          <a:prstGeom prst="rect">
+            <a:avLst/>
+          </a:prstGeom>
+          <a:noFill/>
+        </p:spPr>
+        <p:txBody>
+          <a:bodyPr wrap="square" rtlCol="0">
+            <a:spAutoFit/>
+          </a:bodyPr>
+          <a:lstStyle/>
+          <a:p>
+            <a:r>
+              <a:rPr lang="en-US" i="1" dirty="0" err="1" smtClean="0"/>
+              <a:t>Lyapunov</a:t>
+            </a:r>
+            <a:r>
+              <a:rPr lang="en-US" i="1" dirty="0" smtClean="0"/>
+              <a:t> vector field guidance along curved path [Griffiths, 2006]</a:t>
+            </a:r>
+            <a:endParaRPr lang="en-US" i="1" dirty="0"/>
+          </a:p>
+        </p:txBody>
+      </p:sp>
+      <p:sp>
+        <p:nvSpPr>
+          <p:cNvPr id="9" name="TextBox 8"/>
+          <p:cNvSpPr txBox="1"/>
+          <p:nvPr/>
+        </p:nvSpPr>
+        <p:spPr>
+          <a:xfrm>
+            <a:off x="6476320" y="6039065"/>
+            <a:ext cx="5840308" cy="646331"/>
+          </a:xfrm>
+          <a:prstGeom prst="rect">
+            <a:avLst/>
+          </a:prstGeom>
+          <a:noFill/>
+        </p:spPr>
+        <p:txBody>
+          <a:bodyPr wrap="square" rtlCol="0">
+            <a:spAutoFit/>
+          </a:bodyPr>
+          <a:lstStyle/>
+          <a:p>
+            <a:r>
+              <a:rPr lang="en-US" i="1" dirty="0" smtClean="0"/>
+              <a:t>Non-linear coordinate transformation of stable circular </a:t>
+            </a:r>
+            <a:r>
+              <a:rPr lang="en-US" i="1" dirty="0" err="1" smtClean="0"/>
+              <a:t>Lyapunov</a:t>
+            </a:r>
+            <a:r>
+              <a:rPr lang="en-US" i="1" dirty="0" smtClean="0"/>
+              <a:t> vector field [</a:t>
+            </a:r>
+            <a:r>
+              <a:rPr lang="en-US" i="1" dirty="0" err="1" smtClean="0"/>
+              <a:t>Frew</a:t>
+            </a:r>
+            <a:r>
+              <a:rPr lang="en-US" i="1" dirty="0" smtClean="0"/>
+              <a:t> 2007]</a:t>
+            </a:r>
+            <a:endParaRPr lang="en-US" i="1" dirty="0"/>
+          </a:p>
+        </p:txBody>
+      </p:sp>
     </p:spTree>
     <p:extLst>
       <p:ext uri="{BB962C8B-B14F-4D97-AF65-F5344CB8AC3E}">
@@ -6911,7 +7181,7 @@
           <a:graphicData uri="http://schemas.openxmlformats.org/presentationml/2006/ole">
             <mc:AlternateContent xmlns:mc="http://schemas.openxmlformats.org/markup-compatibility/2006">
               <mc:Choice xmlns:v="urn:schemas-microsoft-com:vml" Requires="v">
-                <p:oleObj spid="_x0000_s3100" name="Acrobat Document" r:id="rId4" imgW="3428913" imgH="3428768" progId="AcroExch.Document.DC">
+                <p:oleObj spid="_x0000_s3118" name="Acrobat Document" r:id="rId4" imgW="3428913" imgH="3428768" progId="AcroExch.Document.DC">
                   <p:embed/>
                 </p:oleObj>
               </mc:Choice>
@@ -7055,7 +7325,7 @@
           <a:graphicData uri="http://schemas.openxmlformats.org/presentationml/2006/ole">
             <mc:AlternateContent xmlns:mc="http://schemas.openxmlformats.org/markup-compatibility/2006">
               <mc:Choice xmlns:v="urn:schemas-microsoft-com:vml" Requires="v">
-                <p:oleObj spid="_x0000_s3101" name="Acrobat Document" r:id="rId8" imgW="3428913" imgH="3428768" progId="AcroExch.Document.DC">
+                <p:oleObj spid="_x0000_s3119" name="Acrobat Document" r:id="rId8" imgW="3428913" imgH="3428768" progId="AcroExch.Document.DC">
                   <p:embed/>
                 </p:oleObj>
               </mc:Choice>
@@ -7531,7 +7801,12 @@
             <p:ph type="title"/>
           </p:nvPr>
         </p:nvSpPr>
-        <p:spPr/>
+        <p:spPr>
+          <a:xfrm>
+            <a:off x="43723" y="365125"/>
+            <a:ext cx="10515600" cy="1325563"/>
+          </a:xfrm>
+        </p:spPr>
         <p:txBody>
           <a:bodyPr/>
           <a:lstStyle/>
@@ -7553,12 +7828,214 @@
             <p:ph idx="1"/>
           </p:nvPr>
         </p:nvSpPr>
-        <p:spPr/>
+        <p:spPr>
+          <a:xfrm>
+            <a:off x="-13299" y="1707462"/>
+            <a:ext cx="4749615" cy="4351338"/>
+          </a:xfrm>
+        </p:spPr>
         <p:txBody>
           <a:bodyPr/>
           <a:lstStyle/>
           <a:p>
-            <a:endParaRPr lang="en-US"/>
+            <a:r>
+              <a:rPr lang="en-US" dirty="0" smtClean="0"/>
+              <a:t>[Wilhelm et al. 2017]</a:t>
+            </a:r>
+          </a:p>
+          <a:p>
+            <a:pPr lvl="1"/>
+            <a:r>
+              <a:rPr lang="en-US" dirty="0" smtClean="0"/>
+              <a:t>Loiter moving target</a:t>
+            </a:r>
+          </a:p>
+          <a:p>
+            <a:pPr lvl="1"/>
+            <a:r>
+              <a:rPr lang="en-US" dirty="0" smtClean="0"/>
+              <a:t>Reduced steady-state error in comparison to </a:t>
+            </a:r>
+            <a:r>
+              <a:rPr lang="en-US" dirty="0" err="1" smtClean="0"/>
+              <a:t>Lyapunov</a:t>
+            </a:r>
+            <a:endParaRPr lang="en-US" dirty="0" smtClean="0"/>
+          </a:p>
+          <a:p>
+            <a:pPr lvl="1"/>
+            <a:r>
+              <a:rPr lang="en-US" dirty="0" smtClean="0"/>
+              <a:t>Obstacle Avoidance</a:t>
+            </a:r>
+          </a:p>
+          <a:p>
+            <a:pPr lvl="2"/>
+            <a:r>
+              <a:rPr lang="en-US" dirty="0" smtClean="0"/>
+              <a:t>Goal field tracked target ground vehicle </a:t>
+            </a:r>
+          </a:p>
+          <a:p>
+            <a:pPr lvl="2"/>
+            <a:r>
+              <a:rPr lang="en-US" dirty="0" smtClean="0"/>
+              <a:t>Repulsive fields representing obstacles</a:t>
+            </a:r>
+          </a:p>
+          <a:p>
+            <a:pPr lvl="2"/>
+            <a:r>
+              <a:rPr lang="en-US" dirty="0" smtClean="0"/>
+              <a:t>Fields summed resulting in guidance</a:t>
+            </a:r>
+            <a:endParaRPr lang="en-US" dirty="0"/>
+          </a:p>
+        </p:txBody>
+      </p:sp>
+      <p:pic>
+        <p:nvPicPr>
+          <p:cNvPr id="5" name="Picture 4"/>
+          <p:cNvPicPr>
+            <a:picLocks noChangeAspect="1"/>
+          </p:cNvPicPr>
+          <p:nvPr/>
+        </p:nvPicPr>
+        <p:blipFill>
+          <a:blip r:embed="rId3" cstate="print">
+            <a:extLst>
+              <a:ext uri="{28A0092B-C50C-407E-A947-70E740481C1C}">
+                <a14:useLocalDpi xmlns:a14="http://schemas.microsoft.com/office/drawing/2010/main" val="0"/>
+              </a:ext>
+            </a:extLst>
+          </a:blip>
+          <a:stretch>
+            <a:fillRect/>
+          </a:stretch>
+        </p:blipFill>
+        <p:spPr>
+          <a:xfrm>
+            <a:off x="6278941" y="3632968"/>
+            <a:ext cx="3991735" cy="2835288"/>
+          </a:xfrm>
+          <a:prstGeom prst="rect">
+            <a:avLst/>
+          </a:prstGeom>
+        </p:spPr>
+      </p:pic>
+      <p:pic>
+        <p:nvPicPr>
+          <p:cNvPr id="6" name="Picture 5"/>
+          <p:cNvPicPr>
+            <a:picLocks noChangeAspect="1"/>
+          </p:cNvPicPr>
+          <p:nvPr/>
+        </p:nvPicPr>
+        <p:blipFill>
+          <a:blip r:embed="rId4"/>
+          <a:stretch>
+            <a:fillRect/>
+          </a:stretch>
+        </p:blipFill>
+        <p:spPr>
+          <a:xfrm>
+            <a:off x="8349352" y="210396"/>
+            <a:ext cx="3842648" cy="3011411"/>
+          </a:xfrm>
+          <a:prstGeom prst="rect">
+            <a:avLst/>
+          </a:prstGeom>
+        </p:spPr>
+      </p:pic>
+      <p:pic>
+        <p:nvPicPr>
+          <p:cNvPr id="7" name="Picture 6"/>
+          <p:cNvPicPr>
+            <a:picLocks noChangeAspect="1"/>
+          </p:cNvPicPr>
+          <p:nvPr/>
+        </p:nvPicPr>
+        <p:blipFill>
+          <a:blip r:embed="rId5"/>
+          <a:stretch>
+            <a:fillRect/>
+          </a:stretch>
+        </p:blipFill>
+        <p:spPr>
+          <a:xfrm>
+            <a:off x="4736316" y="357578"/>
+            <a:ext cx="3744582" cy="2717045"/>
+          </a:xfrm>
+          <a:prstGeom prst="rect">
+            <a:avLst/>
+          </a:prstGeom>
+        </p:spPr>
+      </p:pic>
+      <p:sp>
+        <p:nvSpPr>
+          <p:cNvPr id="8" name="TextBox 7"/>
+          <p:cNvSpPr txBox="1"/>
+          <p:nvPr/>
+        </p:nvSpPr>
+        <p:spPr>
+          <a:xfrm>
+            <a:off x="4736316" y="3091397"/>
+            <a:ext cx="6190937" cy="369332"/>
+          </a:xfrm>
+          <a:prstGeom prst="rect">
+            <a:avLst/>
+          </a:prstGeom>
+          <a:noFill/>
+        </p:spPr>
+        <p:txBody>
+          <a:bodyPr wrap="square" rtlCol="0">
+            <a:spAutoFit/>
+          </a:bodyPr>
+          <a:lstStyle/>
+          <a:p>
+            <a:r>
+              <a:rPr lang="en-US" i="1" dirty="0" smtClean="0"/>
+              <a:t>GVF and </a:t>
+            </a:r>
+            <a:r>
+              <a:rPr lang="en-US" i="1" dirty="0" err="1" smtClean="0"/>
+              <a:t>Lyapunov</a:t>
+            </a:r>
+            <a:r>
+              <a:rPr lang="en-US" i="1" dirty="0" smtClean="0"/>
+              <a:t> tracking a ground target [Wilhelm et al.]</a:t>
+            </a:r>
+            <a:endParaRPr lang="en-US" i="1" dirty="0"/>
+          </a:p>
+        </p:txBody>
+      </p:sp>
+      <p:sp>
+        <p:nvSpPr>
+          <p:cNvPr id="9" name="TextBox 8"/>
+          <p:cNvSpPr txBox="1"/>
+          <p:nvPr/>
+        </p:nvSpPr>
+        <p:spPr>
+          <a:xfrm>
+            <a:off x="6417713" y="6211669"/>
+            <a:ext cx="4704989" cy="646331"/>
+          </a:xfrm>
+          <a:prstGeom prst="rect">
+            <a:avLst/>
+          </a:prstGeom>
+          <a:noFill/>
+        </p:spPr>
+        <p:txBody>
+          <a:bodyPr wrap="square" rtlCol="0">
+            <a:spAutoFit/>
+          </a:bodyPr>
+          <a:lstStyle/>
+          <a:p>
+            <a:r>
+              <a:rPr lang="en-US" i="1" dirty="0" smtClean="0"/>
+              <a:t>UAV tracking a ground target and avoiding obstacles [Wilhelm et al.]</a:t>
+            </a:r>
+            <a:endParaRPr lang="en-US" i="1" dirty="0"/>
           </a:p>
         </p:txBody>
       </p:sp>
